--- a/ProjectReview-2 (1).pptx
+++ b/ProjectReview-2 (1).pptx
@@ -5,7 +5,7 @@
     <p:sldMasterId id="2147483702" r:id="rId1"/>
   </p:sldMasterIdLst>
   <p:notesMasterIdLst>
-    <p:notesMasterId r:id="rId30"/>
+    <p:notesMasterId r:id="rId45"/>
   </p:notesMasterIdLst>
   <p:sldIdLst>
     <p:sldId id="256" r:id="rId2"/>
@@ -14,28 +14,43 @@
     <p:sldId id="285" r:id="rId5"/>
     <p:sldId id="284" r:id="rId6"/>
     <p:sldId id="287" r:id="rId7"/>
-    <p:sldId id="276" r:id="rId8"/>
-    <p:sldId id="289" r:id="rId9"/>
-    <p:sldId id="290" r:id="rId10"/>
-    <p:sldId id="286" r:id="rId11"/>
-    <p:sldId id="292" r:id="rId12"/>
-    <p:sldId id="288" r:id="rId13"/>
-    <p:sldId id="291" r:id="rId14"/>
-    <p:sldId id="267" r:id="rId15"/>
-    <p:sldId id="257" r:id="rId16"/>
-    <p:sldId id="270" r:id="rId17"/>
-    <p:sldId id="269" r:id="rId18"/>
-    <p:sldId id="281" r:id="rId19"/>
-    <p:sldId id="280" r:id="rId20"/>
-    <p:sldId id="271" r:id="rId21"/>
-    <p:sldId id="264" r:id="rId22"/>
-    <p:sldId id="265" r:id="rId23"/>
-    <p:sldId id="266" r:id="rId24"/>
-    <p:sldId id="272" r:id="rId25"/>
-    <p:sldId id="274" r:id="rId26"/>
-    <p:sldId id="278" r:id="rId27"/>
-    <p:sldId id="277" r:id="rId28"/>
-    <p:sldId id="268" r:id="rId29"/>
+    <p:sldId id="293" r:id="rId8"/>
+    <p:sldId id="294" r:id="rId9"/>
+    <p:sldId id="295" r:id="rId10"/>
+    <p:sldId id="296" r:id="rId11"/>
+    <p:sldId id="298" r:id="rId12"/>
+    <p:sldId id="297" r:id="rId13"/>
+    <p:sldId id="276" r:id="rId14"/>
+    <p:sldId id="289" r:id="rId15"/>
+    <p:sldId id="290" r:id="rId16"/>
+    <p:sldId id="286" r:id="rId17"/>
+    <p:sldId id="292" r:id="rId18"/>
+    <p:sldId id="303" r:id="rId19"/>
+    <p:sldId id="267" r:id="rId20"/>
+    <p:sldId id="288" r:id="rId21"/>
+    <p:sldId id="291" r:id="rId22"/>
+    <p:sldId id="269" r:id="rId23"/>
+    <p:sldId id="299" r:id="rId24"/>
+    <p:sldId id="300" r:id="rId25"/>
+    <p:sldId id="277" r:id="rId26"/>
+    <p:sldId id="305" r:id="rId27"/>
+    <p:sldId id="304" r:id="rId28"/>
+    <p:sldId id="301" r:id="rId29"/>
+    <p:sldId id="302" r:id="rId30"/>
+    <p:sldId id="306" r:id="rId31"/>
+    <p:sldId id="307" r:id="rId32"/>
+    <p:sldId id="257" r:id="rId33"/>
+    <p:sldId id="270" r:id="rId34"/>
+    <p:sldId id="281" r:id="rId35"/>
+    <p:sldId id="280" r:id="rId36"/>
+    <p:sldId id="271" r:id="rId37"/>
+    <p:sldId id="264" r:id="rId38"/>
+    <p:sldId id="265" r:id="rId39"/>
+    <p:sldId id="266" r:id="rId40"/>
+    <p:sldId id="272" r:id="rId41"/>
+    <p:sldId id="274" r:id="rId42"/>
+    <p:sldId id="278" r:id="rId43"/>
+    <p:sldId id="268" r:id="rId44"/>
   </p:sldIdLst>
   <p:sldSz cx="12192000" cy="6858000"/>
   <p:notesSz cx="6858000" cy="9144000"/>
@@ -4769,7 +4784,7 @@
           <p:cNvPr id="2" name="Title 1">
             <a:extLst>
               <a:ext uri="{FF2B5EF4-FFF2-40B4-BE49-F238E27FC236}">
-                <a16:creationId xmlns:a16="http://schemas.microsoft.com/office/drawing/2014/main" id="{EAEAFBB0-03C4-0BD5-8571-CFE022F0C2DA}"/>
+                <a16:creationId xmlns:a16="http://schemas.microsoft.com/office/drawing/2014/main" id="{38CC1996-E493-8F5B-CE0E-10E931A7BF39}"/>
               </a:ext>
             </a:extLst>
           </p:cNvPr>
@@ -4786,10 +4801,9 @@
           <a:lstStyle/>
           <a:p>
             <a:r>
-              <a:rPr lang="en-US" dirty="0"/>
-              <a:t>QR CODE: </a:t>
-            </a:r>
-            <a:endParaRPr lang="en-IN" dirty="0"/>
+              <a:rPr lang="en-IN" dirty="0"/>
+              <a:t>QR CODE STRUCTURE</a:t>
+            </a:r>
           </a:p>
         </p:txBody>
       </p:sp>
@@ -4798,7 +4812,7 @@
           <p:cNvPr id="3" name="Content Placeholder 2">
             <a:extLst>
               <a:ext uri="{FF2B5EF4-FFF2-40B4-BE49-F238E27FC236}">
-                <a16:creationId xmlns:a16="http://schemas.microsoft.com/office/drawing/2014/main" id="{E6C086B6-3390-46E4-0580-DE3B80B7DD49}"/>
+                <a16:creationId xmlns:a16="http://schemas.microsoft.com/office/drawing/2014/main" id="{3109F453-F931-778F-2AED-5548739B10E2}"/>
               </a:ext>
             </a:extLst>
           </p:cNvPr>
@@ -4811,149 +4825,191 @@
         </p:nvSpPr>
         <p:spPr>
           <a:xfrm>
-            <a:off x="1069848" y="1854679"/>
-            <a:ext cx="10058400" cy="4317521"/>
+            <a:off x="527538" y="2121408"/>
+            <a:ext cx="7860324" cy="4050792"/>
           </a:xfrm>
         </p:spPr>
         <p:txBody>
           <a:bodyPr>
-            <a:normAutofit fontScale="85000" lnSpcReduction="20000"/>
+            <a:normAutofit fontScale="92500" lnSpcReduction="20000"/>
           </a:bodyPr>
           <a:lstStyle/>
           <a:p>
-            <a:r>
-              <a:rPr lang="en-IN" dirty="0"/>
-              <a:t>QR code system for quick retrieval of item information</a:t>
-            </a:r>
-          </a:p>
-          <a:p>
-            <a:r>
-              <a:rPr lang="en-IN" dirty="0"/>
-              <a:t>QR code generated after operator adds item details</a:t>
-            </a:r>
-          </a:p>
-          <a:p>
-            <a:r>
-              <a:rPr lang="en-IN" dirty="0"/>
-              <a:t>QR code can be printed and attached to box</a:t>
-            </a:r>
-          </a:p>
-          <a:p>
-            <a:r>
-              <a:rPr lang="en-IN" dirty="0"/>
-              <a:t>Scanning QR code displays item details in system</a:t>
-            </a:r>
-          </a:p>
-          <a:p>
-            <a:r>
-              <a:rPr lang="en-IN" dirty="0"/>
-              <a:t>Allows operator to make modifications as needed</a:t>
-            </a:r>
-          </a:p>
-          <a:p>
+            <a:pPr marL="0" indent="0">
+              <a:buNone/>
+            </a:pPr>
             <a:r>
               <a:rPr lang="en-US" dirty="0"/>
-              <a:t>QR code generation</a:t>
+              <a:t>1.  Finder Pattern:</a:t>
             </a:r>
           </a:p>
           <a:p>
             <a:pPr lvl="1"/>
             <a:r>
               <a:rPr lang="en-US" dirty="0"/>
-              <a:t>Store Item details</a:t>
-            </a:r>
-          </a:p>
-          <a:p>
+              <a:t>Separated from the rest of the QR Code by light area</a:t>
+            </a:r>
+          </a:p>
+          <a:p>
+            <a:pPr lvl="1"/>
             <a:r>
               <a:rPr lang="en-US" dirty="0"/>
-              <a:t>QR code scanning</a:t>
+              <a:t>Three identical structures in all corners except bottom right</a:t>
             </a:r>
           </a:p>
           <a:p>
             <a:pPr lvl="1"/>
             <a:r>
               <a:rPr lang="en-US" dirty="0"/>
-              <a:t>Get item details</a:t>
-            </a:r>
-          </a:p>
-          <a:p>
-            <a:pPr marL="182880" marR="0" lvl="0" indent="-182880" algn="l" defTabSz="914400" rtl="0" eaLnBrk="1" fontAlgn="auto" latinLnBrk="0" hangingPunct="1">
-              <a:lnSpc>
-                <a:spcPct val="90000"/>
-              </a:lnSpc>
-              <a:spcBef>
-                <a:spcPts val="1200"/>
-              </a:spcBef>
-              <a:spcAft>
-                <a:spcPts val="0"/>
-              </a:spcAft>
-              <a:buClr>
-                <a:srgbClr val="D34817">
-                  <a:lumMod val="75000"/>
-                </a:srgbClr>
-              </a:buClr>
-              <a:buSzPct val="85000"/>
-              <a:buFont typeface="Wingdings" pitchFamily="2" charset="2"/>
-              <a:buChar char="§"/>
-              <a:tabLst/>
-              <a:defRPr/>
+              <a:t>Enables decoder software to recognize and determine orientation. </a:t>
+            </a:r>
+          </a:p>
+          <a:p>
+            <a:pPr marL="0" indent="0">
+              <a:buNone/>
             </a:pPr>
             <a:r>
-              <a:rPr kumimoji="0" lang="en-US" sz="1700" b="0" i="0" u="none" strike="noStrike" kern="1200" cap="none" spc="0" normalizeH="0" baseline="0" noProof="0" dirty="0">
-                <a:ln>
-                  <a:noFill/>
-                </a:ln>
-                <a:solidFill>
-                  <a:prstClr val="black"/>
-                </a:solidFill>
-                <a:effectLst/>
-                <a:uLnTx/>
-                <a:uFillTx/>
-                <a:latin typeface="Rockwell" panose="02060603020205020403"/>
-                <a:ea typeface="+mn-ea"/>
-                <a:cs typeface="+mn-cs"/>
-              </a:rPr>
-              <a:t>QR code can be printed and attached to box.</a:t>
-            </a:r>
+              <a:rPr lang="en-US" dirty="0"/>
+              <a:t>2. Alignment Pattern:</a:t>
+            </a:r>
+          </a:p>
+          <a:p>
+            <a:pPr lvl="1"/>
+            <a:r>
+              <a:rPr lang="en-US" dirty="0"/>
+              <a:t>Determines perspective distortion</a:t>
+            </a:r>
+          </a:p>
+          <a:p>
+            <a:pPr lvl="1"/>
+            <a:r>
+              <a:rPr lang="en-US" dirty="0"/>
+              <a:t>Supports decoder software correction</a:t>
+            </a:r>
+          </a:p>
+          <a:p>
+            <a:pPr lvl="1"/>
+            <a:r>
+              <a:rPr lang="en-US" dirty="0"/>
+              <a:t>Added with growing QR Code size.</a:t>
+            </a:r>
+          </a:p>
+          <a:p>
+            <a:pPr lvl="1"/>
             <a:endParaRPr lang="en-IN" dirty="0"/>
           </a:p>
           <a:p>
-            <a:r>
-              <a:rPr lang="en-IN" dirty="0"/>
-              <a:t>Advantages:</a:t>
+            <a:pPr marL="0" indent="0">
+              <a:buNone/>
+            </a:pPr>
+            <a:r>
+              <a:rPr lang="en-US" dirty="0"/>
+              <a:t>3. Timing Pattern:</a:t>
             </a:r>
           </a:p>
           <a:p>
             <a:pPr lvl="1"/>
             <a:r>
-              <a:rPr lang="en-IN" dirty="0"/>
-              <a:t>Efficient method to store item details</a:t>
+              <a:rPr lang="en-US" dirty="0"/>
+              <a:t>Alternating black/white modules</a:t>
             </a:r>
           </a:p>
           <a:p>
             <a:pPr lvl="1"/>
             <a:r>
-              <a:rPr lang="en-IN" dirty="0"/>
-              <a:t>Get item details quickly</a:t>
+              <a:rPr lang="en-US" dirty="0"/>
+              <a:t>Determines module width</a:t>
             </a:r>
           </a:p>
           <a:p>
             <a:pPr lvl="1"/>
             <a:r>
-              <a:rPr lang="en-IN" dirty="0"/>
-              <a:t>Secure</a:t>
-            </a:r>
+              <a:rPr lang="en-US" dirty="0"/>
+              <a:t>Interconnects finder patterns</a:t>
+            </a:r>
+          </a:p>
+          <a:p>
+            <a:pPr lvl="1"/>
+            <a:r>
+              <a:rPr lang="en-US" dirty="0"/>
+              <a:t>Determines size, rows/columns, distortion</a:t>
+            </a:r>
+            <a:endParaRPr lang="en-IN" dirty="0"/>
+          </a:p>
+          <a:p>
+            <a:pPr marL="274320" lvl="1" indent="0">
+              <a:buNone/>
+            </a:pPr>
             <a:endParaRPr lang="en-US" dirty="0"/>
           </a:p>
+        </p:txBody>
+      </p:sp>
+      <p:sp>
+        <p:nvSpPr>
+          <p:cNvPr id="4" name="TextBox 3">
+            <a:extLst>
+              <a:ext uri="{FF2B5EF4-FFF2-40B4-BE49-F238E27FC236}">
+                <a16:creationId xmlns:a16="http://schemas.microsoft.com/office/drawing/2014/main" id="{548E01F2-BF4E-B6C1-E948-B359C7964E59}"/>
+              </a:ext>
+            </a:extLst>
+          </p:cNvPr>
+          <p:cNvSpPr txBox="1"/>
+          <p:nvPr/>
+        </p:nvSpPr>
+        <p:spPr>
+          <a:xfrm>
+            <a:off x="9082454" y="1600200"/>
+            <a:ext cx="2831123" cy="4572000"/>
+          </a:xfrm>
+          <a:prstGeom prst="rect">
+            <a:avLst/>
+          </a:prstGeom>
+          <a:noFill/>
+        </p:spPr>
+        <p:txBody>
+          <a:bodyPr wrap="square" rtlCol="0">
+            <a:spAutoFit/>
+          </a:bodyPr>
+          <a:lstStyle/>
           <a:p>
             <a:endParaRPr lang="en-IN" dirty="0"/>
           </a:p>
         </p:txBody>
       </p:sp>
+      <p:pic>
+        <p:nvPicPr>
+          <p:cNvPr id="6" name="Picture 5">
+            <a:extLst>
+              <a:ext uri="{FF2B5EF4-FFF2-40B4-BE49-F238E27FC236}">
+                <a16:creationId xmlns:a16="http://schemas.microsoft.com/office/drawing/2014/main" id="{49E19B09-AE0E-3E97-AD4A-952F5667A6C7}"/>
+              </a:ext>
+            </a:extLst>
+          </p:cNvPr>
+          <p:cNvPicPr>
+            <a:picLocks noChangeAspect="1"/>
+          </p:cNvPicPr>
+          <p:nvPr/>
+        </p:nvPicPr>
+        <p:blipFill>
+          <a:blip r:embed="rId2"/>
+          <a:stretch>
+            <a:fillRect/>
+          </a:stretch>
+        </p:blipFill>
+        <p:spPr>
+          <a:xfrm>
+            <a:off x="8449408" y="2426081"/>
+            <a:ext cx="3464169" cy="2920237"/>
+          </a:xfrm>
+          <a:prstGeom prst="rect">
+            <a:avLst/>
+          </a:prstGeom>
+        </p:spPr>
+      </p:pic>
     </p:spTree>
     <p:extLst>
       <p:ext uri="{BB962C8B-B14F-4D97-AF65-F5344CB8AC3E}">
-        <p14:creationId xmlns:p14="http://schemas.microsoft.com/office/powerpoint/2010/main" val="3710929227"/>
+        <p14:creationId xmlns:p14="http://schemas.microsoft.com/office/powerpoint/2010/main" val="2274957677"/>
       </p:ext>
     </p:extLst>
   </p:cSld>
@@ -4997,7 +5053,7 @@
           <p:cNvPr id="2" name="Title 1">
             <a:extLst>
               <a:ext uri="{FF2B5EF4-FFF2-40B4-BE49-F238E27FC236}">
-                <a16:creationId xmlns:a16="http://schemas.microsoft.com/office/drawing/2014/main" id="{D551EF12-2D21-AB7E-9CCD-7CD971DEA297}"/>
+                <a16:creationId xmlns:a16="http://schemas.microsoft.com/office/drawing/2014/main" id="{38CC1996-E493-8F5B-CE0E-10E931A7BF39}"/>
               </a:ext>
             </a:extLst>
           </p:cNvPr>
@@ -5014,10 +5070,9 @@
           <a:lstStyle/>
           <a:p>
             <a:r>
-              <a:rPr lang="en-US" dirty="0"/>
-              <a:t>Algorithm </a:t>
-            </a:r>
-            <a:endParaRPr lang="en-IN" dirty="0"/>
+              <a:rPr lang="en-IN" dirty="0"/>
+              <a:t>QR CODE STRUCTURE</a:t>
+            </a:r>
           </a:p>
         </p:txBody>
       </p:sp>
@@ -5026,7 +5081,7 @@
           <p:cNvPr id="3" name="Content Placeholder 2">
             <a:extLst>
               <a:ext uri="{FF2B5EF4-FFF2-40B4-BE49-F238E27FC236}">
-                <a16:creationId xmlns:a16="http://schemas.microsoft.com/office/drawing/2014/main" id="{B527012C-F703-5581-AD07-D3D0C926EE97}"/>
+                <a16:creationId xmlns:a16="http://schemas.microsoft.com/office/drawing/2014/main" id="{3109F453-F931-778F-2AED-5548739B10E2}"/>
               </a:ext>
             </a:extLst>
           </p:cNvPr>
@@ -5037,32 +5092,192 @@
             <p:ph idx="1"/>
           </p:nvPr>
         </p:nvSpPr>
-        <p:spPr/>
+        <p:spPr>
+          <a:xfrm>
+            <a:off x="527538" y="2121408"/>
+            <a:ext cx="7860324" cy="4050792"/>
+          </a:xfrm>
+        </p:spPr>
         <p:txBody>
-          <a:bodyPr/>
+          <a:bodyPr>
+            <a:normAutofit fontScale="92500" lnSpcReduction="10000"/>
+          </a:bodyPr>
           <a:lstStyle/>
           <a:p>
+            <a:pPr marL="0" indent="0">
+              <a:buNone/>
+            </a:pPr>
+            <a:r>
+              <a:rPr lang="en-US" dirty="0"/>
+              <a:t>4. Quiet Zone:</a:t>
+            </a:r>
+          </a:p>
+          <a:p>
+            <a:pPr lvl="1"/>
+            <a:r>
+              <a:rPr lang="en-US" dirty="0"/>
+              <a:t>Blank margin on barcode sides</a:t>
+            </a:r>
+          </a:p>
+          <a:p>
+            <a:pPr lvl="1"/>
+            <a:r>
+              <a:rPr lang="en-US" dirty="0"/>
+              <a:t>Tells scanner symbol start/stop</a:t>
+            </a:r>
+          </a:p>
+          <a:p>
+            <a:pPr lvl="1"/>
+            <a:r>
+              <a:rPr lang="en-US" dirty="0"/>
+              <a:t>Prevents scanner from extraneous info</a:t>
+            </a:r>
+          </a:p>
+          <a:p>
+            <a:pPr lvl="1"/>
+            <a:r>
+              <a:rPr lang="en-US" dirty="0"/>
+              <a:t>White area of width 4 modules</a:t>
+            </a:r>
+          </a:p>
+          <a:p>
+            <a:pPr lvl="1"/>
+            <a:r>
+              <a:rPr lang="en-US" dirty="0"/>
+              <a:t>No confusing patterns or structures</a:t>
+            </a:r>
+          </a:p>
+          <a:p>
+            <a:pPr marL="274320" lvl="1" indent="0">
+              <a:buNone/>
+            </a:pPr>
+            <a:endParaRPr lang="en-US" dirty="0"/>
+          </a:p>
+          <a:p>
+            <a:pPr marL="0" indent="0">
+              <a:buNone/>
+            </a:pPr>
+            <a:r>
+              <a:rPr lang="en-US" dirty="0"/>
+              <a:t>5. Data Area:</a:t>
+            </a:r>
+          </a:p>
+          <a:p>
+            <a:pPr lvl="1"/>
+            <a:r>
+              <a:rPr lang="en-US" dirty="0"/>
+              <a:t>Bit stream converted, stored as code words</a:t>
+            </a:r>
+          </a:p>
+          <a:p>
+            <a:pPr lvl="1"/>
+            <a:r>
+              <a:rPr lang="en-US" dirty="0"/>
+              <a:t>Encoded, protected by error correction</a:t>
+            </a:r>
+          </a:p>
+          <a:p>
+            <a:pPr lvl="1"/>
+            <a:r>
+              <a:rPr lang="en-US" dirty="0"/>
+              <a:t>Reed-Solomon algorithm restores damaged data</a:t>
+            </a:r>
+          </a:p>
+          <a:p>
+            <a:pPr lvl="1"/>
+            <a:r>
+              <a:rPr lang="en-US" dirty="0"/>
+              <a:t>Four levels of error correction (L, M, Q, H)</a:t>
+            </a:r>
+          </a:p>
+          <a:p>
+            <a:pPr lvl="1"/>
+            <a:r>
+              <a:rPr lang="en-US" dirty="0"/>
+              <a:t>Error correction reduces QR Code data capacity.</a:t>
+            </a:r>
+          </a:p>
+        </p:txBody>
+      </p:sp>
+      <p:sp>
+        <p:nvSpPr>
+          <p:cNvPr id="4" name="TextBox 3">
+            <a:extLst>
+              <a:ext uri="{FF2B5EF4-FFF2-40B4-BE49-F238E27FC236}">
+                <a16:creationId xmlns:a16="http://schemas.microsoft.com/office/drawing/2014/main" id="{548E01F2-BF4E-B6C1-E948-B359C7964E59}"/>
+              </a:ext>
+            </a:extLst>
+          </p:cNvPr>
+          <p:cNvSpPr txBox="1"/>
+          <p:nvPr/>
+        </p:nvSpPr>
+        <p:spPr>
+          <a:xfrm>
+            <a:off x="9082454" y="1600200"/>
+            <a:ext cx="2831123" cy="4572000"/>
+          </a:xfrm>
+          <a:prstGeom prst="rect">
+            <a:avLst/>
+          </a:prstGeom>
+          <a:noFill/>
+        </p:spPr>
+        <p:txBody>
+          <a:bodyPr wrap="square" rtlCol="0">
+            <a:spAutoFit/>
+          </a:bodyPr>
+          <a:lstStyle/>
+          <a:p>
             <a:endParaRPr lang="en-IN" dirty="0"/>
           </a:p>
         </p:txBody>
       </p:sp>
+      <p:pic>
+        <p:nvPicPr>
+          <p:cNvPr id="6" name="Picture 5">
+            <a:extLst>
+              <a:ext uri="{FF2B5EF4-FFF2-40B4-BE49-F238E27FC236}">
+                <a16:creationId xmlns:a16="http://schemas.microsoft.com/office/drawing/2014/main" id="{49E19B09-AE0E-3E97-AD4A-952F5667A6C7}"/>
+              </a:ext>
+            </a:extLst>
+          </p:cNvPr>
+          <p:cNvPicPr>
+            <a:picLocks noChangeAspect="1"/>
+          </p:cNvPicPr>
+          <p:nvPr/>
+        </p:nvPicPr>
+        <p:blipFill>
+          <a:blip r:embed="rId2"/>
+          <a:stretch>
+            <a:fillRect/>
+          </a:stretch>
+        </p:blipFill>
+        <p:spPr>
+          <a:xfrm>
+            <a:off x="8449408" y="2426081"/>
+            <a:ext cx="3464169" cy="2920237"/>
+          </a:xfrm>
+          <a:prstGeom prst="rect">
+            <a:avLst/>
+          </a:prstGeom>
+        </p:spPr>
+      </p:pic>
     </p:spTree>
     <p:extLst>
       <p:ext uri="{BB962C8B-B14F-4D97-AF65-F5344CB8AC3E}">
-        <p14:creationId xmlns:p14="http://schemas.microsoft.com/office/powerpoint/2010/main" val="3112752731"/>
+        <p14:creationId xmlns:p14="http://schemas.microsoft.com/office/powerpoint/2010/main" val="2115553552"/>
       </p:ext>
     </p:extLst>
   </p:cSld>
   <p:clrMapOvr>
     <a:masterClrMapping/>
   </p:clrMapOvr>
-  <mc:AlternateContent xmlns:mc="http://schemas.openxmlformats.org/markup-compatibility/2006" xmlns:p14="http://schemas.microsoft.com/office/powerpoint/2010/main">
-    <mc:Choice Requires="p14">
+  <mc:AlternateContent xmlns:mc="http://schemas.openxmlformats.org/markup-compatibility/2006">
+    <mc:Choice xmlns:p14="http://schemas.microsoft.com/office/powerpoint/2010/main" Requires="p14">
       <p:transition spd="med" p14:dur="700">
         <p:fade/>
       </p:transition>
     </mc:Choice>
-    <mc:Fallback xmlns="">
+    <mc:Fallback>
       <p:transition spd="med">
         <p:fade/>
       </p:transition>
@@ -5093,7 +5308,7 @@
           <p:cNvPr id="2" name="Title 1">
             <a:extLst>
               <a:ext uri="{FF2B5EF4-FFF2-40B4-BE49-F238E27FC236}">
-                <a16:creationId xmlns:a16="http://schemas.microsoft.com/office/drawing/2014/main" id="{2D559AD4-3910-3AC3-C6AF-3A440AFEEE15}"/>
+                <a16:creationId xmlns:a16="http://schemas.microsoft.com/office/drawing/2014/main" id="{46784581-A712-016E-B5F1-DA715C2158DC}"/>
               </a:ext>
             </a:extLst>
           </p:cNvPr>
@@ -5110,10 +5325,9 @@
           <a:lstStyle/>
           <a:p>
             <a:r>
-              <a:rPr lang="en-US" dirty="0"/>
-              <a:t>Image classification </a:t>
-            </a:r>
-            <a:endParaRPr lang="en-IN" dirty="0"/>
+              <a:rPr lang="en-IN" dirty="0"/>
+              <a:t>Research paper - 3</a:t>
+            </a:r>
           </a:p>
         </p:txBody>
       </p:sp>
@@ -5122,7 +5336,7 @@
           <p:cNvPr id="3" name="Content Placeholder 2">
             <a:extLst>
               <a:ext uri="{FF2B5EF4-FFF2-40B4-BE49-F238E27FC236}">
-                <a16:creationId xmlns:a16="http://schemas.microsoft.com/office/drawing/2014/main" id="{70CD3ACC-FEB6-89BE-16EE-AF61F92C57E9}"/>
+                <a16:creationId xmlns:a16="http://schemas.microsoft.com/office/drawing/2014/main" id="{8D846BA5-BB78-933E-9AAA-D201D4D8D0B8}"/>
               </a:ext>
             </a:extLst>
           </p:cNvPr>
@@ -5138,76 +5352,6 @@
           <a:bodyPr/>
           <a:lstStyle/>
           <a:p>
-            <a:r>
-              <a:rPr lang="en-US" dirty="0"/>
-              <a:t>Identifying items directly using its image.</a:t>
-            </a:r>
-          </a:p>
-          <a:p>
-            <a:r>
-              <a:rPr lang="en-US" dirty="0"/>
-              <a:t>Quick fetching and </a:t>
-            </a:r>
-            <a:r>
-              <a:rPr lang="en-US" dirty="0" err="1"/>
-              <a:t>updation</a:t>
-            </a:r>
-            <a:r>
-              <a:rPr lang="en-US" dirty="0"/>
-              <a:t>.</a:t>
-            </a:r>
-          </a:p>
-          <a:p>
-            <a:r>
-              <a:rPr lang="en-US" dirty="0"/>
-              <a:t>Image classification will be done on client side (phone).</a:t>
-            </a:r>
-          </a:p>
-          <a:p>
-            <a:endParaRPr lang="en-US" dirty="0"/>
-          </a:p>
-          <a:p>
-            <a:r>
-              <a:rPr lang="en-US" dirty="0"/>
-              <a:t>Advantages:</a:t>
-            </a:r>
-          </a:p>
-          <a:p>
-            <a:pPr lvl="1"/>
-            <a:r>
-              <a:rPr lang="en-US" dirty="0"/>
-              <a:t>Reduction in operational time</a:t>
-            </a:r>
-          </a:p>
-          <a:p>
-            <a:pPr lvl="1"/>
-            <a:r>
-              <a:rPr lang="en-US" dirty="0"/>
-              <a:t>Consistent item names in database</a:t>
-            </a:r>
-          </a:p>
-          <a:p>
-            <a:pPr lvl="1"/>
-            <a:r>
-              <a:rPr lang="en-US" dirty="0"/>
-              <a:t>No need to type</a:t>
-            </a:r>
-          </a:p>
-          <a:p>
-            <a:pPr lvl="1"/>
-            <a:r>
-              <a:rPr lang="en-US" dirty="0"/>
-              <a:t>No need to remember exact item names</a:t>
-            </a:r>
-          </a:p>
-          <a:p>
-            <a:pPr lvl="1"/>
-            <a:r>
-              <a:rPr lang="en-US" dirty="0"/>
-              <a:t>Helpful for illiterate workers.</a:t>
-            </a:r>
-          </a:p>
-          <a:p>
             <a:endParaRPr lang="en-IN" dirty="0"/>
           </a:p>
         </p:txBody>
@@ -5215,7 +5359,7 @@
     </p:spTree>
     <p:extLst>
       <p:ext uri="{BB962C8B-B14F-4D97-AF65-F5344CB8AC3E}">
-        <p14:creationId xmlns:p14="http://schemas.microsoft.com/office/powerpoint/2010/main" val="1172487070"/>
+        <p14:creationId xmlns:p14="http://schemas.microsoft.com/office/powerpoint/2010/main" val="1267683922"/>
       </p:ext>
     </p:extLst>
   </p:cSld>
@@ -5259,7 +5403,7 @@
           <p:cNvPr id="2" name="Title 1">
             <a:extLst>
               <a:ext uri="{FF2B5EF4-FFF2-40B4-BE49-F238E27FC236}">
-                <a16:creationId xmlns:a16="http://schemas.microsoft.com/office/drawing/2014/main" id="{A563D952-AACD-E17E-DB31-0F47E9A1A291}"/>
+                <a16:creationId xmlns:a16="http://schemas.microsoft.com/office/drawing/2014/main" id="{05C7B53A-498F-5C1C-4FB8-0A4F1B587AEA}"/>
               </a:ext>
             </a:extLst>
           </p:cNvPr>
@@ -5270,21 +5414,32 @@
             <p:ph type="title"/>
           </p:nvPr>
         </p:nvSpPr>
-        <p:spPr/>
+        <p:spPr>
+          <a:xfrm>
+            <a:off x="1069848" y="484633"/>
+            <a:ext cx="10058400" cy="707674"/>
+          </a:xfrm>
+        </p:spPr>
         <p:txBody>
-          <a:bodyPr/>
+          <a:bodyPr>
+            <a:normAutofit fontScale="90000"/>
+          </a:bodyPr>
           <a:lstStyle/>
           <a:p>
-            <a:endParaRPr lang="en-IN"/>
+            <a:r>
+              <a:rPr lang="en-US" dirty="0"/>
+              <a:t>Modules </a:t>
+            </a:r>
+            <a:endParaRPr lang="en-IN" dirty="0"/>
           </a:p>
         </p:txBody>
       </p:sp>
       <p:sp>
         <p:nvSpPr>
-          <p:cNvPr id="3" name="Content Placeholder 2">
+          <p:cNvPr id="10" name="Text Placeholder 9">
             <a:extLst>
               <a:ext uri="{FF2B5EF4-FFF2-40B4-BE49-F238E27FC236}">
-                <a16:creationId xmlns:a16="http://schemas.microsoft.com/office/drawing/2014/main" id="{0ACCE5EB-EB8A-7533-053B-E0D3C65829B8}"/>
+                <a16:creationId xmlns:a16="http://schemas.microsoft.com/office/drawing/2014/main" id="{05F8E9F4-95AC-061C-C121-810D66A7A809}"/>
               </a:ext>
             </a:extLst>
           </p:cNvPr>
@@ -5292,22 +5447,97 @@
             <a:spLocks noGrp="1"/>
           </p:cNvSpPr>
           <p:nvPr>
-            <p:ph idx="1"/>
+            <p:ph type="body" idx="1"/>
           </p:nvPr>
         </p:nvSpPr>
-        <p:spPr/>
+        <p:spPr>
+          <a:xfrm>
+            <a:off x="1066800" y="1192307"/>
+            <a:ext cx="7033404" cy="4777171"/>
+          </a:xfrm>
+        </p:spPr>
         <p:txBody>
-          <a:bodyPr/>
+          <a:bodyPr>
+            <a:normAutofit/>
+          </a:bodyPr>
           <a:lstStyle/>
           <a:p>
-            <a:endParaRPr lang="en-IN"/>
+            <a:pPr marL="342900" indent="-342900">
+              <a:buFont typeface="Arial" panose="020B0604020202020204" pitchFamily="34" charset="0"/>
+              <a:buChar char="•"/>
+            </a:pPr>
+            <a:r>
+              <a:rPr lang="en-US" dirty="0"/>
+              <a:t>Admin Module</a:t>
+            </a:r>
+          </a:p>
+          <a:p>
+            <a:pPr marL="342900" indent="-342900">
+              <a:buFont typeface="Arial" panose="020B0604020202020204" pitchFamily="34" charset="0"/>
+              <a:buChar char="•"/>
+            </a:pPr>
+            <a:r>
+              <a:rPr lang="en-US" dirty="0"/>
+              <a:t>Operator Module. </a:t>
+            </a:r>
+          </a:p>
+          <a:p>
+            <a:pPr marL="342900" indent="-342900">
+              <a:buFont typeface="Arial" panose="020B0604020202020204" pitchFamily="34" charset="0"/>
+              <a:buChar char="•"/>
+            </a:pPr>
+            <a:r>
+              <a:rPr lang="en-US" dirty="0"/>
+              <a:t>QR Code System Module</a:t>
+            </a:r>
+          </a:p>
+          <a:p>
+            <a:pPr marL="342900" indent="-342900">
+              <a:buFont typeface="Arial" panose="020B0604020202020204" pitchFamily="34" charset="0"/>
+              <a:buChar char="•"/>
+            </a:pPr>
+            <a:r>
+              <a:rPr lang="en-US" dirty="0"/>
+              <a:t>Forecasting Module</a:t>
+            </a:r>
+          </a:p>
+          <a:p>
+            <a:pPr marL="342900" indent="-342900">
+              <a:buFont typeface="Arial" panose="020B0604020202020204" pitchFamily="34" charset="0"/>
+              <a:buChar char="•"/>
+            </a:pPr>
+            <a:r>
+              <a:rPr lang="en-US" dirty="0"/>
+              <a:t>Reports Module</a:t>
+            </a:r>
+          </a:p>
+          <a:p>
+            <a:pPr marL="342900" indent="-342900">
+              <a:buFont typeface="Arial" panose="020B0604020202020204" pitchFamily="34" charset="0"/>
+              <a:buChar char="•"/>
+            </a:pPr>
+            <a:r>
+              <a:rPr lang="en-US" dirty="0"/>
+              <a:t>User Management Module.</a:t>
+            </a:r>
+          </a:p>
+          <a:p>
+            <a:pPr marL="342900" indent="-342900">
+              <a:buFont typeface="Arial" panose="020B0604020202020204" pitchFamily="34" charset="0"/>
+              <a:buChar char="•"/>
+            </a:pPr>
+            <a:r>
+              <a:rPr lang="en-US" dirty="0"/>
+              <a:t>Image classification </a:t>
+            </a:r>
+            <a:endParaRPr lang="en-IN" dirty="0"/>
           </a:p>
         </p:txBody>
       </p:sp>
     </p:spTree>
     <p:extLst>
       <p:ext uri="{BB962C8B-B14F-4D97-AF65-F5344CB8AC3E}">
-        <p14:creationId xmlns:p14="http://schemas.microsoft.com/office/powerpoint/2010/main" val="1119969893"/>
+        <p14:creationId xmlns:p14="http://schemas.microsoft.com/office/powerpoint/2010/main" val="3021868370"/>
       </p:ext>
     </p:extLst>
   </p:cSld>
@@ -5330,6 +5560,882 @@
 </file>
 
 <file path=ppt/slides/slide14.xml><?xml version="1.0" encoding="utf-8"?>
+<p:sld xmlns:a="http://schemas.openxmlformats.org/drawingml/2006/main" xmlns:r="http://schemas.openxmlformats.org/officeDocument/2006/relationships" xmlns:p="http://schemas.openxmlformats.org/presentationml/2006/main">
+  <p:cSld>
+    <p:spTree>
+      <p:nvGrpSpPr>
+        <p:cNvPr id="1" name=""/>
+        <p:cNvGrpSpPr/>
+        <p:nvPr/>
+      </p:nvGrpSpPr>
+      <p:grpSpPr>
+        <a:xfrm>
+          <a:off x="0" y="0"/>
+          <a:ext cx="0" cy="0"/>
+          <a:chOff x="0" y="0"/>
+          <a:chExt cx="0" cy="0"/>
+        </a:xfrm>
+      </p:grpSpPr>
+      <p:sp>
+        <p:nvSpPr>
+          <p:cNvPr id="2" name="Title 1">
+            <a:extLst>
+              <a:ext uri="{FF2B5EF4-FFF2-40B4-BE49-F238E27FC236}">
+                <a16:creationId xmlns:a16="http://schemas.microsoft.com/office/drawing/2014/main" id="{2618E8E2-872D-3E9D-204E-F2A38B39896C}"/>
+              </a:ext>
+            </a:extLst>
+          </p:cNvPr>
+          <p:cNvSpPr>
+            <a:spLocks noGrp="1"/>
+          </p:cNvSpPr>
+          <p:nvPr>
+            <p:ph type="title"/>
+          </p:nvPr>
+        </p:nvSpPr>
+        <p:spPr/>
+        <p:txBody>
+          <a:bodyPr/>
+          <a:lstStyle/>
+          <a:p>
+            <a:r>
+              <a:rPr lang="en-US" dirty="0"/>
+              <a:t>Login module</a:t>
+            </a:r>
+            <a:endParaRPr lang="en-IN" dirty="0"/>
+          </a:p>
+        </p:txBody>
+      </p:sp>
+      <p:sp>
+        <p:nvSpPr>
+          <p:cNvPr id="3" name="Content Placeholder 2">
+            <a:extLst>
+              <a:ext uri="{FF2B5EF4-FFF2-40B4-BE49-F238E27FC236}">
+                <a16:creationId xmlns:a16="http://schemas.microsoft.com/office/drawing/2014/main" id="{D3CF1E90-1B0D-20B4-05E9-07AB27448460}"/>
+              </a:ext>
+            </a:extLst>
+          </p:cNvPr>
+          <p:cNvSpPr>
+            <a:spLocks noGrp="1"/>
+          </p:cNvSpPr>
+          <p:nvPr>
+            <p:ph idx="1"/>
+          </p:nvPr>
+        </p:nvSpPr>
+        <p:spPr/>
+        <p:txBody>
+          <a:bodyPr>
+            <a:normAutofit lnSpcReduction="10000"/>
+          </a:bodyPr>
+          <a:lstStyle/>
+          <a:p>
+            <a:r>
+              <a:rPr lang="en-US" dirty="0"/>
+              <a:t>Purpose: The Login Module is responsible for authenticating and authorizing the actors in the system.</a:t>
+            </a:r>
+          </a:p>
+          <a:p>
+            <a:r>
+              <a:rPr lang="en-US" dirty="0"/>
+              <a:t>Access Control: The module implements access control to ensure only authorized actors can access the system's features.</a:t>
+            </a:r>
+          </a:p>
+          <a:p>
+            <a:r>
+              <a:rPr lang="en-US" dirty="0"/>
+              <a:t>User Authentication: The module handles user authentication, verifying the user's identity before allowing access to the system.</a:t>
+            </a:r>
+          </a:p>
+          <a:p>
+            <a:r>
+              <a:rPr lang="en-US" dirty="0"/>
+              <a:t>Actor Management: The module manages the different actors in the system, including the admin, operator, and vendor, and assigns specific rights and access levels.</a:t>
+            </a:r>
+          </a:p>
+          <a:p>
+            <a:r>
+              <a:rPr lang="en-US" dirty="0"/>
+              <a:t>Secure Login: The module implements a secure login process to protect the organization's stock and prevent unauthorized access.</a:t>
+            </a:r>
+          </a:p>
+          <a:p>
+            <a:r>
+              <a:rPr lang="en-US" dirty="0"/>
+              <a:t>User Session Management: The module handles the management of user sessions, including the creation and termination of sessions as needed.</a:t>
+            </a:r>
+            <a:endParaRPr lang="en-IN" dirty="0"/>
+          </a:p>
+        </p:txBody>
+      </p:sp>
+    </p:spTree>
+    <p:extLst>
+      <p:ext uri="{BB962C8B-B14F-4D97-AF65-F5344CB8AC3E}">
+        <p14:creationId xmlns:p14="http://schemas.microsoft.com/office/powerpoint/2010/main" val="523426912"/>
+      </p:ext>
+    </p:extLst>
+  </p:cSld>
+  <p:clrMapOvr>
+    <a:masterClrMapping/>
+  </p:clrMapOvr>
+  <mc:AlternateContent xmlns:mc="http://schemas.openxmlformats.org/markup-compatibility/2006" xmlns:p14="http://schemas.microsoft.com/office/powerpoint/2010/main">
+    <mc:Choice Requires="p14">
+      <p:transition spd="med" p14:dur="700">
+        <p:fade/>
+      </p:transition>
+    </mc:Choice>
+    <mc:Fallback xmlns="">
+      <p:transition spd="med">
+        <p:fade/>
+      </p:transition>
+    </mc:Fallback>
+  </mc:AlternateContent>
+</p:sld>
+</file>
+
+<file path=ppt/slides/slide15.xml><?xml version="1.0" encoding="utf-8"?>
+<p:sld xmlns:a="http://schemas.openxmlformats.org/drawingml/2006/main" xmlns:r="http://schemas.openxmlformats.org/officeDocument/2006/relationships" xmlns:p="http://schemas.openxmlformats.org/presentationml/2006/main">
+  <p:cSld>
+    <p:spTree>
+      <p:nvGrpSpPr>
+        <p:cNvPr id="1" name=""/>
+        <p:cNvGrpSpPr/>
+        <p:nvPr/>
+      </p:nvGrpSpPr>
+      <p:grpSpPr>
+        <a:xfrm>
+          <a:off x="0" y="0"/>
+          <a:ext cx="0" cy="0"/>
+          <a:chOff x="0" y="0"/>
+          <a:chExt cx="0" cy="0"/>
+        </a:xfrm>
+      </p:grpSpPr>
+      <p:sp>
+        <p:nvSpPr>
+          <p:cNvPr id="2" name="Title 1">
+            <a:extLst>
+              <a:ext uri="{FF2B5EF4-FFF2-40B4-BE49-F238E27FC236}">
+                <a16:creationId xmlns:a16="http://schemas.microsoft.com/office/drawing/2014/main" id="{4F4A24F0-18D7-5D48-7FD9-8511484C5094}"/>
+              </a:ext>
+            </a:extLst>
+          </p:cNvPr>
+          <p:cNvSpPr>
+            <a:spLocks noGrp="1"/>
+          </p:cNvSpPr>
+          <p:nvPr>
+            <p:ph type="title"/>
+          </p:nvPr>
+        </p:nvSpPr>
+        <p:spPr/>
+        <p:txBody>
+          <a:bodyPr/>
+          <a:lstStyle/>
+          <a:p>
+            <a:r>
+              <a:rPr lang="en-US" dirty="0"/>
+              <a:t>Admin module</a:t>
+            </a:r>
+            <a:endParaRPr lang="en-IN" dirty="0"/>
+          </a:p>
+        </p:txBody>
+      </p:sp>
+      <p:sp>
+        <p:nvSpPr>
+          <p:cNvPr id="3" name="Content Placeholder 2">
+            <a:extLst>
+              <a:ext uri="{FF2B5EF4-FFF2-40B4-BE49-F238E27FC236}">
+                <a16:creationId xmlns:a16="http://schemas.microsoft.com/office/drawing/2014/main" id="{7CCA088A-9AC1-8F57-B126-0B40152B5489}"/>
+              </a:ext>
+            </a:extLst>
+          </p:cNvPr>
+          <p:cNvSpPr>
+            <a:spLocks noGrp="1"/>
+          </p:cNvSpPr>
+          <p:nvPr>
+            <p:ph idx="1"/>
+          </p:nvPr>
+        </p:nvSpPr>
+        <p:spPr/>
+        <p:txBody>
+          <a:bodyPr>
+            <a:normAutofit fontScale="92500" lnSpcReduction="20000"/>
+          </a:bodyPr>
+          <a:lstStyle/>
+          <a:p>
+            <a:r>
+              <a:rPr lang="en-US" dirty="0"/>
+              <a:t>Purpose: The Admin Module is responsible for managing and controlling the inventory within the organization.</a:t>
+            </a:r>
+          </a:p>
+          <a:p>
+            <a:r>
+              <a:rPr lang="en-US" dirty="0"/>
+              <a:t>Inventory Management: The module manages the overall inventory, including adding, updating, and deleting inventory items.</a:t>
+            </a:r>
+          </a:p>
+          <a:p>
+            <a:r>
+              <a:rPr lang="en-US" dirty="0"/>
+              <a:t>Stock Overview: The module provides a comprehensive overview of the organization's stock, including real-time information on the remaining balance of stock and transaction details.</a:t>
+            </a:r>
+          </a:p>
+          <a:p>
+            <a:r>
+              <a:rPr lang="en-US" dirty="0"/>
+              <a:t>User Activity Tracking: The module tracks the activities of the operator, including all operations that modify the database records, for auditing purposes.</a:t>
+            </a:r>
+          </a:p>
+          <a:p>
+            <a:r>
+              <a:rPr lang="en-US" dirty="0"/>
+              <a:t>Reporting: The module provides reporting on the sales, purchases, and remaining inventory, including the auditing system for transparency.</a:t>
+            </a:r>
+          </a:p>
+          <a:p>
+            <a:r>
+              <a:rPr lang="en-US" dirty="0"/>
+              <a:t>User Management: The module manages the actors in the system, including assigning rights and access levels.</a:t>
+            </a:r>
+          </a:p>
+          <a:p>
+            <a:r>
+              <a:rPr lang="en-US" dirty="0"/>
+              <a:t>Vendor Management. </a:t>
+            </a:r>
+            <a:endParaRPr lang="en-IN" dirty="0"/>
+          </a:p>
+        </p:txBody>
+      </p:sp>
+    </p:spTree>
+    <p:extLst>
+      <p:ext uri="{BB962C8B-B14F-4D97-AF65-F5344CB8AC3E}">
+        <p14:creationId xmlns:p14="http://schemas.microsoft.com/office/powerpoint/2010/main" val="1041504832"/>
+      </p:ext>
+    </p:extLst>
+  </p:cSld>
+  <p:clrMapOvr>
+    <a:masterClrMapping/>
+  </p:clrMapOvr>
+  <mc:AlternateContent xmlns:mc="http://schemas.openxmlformats.org/markup-compatibility/2006" xmlns:p14="http://schemas.microsoft.com/office/powerpoint/2010/main">
+    <mc:Choice Requires="p14">
+      <p:transition spd="med" p14:dur="700">
+        <p:fade/>
+      </p:transition>
+    </mc:Choice>
+    <mc:Fallback xmlns="">
+      <p:transition spd="med">
+        <p:fade/>
+      </p:transition>
+    </mc:Fallback>
+  </mc:AlternateContent>
+</p:sld>
+</file>
+
+<file path=ppt/slides/slide16.xml><?xml version="1.0" encoding="utf-8"?>
+<p:sld xmlns:a="http://schemas.openxmlformats.org/drawingml/2006/main" xmlns:r="http://schemas.openxmlformats.org/officeDocument/2006/relationships" xmlns:p="http://schemas.openxmlformats.org/presentationml/2006/main">
+  <p:cSld>
+    <p:spTree>
+      <p:nvGrpSpPr>
+        <p:cNvPr id="1" name=""/>
+        <p:cNvGrpSpPr/>
+        <p:nvPr/>
+      </p:nvGrpSpPr>
+      <p:grpSpPr>
+        <a:xfrm>
+          <a:off x="0" y="0"/>
+          <a:ext cx="0" cy="0"/>
+          <a:chOff x="0" y="0"/>
+          <a:chExt cx="0" cy="0"/>
+        </a:xfrm>
+      </p:grpSpPr>
+      <p:sp>
+        <p:nvSpPr>
+          <p:cNvPr id="2" name="Title 1">
+            <a:extLst>
+              <a:ext uri="{FF2B5EF4-FFF2-40B4-BE49-F238E27FC236}">
+                <a16:creationId xmlns:a16="http://schemas.microsoft.com/office/drawing/2014/main" id="{EAEAFBB0-03C4-0BD5-8571-CFE022F0C2DA}"/>
+              </a:ext>
+            </a:extLst>
+          </p:cNvPr>
+          <p:cNvSpPr>
+            <a:spLocks noGrp="1"/>
+          </p:cNvSpPr>
+          <p:nvPr>
+            <p:ph type="title"/>
+          </p:nvPr>
+        </p:nvSpPr>
+        <p:spPr/>
+        <p:txBody>
+          <a:bodyPr/>
+          <a:lstStyle/>
+          <a:p>
+            <a:r>
+              <a:rPr lang="en-US" dirty="0"/>
+              <a:t>QR CODE: </a:t>
+            </a:r>
+            <a:endParaRPr lang="en-IN" dirty="0"/>
+          </a:p>
+        </p:txBody>
+      </p:sp>
+      <p:sp>
+        <p:nvSpPr>
+          <p:cNvPr id="3" name="Content Placeholder 2">
+            <a:extLst>
+              <a:ext uri="{FF2B5EF4-FFF2-40B4-BE49-F238E27FC236}">
+                <a16:creationId xmlns:a16="http://schemas.microsoft.com/office/drawing/2014/main" id="{E6C086B6-3390-46E4-0580-DE3B80B7DD49}"/>
+              </a:ext>
+            </a:extLst>
+          </p:cNvPr>
+          <p:cNvSpPr>
+            <a:spLocks noGrp="1"/>
+          </p:cNvSpPr>
+          <p:nvPr>
+            <p:ph idx="1"/>
+          </p:nvPr>
+        </p:nvSpPr>
+        <p:spPr>
+          <a:xfrm>
+            <a:off x="1069848" y="1854679"/>
+            <a:ext cx="10058400" cy="4317521"/>
+          </a:xfrm>
+        </p:spPr>
+        <p:txBody>
+          <a:bodyPr>
+            <a:normAutofit fontScale="85000" lnSpcReduction="20000"/>
+          </a:bodyPr>
+          <a:lstStyle/>
+          <a:p>
+            <a:r>
+              <a:rPr lang="en-IN" dirty="0"/>
+              <a:t>QR code system for quick retrieval of item information</a:t>
+            </a:r>
+          </a:p>
+          <a:p>
+            <a:r>
+              <a:rPr lang="en-IN" dirty="0"/>
+              <a:t>QR code generated after operator adds item details</a:t>
+            </a:r>
+          </a:p>
+          <a:p>
+            <a:r>
+              <a:rPr lang="en-IN" dirty="0"/>
+              <a:t>QR code can be printed and attached to box</a:t>
+            </a:r>
+          </a:p>
+          <a:p>
+            <a:r>
+              <a:rPr lang="en-IN" dirty="0"/>
+              <a:t>Scanning QR code displays item details in system</a:t>
+            </a:r>
+          </a:p>
+          <a:p>
+            <a:r>
+              <a:rPr lang="en-IN" dirty="0"/>
+              <a:t>Allows operator to make modifications as needed</a:t>
+            </a:r>
+          </a:p>
+          <a:p>
+            <a:r>
+              <a:rPr lang="en-US" dirty="0"/>
+              <a:t>QR code generation</a:t>
+            </a:r>
+          </a:p>
+          <a:p>
+            <a:pPr lvl="1"/>
+            <a:r>
+              <a:rPr lang="en-US" dirty="0"/>
+              <a:t>Store Item details</a:t>
+            </a:r>
+          </a:p>
+          <a:p>
+            <a:r>
+              <a:rPr lang="en-US" dirty="0"/>
+              <a:t>QR code scanning</a:t>
+            </a:r>
+          </a:p>
+          <a:p>
+            <a:pPr lvl="1"/>
+            <a:r>
+              <a:rPr lang="en-US" dirty="0"/>
+              <a:t>Get item details</a:t>
+            </a:r>
+          </a:p>
+          <a:p>
+            <a:pPr marL="182880" marR="0" lvl="0" indent="-182880" algn="l" defTabSz="914400" rtl="0" eaLnBrk="1" fontAlgn="auto" latinLnBrk="0" hangingPunct="1">
+              <a:lnSpc>
+                <a:spcPct val="90000"/>
+              </a:lnSpc>
+              <a:spcBef>
+                <a:spcPts val="1200"/>
+              </a:spcBef>
+              <a:spcAft>
+                <a:spcPts val="0"/>
+              </a:spcAft>
+              <a:buClr>
+                <a:srgbClr val="D34817">
+                  <a:lumMod val="75000"/>
+                </a:srgbClr>
+              </a:buClr>
+              <a:buSzPct val="85000"/>
+              <a:buFont typeface="Wingdings" pitchFamily="2" charset="2"/>
+              <a:buChar char="§"/>
+              <a:tabLst/>
+              <a:defRPr/>
+            </a:pPr>
+            <a:r>
+              <a:rPr kumimoji="0" lang="en-US" sz="1700" b="0" i="0" u="none" strike="noStrike" kern="1200" cap="none" spc="0" normalizeH="0" baseline="0" noProof="0" dirty="0">
+                <a:ln>
+                  <a:noFill/>
+                </a:ln>
+                <a:solidFill>
+                  <a:prstClr val="black"/>
+                </a:solidFill>
+                <a:effectLst/>
+                <a:uLnTx/>
+                <a:uFillTx/>
+                <a:latin typeface="Rockwell" panose="02060603020205020403"/>
+                <a:ea typeface="+mn-ea"/>
+                <a:cs typeface="+mn-cs"/>
+              </a:rPr>
+              <a:t>QR code can be printed and attached to box.</a:t>
+            </a:r>
+            <a:endParaRPr lang="en-IN" dirty="0"/>
+          </a:p>
+          <a:p>
+            <a:r>
+              <a:rPr lang="en-IN" dirty="0"/>
+              <a:t>Advantages:</a:t>
+            </a:r>
+          </a:p>
+          <a:p>
+            <a:pPr lvl="1"/>
+            <a:r>
+              <a:rPr lang="en-IN" dirty="0"/>
+              <a:t>Efficient method to store item details</a:t>
+            </a:r>
+          </a:p>
+          <a:p>
+            <a:pPr lvl="1"/>
+            <a:r>
+              <a:rPr lang="en-IN" dirty="0"/>
+              <a:t>Get item details quickly</a:t>
+            </a:r>
+          </a:p>
+          <a:p>
+            <a:pPr lvl="1"/>
+            <a:r>
+              <a:rPr lang="en-IN" dirty="0"/>
+              <a:t>Secure</a:t>
+            </a:r>
+            <a:endParaRPr lang="en-US" dirty="0"/>
+          </a:p>
+          <a:p>
+            <a:endParaRPr lang="en-IN" dirty="0"/>
+          </a:p>
+        </p:txBody>
+      </p:sp>
+    </p:spTree>
+    <p:extLst>
+      <p:ext uri="{BB962C8B-B14F-4D97-AF65-F5344CB8AC3E}">
+        <p14:creationId xmlns:p14="http://schemas.microsoft.com/office/powerpoint/2010/main" val="3710929227"/>
+      </p:ext>
+    </p:extLst>
+  </p:cSld>
+  <p:clrMapOvr>
+    <a:masterClrMapping/>
+  </p:clrMapOvr>
+  <mc:AlternateContent xmlns:mc="http://schemas.openxmlformats.org/markup-compatibility/2006" xmlns:p14="http://schemas.microsoft.com/office/powerpoint/2010/main">
+    <mc:Choice Requires="p14">
+      <p:transition spd="med" p14:dur="700">
+        <p:fade/>
+      </p:transition>
+    </mc:Choice>
+    <mc:Fallback xmlns="">
+      <p:transition spd="med">
+        <p:fade/>
+      </p:transition>
+    </mc:Fallback>
+  </mc:AlternateContent>
+</p:sld>
+</file>
+
+<file path=ppt/slides/slide17.xml><?xml version="1.0" encoding="utf-8"?>
+<p:sld xmlns:a="http://schemas.openxmlformats.org/drawingml/2006/main" xmlns:r="http://schemas.openxmlformats.org/officeDocument/2006/relationships" xmlns:p="http://schemas.openxmlformats.org/presentationml/2006/main">
+  <p:cSld>
+    <p:spTree>
+      <p:nvGrpSpPr>
+        <p:cNvPr id="1" name=""/>
+        <p:cNvGrpSpPr/>
+        <p:nvPr/>
+      </p:nvGrpSpPr>
+      <p:grpSpPr>
+        <a:xfrm>
+          <a:off x="0" y="0"/>
+          <a:ext cx="0" cy="0"/>
+          <a:chOff x="0" y="0"/>
+          <a:chExt cx="0" cy="0"/>
+        </a:xfrm>
+      </p:grpSpPr>
+      <p:sp>
+        <p:nvSpPr>
+          <p:cNvPr id="2" name="Title 1">
+            <a:extLst>
+              <a:ext uri="{FF2B5EF4-FFF2-40B4-BE49-F238E27FC236}">
+                <a16:creationId xmlns:a16="http://schemas.microsoft.com/office/drawing/2014/main" id="{D551EF12-2D21-AB7E-9CCD-7CD971DEA297}"/>
+              </a:ext>
+            </a:extLst>
+          </p:cNvPr>
+          <p:cNvSpPr>
+            <a:spLocks noGrp="1"/>
+          </p:cNvSpPr>
+          <p:nvPr>
+            <p:ph type="title"/>
+          </p:nvPr>
+        </p:nvSpPr>
+        <p:spPr/>
+        <p:txBody>
+          <a:bodyPr/>
+          <a:lstStyle/>
+          <a:p>
+            <a:r>
+              <a:rPr lang="en-US" dirty="0"/>
+              <a:t>Algorithm for generating </a:t>
+            </a:r>
+            <a:r>
+              <a:rPr lang="en-US" dirty="0" err="1"/>
+              <a:t>qr</a:t>
+            </a:r>
+            <a:r>
+              <a:rPr lang="en-US" dirty="0"/>
+              <a:t> code. </a:t>
+            </a:r>
+            <a:endParaRPr lang="en-IN" dirty="0"/>
+          </a:p>
+        </p:txBody>
+      </p:sp>
+      <p:sp>
+        <p:nvSpPr>
+          <p:cNvPr id="3" name="Content Placeholder 2">
+            <a:extLst>
+              <a:ext uri="{FF2B5EF4-FFF2-40B4-BE49-F238E27FC236}">
+                <a16:creationId xmlns:a16="http://schemas.microsoft.com/office/drawing/2014/main" id="{B527012C-F703-5581-AD07-D3D0C926EE97}"/>
+              </a:ext>
+            </a:extLst>
+          </p:cNvPr>
+          <p:cNvSpPr>
+            <a:spLocks noGrp="1"/>
+          </p:cNvSpPr>
+          <p:nvPr>
+            <p:ph idx="1"/>
+          </p:nvPr>
+        </p:nvSpPr>
+        <p:spPr/>
+        <p:txBody>
+          <a:bodyPr>
+            <a:normAutofit/>
+          </a:bodyPr>
+          <a:lstStyle/>
+          <a:p>
+            <a:pPr marL="0" indent="0">
+              <a:lnSpc>
+                <a:spcPct val="150000"/>
+              </a:lnSpc>
+              <a:buNone/>
+            </a:pPr>
+            <a:r>
+              <a:rPr lang="en-US" sz="1900" dirty="0"/>
+              <a:t>Generating QR code:</a:t>
+            </a:r>
+          </a:p>
+          <a:p>
+            <a:pPr lvl="2">
+              <a:lnSpc>
+                <a:spcPct val="150000"/>
+              </a:lnSpc>
+            </a:pPr>
+            <a:r>
+              <a:rPr lang="en-US" sz="1700" dirty="0"/>
+              <a:t>Start the application and navigate to the QR code generation screen.</a:t>
+            </a:r>
+          </a:p>
+          <a:p>
+            <a:pPr lvl="2">
+              <a:lnSpc>
+                <a:spcPct val="150000"/>
+              </a:lnSpc>
+            </a:pPr>
+            <a:r>
+              <a:rPr lang="en-US" sz="1700" dirty="0"/>
+              <a:t>Enter the item details such as name, quantity, and date into the form.</a:t>
+            </a:r>
+          </a:p>
+          <a:p>
+            <a:pPr lvl="2">
+              <a:lnSpc>
+                <a:spcPct val="150000"/>
+              </a:lnSpc>
+            </a:pPr>
+            <a:r>
+              <a:rPr lang="en-US" sz="1700" dirty="0"/>
+              <a:t>The application will generate a QR code based on the entered information.</a:t>
+            </a:r>
+          </a:p>
+          <a:p>
+            <a:pPr lvl="2">
+              <a:lnSpc>
+                <a:spcPct val="150000"/>
+              </a:lnSpc>
+            </a:pPr>
+            <a:r>
+              <a:rPr lang="en-US" sz="1700" dirty="0"/>
+              <a:t>The QR code is displayed on the screen and can be saved or printed.</a:t>
+            </a:r>
+          </a:p>
+          <a:p>
+            <a:pPr lvl="2">
+              <a:lnSpc>
+                <a:spcPct val="150000"/>
+              </a:lnSpc>
+            </a:pPr>
+            <a:r>
+              <a:rPr lang="en-US" sz="1700" dirty="0"/>
+              <a:t>The QR code is attached to the item's box or packaging.</a:t>
+            </a:r>
+          </a:p>
+          <a:p>
+            <a:pPr lvl="2">
+              <a:lnSpc>
+                <a:spcPct val="150000"/>
+              </a:lnSpc>
+            </a:pPr>
+            <a:r>
+              <a:rPr lang="en-US" sz="1700" dirty="0"/>
+              <a:t>The QR code can be scanned later to retrieve the item details for updating or viewing.</a:t>
+            </a:r>
+          </a:p>
+          <a:p>
+            <a:endParaRPr lang="en-IN" dirty="0"/>
+          </a:p>
+        </p:txBody>
+      </p:sp>
+    </p:spTree>
+    <p:extLst>
+      <p:ext uri="{BB962C8B-B14F-4D97-AF65-F5344CB8AC3E}">
+        <p14:creationId xmlns:p14="http://schemas.microsoft.com/office/powerpoint/2010/main" val="3112752731"/>
+      </p:ext>
+    </p:extLst>
+  </p:cSld>
+  <p:clrMapOvr>
+    <a:masterClrMapping/>
+  </p:clrMapOvr>
+  <mc:AlternateContent xmlns:mc="http://schemas.openxmlformats.org/markup-compatibility/2006" xmlns:p14="http://schemas.microsoft.com/office/powerpoint/2010/main">
+    <mc:Choice Requires="p14">
+      <p:transition spd="med" p14:dur="700">
+        <p:fade/>
+      </p:transition>
+    </mc:Choice>
+    <mc:Fallback xmlns="">
+      <p:transition spd="med">
+        <p:fade/>
+      </p:transition>
+    </mc:Fallback>
+  </mc:AlternateContent>
+</p:sld>
+</file>
+
+<file path=ppt/slides/slide18.xml><?xml version="1.0" encoding="utf-8"?>
+<p:sld xmlns:a="http://schemas.openxmlformats.org/drawingml/2006/main" xmlns:r="http://schemas.openxmlformats.org/officeDocument/2006/relationships" xmlns:p="http://schemas.openxmlformats.org/presentationml/2006/main">
+  <p:cSld>
+    <p:spTree>
+      <p:nvGrpSpPr>
+        <p:cNvPr id="1" name=""/>
+        <p:cNvGrpSpPr/>
+        <p:nvPr/>
+      </p:nvGrpSpPr>
+      <p:grpSpPr>
+        <a:xfrm>
+          <a:off x="0" y="0"/>
+          <a:ext cx="0" cy="0"/>
+          <a:chOff x="0" y="0"/>
+          <a:chExt cx="0" cy="0"/>
+        </a:xfrm>
+      </p:grpSpPr>
+      <p:sp>
+        <p:nvSpPr>
+          <p:cNvPr id="2" name="Title 1">
+            <a:extLst>
+              <a:ext uri="{FF2B5EF4-FFF2-40B4-BE49-F238E27FC236}">
+                <a16:creationId xmlns:a16="http://schemas.microsoft.com/office/drawing/2014/main" id="{9996A09A-F9D2-0D0C-3992-3BE9D06CAF58}"/>
+              </a:ext>
+            </a:extLst>
+          </p:cNvPr>
+          <p:cNvSpPr>
+            <a:spLocks noGrp="1"/>
+          </p:cNvSpPr>
+          <p:nvPr>
+            <p:ph type="title"/>
+          </p:nvPr>
+        </p:nvSpPr>
+        <p:spPr/>
+        <p:txBody>
+          <a:bodyPr/>
+          <a:lstStyle/>
+          <a:p>
+            <a:r>
+              <a:rPr lang="en-IN" dirty="0"/>
+              <a:t>Algorithm for scanning </a:t>
+            </a:r>
+            <a:r>
+              <a:rPr lang="en-IN" dirty="0" err="1"/>
+              <a:t>qr</a:t>
+            </a:r>
+            <a:r>
+              <a:rPr lang="en-IN" dirty="0"/>
+              <a:t> code </a:t>
+            </a:r>
+          </a:p>
+        </p:txBody>
+      </p:sp>
+      <p:sp>
+        <p:nvSpPr>
+          <p:cNvPr id="3" name="Content Placeholder 2">
+            <a:extLst>
+              <a:ext uri="{FF2B5EF4-FFF2-40B4-BE49-F238E27FC236}">
+                <a16:creationId xmlns:a16="http://schemas.microsoft.com/office/drawing/2014/main" id="{68089DB6-9420-98FE-8B82-6C7508B56BF1}"/>
+              </a:ext>
+            </a:extLst>
+          </p:cNvPr>
+          <p:cNvSpPr>
+            <a:spLocks noGrp="1"/>
+          </p:cNvSpPr>
+          <p:nvPr>
+            <p:ph idx="1"/>
+          </p:nvPr>
+        </p:nvSpPr>
+        <p:spPr/>
+        <p:txBody>
+          <a:bodyPr>
+            <a:normAutofit fontScale="92500"/>
+          </a:bodyPr>
+          <a:lstStyle/>
+          <a:p>
+            <a:pPr marL="0" indent="0">
+              <a:lnSpc>
+                <a:spcPct val="150000"/>
+              </a:lnSpc>
+              <a:buNone/>
+            </a:pPr>
+            <a:r>
+              <a:rPr lang="en-US" dirty="0"/>
+              <a:t>Scanning QR code:</a:t>
+            </a:r>
+          </a:p>
+          <a:p>
+            <a:pPr lvl="1">
+              <a:lnSpc>
+                <a:spcPct val="150000"/>
+              </a:lnSpc>
+            </a:pPr>
+            <a:r>
+              <a:rPr lang="en-US" dirty="0"/>
+              <a:t>Start the application and navigate to the QR code scanning screen.</a:t>
+            </a:r>
+          </a:p>
+          <a:p>
+            <a:pPr lvl="1">
+              <a:lnSpc>
+                <a:spcPct val="150000"/>
+              </a:lnSpc>
+            </a:pPr>
+            <a:r>
+              <a:rPr lang="en-US" dirty="0"/>
+              <a:t>Point the device camera at the QR code.</a:t>
+            </a:r>
+          </a:p>
+          <a:p>
+            <a:pPr lvl="1">
+              <a:lnSpc>
+                <a:spcPct val="150000"/>
+              </a:lnSpc>
+            </a:pPr>
+            <a:r>
+              <a:rPr lang="en-US" dirty="0"/>
+              <a:t>The application will detect the QR code and capture its image.</a:t>
+            </a:r>
+          </a:p>
+          <a:p>
+            <a:pPr lvl="1">
+              <a:lnSpc>
+                <a:spcPct val="150000"/>
+              </a:lnSpc>
+            </a:pPr>
+            <a:r>
+              <a:rPr lang="en-US" dirty="0"/>
+              <a:t>The image is processed to extract the data encoded in the QR code.</a:t>
+            </a:r>
+          </a:p>
+          <a:p>
+            <a:pPr lvl="1">
+              <a:lnSpc>
+                <a:spcPct val="150000"/>
+              </a:lnSpc>
+            </a:pPr>
+            <a:r>
+              <a:rPr lang="en-US" dirty="0"/>
+              <a:t>The extracted data is compared against the database to retrieve information about the item.</a:t>
+            </a:r>
+          </a:p>
+          <a:p>
+            <a:pPr lvl="1">
+              <a:lnSpc>
+                <a:spcPct val="150000"/>
+              </a:lnSpc>
+            </a:pPr>
+            <a:r>
+              <a:rPr lang="en-US" dirty="0"/>
+              <a:t>If a match is found, the item details are displayed on the screen for the operator to view.</a:t>
+            </a:r>
+          </a:p>
+          <a:p>
+            <a:pPr lvl="1">
+              <a:lnSpc>
+                <a:spcPct val="150000"/>
+              </a:lnSpc>
+            </a:pPr>
+            <a:r>
+              <a:rPr lang="en-US" dirty="0"/>
+              <a:t>The operator can modify the details as required and update the database.</a:t>
+            </a:r>
+          </a:p>
+          <a:p>
+            <a:endParaRPr lang="en-IN" dirty="0"/>
+          </a:p>
+        </p:txBody>
+      </p:sp>
+    </p:spTree>
+    <p:extLst>
+      <p:ext uri="{BB962C8B-B14F-4D97-AF65-F5344CB8AC3E}">
+        <p14:creationId xmlns:p14="http://schemas.microsoft.com/office/powerpoint/2010/main" val="2227707298"/>
+      </p:ext>
+    </p:extLst>
+  </p:cSld>
+  <p:clrMapOvr>
+    <a:masterClrMapping/>
+  </p:clrMapOvr>
+  <mc:AlternateContent xmlns:mc="http://schemas.openxmlformats.org/markup-compatibility/2006" xmlns:p14="http://schemas.microsoft.com/office/powerpoint/2010/main">
+    <mc:Choice Requires="p14">
+      <p:transition spd="med" p14:dur="700">
+        <p:fade/>
+      </p:transition>
+    </mc:Choice>
+    <mc:Fallback xmlns="">
+      <p:transition spd="med">
+        <p:fade/>
+      </p:transition>
+    </mc:Fallback>
+  </mc:AlternateContent>
+</p:sld>
+</file>
+
+<file path=ppt/slides/slide19.xml><?xml version="1.0" encoding="utf-8"?>
 <p:sld xmlns:a="http://schemas.openxmlformats.org/drawingml/2006/main" xmlns:r="http://schemas.openxmlformats.org/officeDocument/2006/relationships" xmlns:p="http://schemas.openxmlformats.org/presentationml/2006/main">
   <p:cSld>
     <p:spTree>
@@ -6313,7 +7419,7 @@
 </p:sld>
 </file>
 
-<file path=ppt/slides/slide15.xml><?xml version="1.0" encoding="utf-8"?>
+<file path=ppt/slides/slide2.xml><?xml version="1.0" encoding="utf-8"?>
 <p:sld xmlns:a="http://schemas.openxmlformats.org/drawingml/2006/main" xmlns:r="http://schemas.openxmlformats.org/officeDocument/2006/relationships" xmlns:p="http://schemas.openxmlformats.org/presentationml/2006/main">
   <p:cSld>
     <p:spTree>
@@ -6335,7 +7441,7 @@
           <p:cNvPr id="2" name="Title 1">
             <a:extLst>
               <a:ext uri="{FF2B5EF4-FFF2-40B4-BE49-F238E27FC236}">
-                <a16:creationId xmlns:a16="http://schemas.microsoft.com/office/drawing/2014/main" id="{F942C487-3959-0CEC-D763-D58958F899CD}"/>
+                <a16:creationId xmlns:a16="http://schemas.microsoft.com/office/drawing/2014/main" id="{EAC58EED-775D-4553-7BE8-F524D9F273EE}"/>
               </a:ext>
             </a:extLst>
           </p:cNvPr>
@@ -6346,31 +7452,16 @@
             <p:ph type="title"/>
           </p:nvPr>
         </p:nvSpPr>
-        <p:spPr>
-          <a:xfrm>
-            <a:off x="1202959" y="0"/>
-            <a:ext cx="9905998" cy="1478570"/>
-          </a:xfrm>
-        </p:spPr>
+        <p:spPr/>
         <p:txBody>
           <a:bodyPr/>
           <a:lstStyle/>
           <a:p>
             <a:r>
-              <a:rPr lang="en-US" b="1">
-                <a:solidFill>
-                  <a:schemeClr val="bg1"/>
-                </a:solidFill>
-                <a:latin typeface="Bookman Old Style" panose="02050604050505020204" pitchFamily="18" charset="0"/>
-              </a:rPr>
-              <a:t>Research Papers</a:t>
-            </a:r>
-            <a:endParaRPr lang="en-IN" b="1" dirty="0">
-              <a:solidFill>
-                <a:schemeClr val="bg1"/>
-              </a:solidFill>
-              <a:latin typeface="Bookman Old Style" panose="02050604050505020204" pitchFamily="18" charset="0"/>
-            </a:endParaRPr>
+              <a:rPr lang="en-US" dirty="0"/>
+              <a:t>Agenda</a:t>
+            </a:r>
+            <a:endParaRPr lang="en-IN" dirty="0"/>
           </a:p>
         </p:txBody>
       </p:sp>
@@ -6379,7 +7470,7 @@
           <p:cNvPr id="3" name="Content Placeholder 2">
             <a:extLst>
               <a:ext uri="{FF2B5EF4-FFF2-40B4-BE49-F238E27FC236}">
-                <a16:creationId xmlns:a16="http://schemas.microsoft.com/office/drawing/2014/main" id="{0E34AE9A-E2D4-86D5-F0EF-69EC44C77FA4}"/>
+                <a16:creationId xmlns:a16="http://schemas.microsoft.com/office/drawing/2014/main" id="{33BF9E78-CED8-8046-6AC9-BD22179D90A4}"/>
               </a:ext>
             </a:extLst>
           </p:cNvPr>
@@ -6390,174 +7481,64 @@
             <p:ph idx="1"/>
           </p:nvPr>
         </p:nvSpPr>
-        <p:spPr>
-          <a:xfrm>
-            <a:off x="572656" y="659423"/>
-            <a:ext cx="10716668" cy="5952392"/>
-          </a:xfrm>
-        </p:spPr>
+        <p:spPr/>
         <p:txBody>
-          <a:bodyPr>
-            <a:normAutofit/>
-          </a:bodyPr>
+          <a:bodyPr/>
           <a:lstStyle/>
           <a:p>
-            <a:pPr marL="0" indent="0" algn="ctr">
-              <a:spcBef>
-                <a:spcPts val="0"/>
-              </a:spcBef>
-              <a:buNone/>
-            </a:pPr>
-            <a:r>
-              <a:rPr lang="en-US" sz="2800" u="sng" dirty="0"/>
-              <a:t>A Review of QR code Structure for Encryption </a:t>
-            </a:r>
-          </a:p>
-          <a:p>
-            <a:pPr marL="0" indent="0" algn="ctr">
-              <a:spcBef>
-                <a:spcPts val="0"/>
-              </a:spcBef>
-              <a:buNone/>
-            </a:pPr>
-            <a:r>
-              <a:rPr lang="en-US" sz="2800" u="sng" dirty="0"/>
-              <a:t>and Decryption Process</a:t>
-            </a:r>
-            <a:endParaRPr lang="en-US" sz="2800" u="sng" dirty="0">
-              <a:latin typeface="Bookman Old Style" panose="02050604050505020204" pitchFamily="18" charset="0"/>
-            </a:endParaRPr>
-          </a:p>
-          <a:p>
-            <a:pPr marL="0" indent="0" algn="ctr">
-              <a:spcBef>
-                <a:spcPts val="0"/>
-              </a:spcBef>
-              <a:buNone/>
-            </a:pPr>
-            <a:r>
-              <a:rPr lang="en-US" sz="1800" dirty="0">
-                <a:solidFill>
-                  <a:schemeClr val="accent5"/>
-                </a:solidFill>
-              </a:rPr>
-              <a:t>International Journal of Innovative Science and Research Technology ISSN No: - 2456- 2165</a:t>
-            </a:r>
-            <a:endParaRPr lang="en-US" sz="1800" b="1" dirty="0">
-              <a:solidFill>
-                <a:schemeClr val="accent5"/>
-              </a:solidFill>
-              <a:latin typeface="Bookman Old Style" panose="02050604050505020204" pitchFamily="18" charset="0"/>
-            </a:endParaRPr>
-          </a:p>
-          <a:p>
-            <a:pPr marL="0" indent="0">
-              <a:spcBef>
-                <a:spcPts val="0"/>
-              </a:spcBef>
-              <a:buNone/>
-            </a:pPr>
-            <a:endParaRPr lang="en-US" sz="1600" b="1" dirty="0"/>
-          </a:p>
-          <a:p>
-            <a:pPr marL="0" indent="0">
-              <a:buNone/>
-            </a:pPr>
-            <a:r>
-              <a:rPr lang="en-IN" sz="2400" u="sng" dirty="0"/>
-              <a:t>Key-points:</a:t>
-            </a:r>
-          </a:p>
-          <a:p>
-            <a:r>
-              <a:rPr lang="en-IN" dirty="0"/>
-              <a:t>2-dimensional barcode.</a:t>
-            </a:r>
-          </a:p>
-          <a:p>
-            <a:r>
-              <a:rPr lang="en-IN" dirty="0"/>
-              <a:t>4296 alphanumeric characters.</a:t>
-            </a:r>
-          </a:p>
-          <a:p>
             <a:r>
               <a:rPr lang="en-US" dirty="0"/>
-              <a:t>Read by optical device with the appropriate software</a:t>
-            </a:r>
-          </a:p>
-          <a:p>
-            <a:pPr lvl="1"/>
+              <a:t>Introduction about  company.</a:t>
+            </a:r>
+          </a:p>
+          <a:p>
             <a:r>
               <a:rPr lang="en-US" dirty="0"/>
-              <a:t>Example: QR code reader, mobile phones.</a:t>
-            </a:r>
-          </a:p>
-          <a:p>
-            <a:pPr marL="0" indent="0">
-              <a:buNone/>
-            </a:pPr>
-            <a:endParaRPr lang="en-IN" dirty="0"/>
-          </a:p>
-          <a:p>
-            <a:pPr marL="0" indent="0">
-              <a:buNone/>
-            </a:pPr>
-            <a:r>
-              <a:rPr lang="en-IN" dirty="0"/>
-              <a:t>Link: - </a:t>
-            </a:r>
-            <a:r>
-              <a:rPr lang="en-IN" dirty="0">
-                <a:solidFill>
-                  <a:srgbClr val="005696"/>
-                </a:solidFill>
-              </a:rPr>
-              <a:t>https://ijisrt.com/wp-content/uploads/2017/03/A-Review-of-QR-code-Structure-for-Encryption-and-Decryption-Process.pdf</a:t>
+              <a:t>Overview of Inventory Management System.</a:t>
+            </a:r>
+          </a:p>
+          <a:p>
+            <a:r>
+              <a:rPr lang="en-US" dirty="0"/>
+              <a:t>Problem statement.</a:t>
+            </a:r>
+          </a:p>
+          <a:p>
+            <a:r>
+              <a:rPr lang="en-US" dirty="0"/>
+              <a:t>Purpose of the project.</a:t>
+            </a:r>
+          </a:p>
+          <a:p>
+            <a:r>
+              <a:rPr lang="en-US" dirty="0"/>
+              <a:t>Research papers. </a:t>
+            </a:r>
+          </a:p>
+          <a:p>
+            <a:r>
+              <a:rPr lang="en-US" dirty="0"/>
+              <a:t>Proposed solutions.</a:t>
+            </a:r>
+          </a:p>
+          <a:p>
+            <a:r>
+              <a:rPr lang="en-US" dirty="0"/>
+              <a:t>Algorithms </a:t>
+            </a:r>
+          </a:p>
+          <a:p>
+            <a:r>
+              <a:rPr lang="en-US" dirty="0"/>
+              <a:t>Conclusion. </a:t>
             </a:r>
           </a:p>
         </p:txBody>
       </p:sp>
-      <p:pic>
-        <p:nvPicPr>
-          <p:cNvPr id="7" name="Picture 6" descr="Icon&#10;&#10;Description automatically generated">
-            <a:extLst>
-              <a:ext uri="{FF2B5EF4-FFF2-40B4-BE49-F238E27FC236}">
-                <a16:creationId xmlns:a16="http://schemas.microsoft.com/office/drawing/2014/main" id="{CF7F73A2-2606-F8D1-1A68-65264AD7018B}"/>
-              </a:ext>
-            </a:extLst>
-          </p:cNvPr>
-          <p:cNvPicPr>
-            <a:picLocks noChangeAspect="1"/>
-          </p:cNvPicPr>
-          <p:nvPr/>
-        </p:nvPicPr>
-        <p:blipFill>
-          <a:blip r:embed="rId2">
-            <a:extLst>
-              <a:ext uri="{28A0092B-C50C-407E-A947-70E740481C1C}">
-                <a14:useLocalDpi xmlns:a14="http://schemas.microsoft.com/office/drawing/2010/main" val="0"/>
-              </a:ext>
-            </a:extLst>
-          </a:blip>
-          <a:stretch>
-            <a:fillRect/>
-          </a:stretch>
-        </p:blipFill>
-        <p:spPr>
-          <a:xfrm rot="1532591">
-            <a:off x="9371898" y="2113734"/>
-            <a:ext cx="2207473" cy="2318774"/>
-          </a:xfrm>
-          <a:prstGeom prst="rect">
-            <a:avLst/>
-          </a:prstGeom>
-        </p:spPr>
-      </p:pic>
     </p:spTree>
     <p:extLst>
       <p:ext uri="{BB962C8B-B14F-4D97-AF65-F5344CB8AC3E}">
-        <p14:creationId xmlns:p14="http://schemas.microsoft.com/office/powerpoint/2010/main" val="1892592"/>
+        <p14:creationId xmlns:p14="http://schemas.microsoft.com/office/powerpoint/2010/main" val="1390104302"/>
       </p:ext>
     </p:extLst>
   </p:cSld>
@@ -6579,7 +7560,7 @@
 </p:sld>
 </file>
 
-<file path=ppt/slides/slide16.xml><?xml version="1.0" encoding="utf-8"?>
+<file path=ppt/slides/slide20.xml><?xml version="1.0" encoding="utf-8"?>
 <p:sld xmlns:a="http://schemas.openxmlformats.org/drawingml/2006/main" xmlns:r="http://schemas.openxmlformats.org/officeDocument/2006/relationships" xmlns:p="http://schemas.openxmlformats.org/presentationml/2006/main">
   <p:cSld>
     <p:spTree>
@@ -6601,7 +7582,7 @@
           <p:cNvPr id="2" name="Title 1">
             <a:extLst>
               <a:ext uri="{FF2B5EF4-FFF2-40B4-BE49-F238E27FC236}">
-                <a16:creationId xmlns:a16="http://schemas.microsoft.com/office/drawing/2014/main" id="{B7D4C565-2537-0FF4-7AC6-9579617516AA}"/>
+                <a16:creationId xmlns:a16="http://schemas.microsoft.com/office/drawing/2014/main" id="{2D559AD4-3910-3AC3-C6AF-3A440AFEEE15}"/>
               </a:ext>
             </a:extLst>
           </p:cNvPr>
@@ -6612,20 +7593,16 @@
             <p:ph type="title"/>
           </p:nvPr>
         </p:nvSpPr>
-        <p:spPr>
-          <a:xfrm>
-            <a:off x="3397623" y="115640"/>
-            <a:ext cx="7545897" cy="1609344"/>
-          </a:xfrm>
-        </p:spPr>
+        <p:spPr/>
         <p:txBody>
           <a:bodyPr/>
           <a:lstStyle/>
           <a:p>
             <a:r>
-              <a:rPr lang="en-IN" dirty="0"/>
-              <a:t>Feasibility study</a:t>
-            </a:r>
+              <a:rPr lang="en-US" dirty="0"/>
+              <a:t>Image classification </a:t>
+            </a:r>
+            <a:endParaRPr lang="en-IN" dirty="0"/>
           </a:p>
         </p:txBody>
       </p:sp>
@@ -6634,7 +7611,7 @@
           <p:cNvPr id="3" name="Content Placeholder 2">
             <a:extLst>
               <a:ext uri="{FF2B5EF4-FFF2-40B4-BE49-F238E27FC236}">
-                <a16:creationId xmlns:a16="http://schemas.microsoft.com/office/drawing/2014/main" id="{1CB6442B-09CD-92B7-BFFD-C95E7BBA5699}"/>
+                <a16:creationId xmlns:a16="http://schemas.microsoft.com/office/drawing/2014/main" id="{70CD3ACC-FEB6-89BE-16EE-AF61F92C57E9}"/>
               </a:ext>
             </a:extLst>
           </p:cNvPr>
@@ -6645,276 +7622,89 @@
             <p:ph idx="1"/>
           </p:nvPr>
         </p:nvSpPr>
-        <p:spPr>
-          <a:xfrm>
-            <a:off x="885121" y="1620875"/>
-            <a:ext cx="10058400" cy="4050792"/>
-          </a:xfrm>
-        </p:spPr>
+        <p:spPr/>
         <p:txBody>
-          <a:bodyPr>
-            <a:normAutofit/>
-          </a:bodyPr>
+          <a:bodyPr/>
           <a:lstStyle/>
           <a:p>
-            <a:pPr marL="0" indent="0">
-              <a:buNone/>
-            </a:pPr>
             <a:r>
               <a:rPr lang="en-US" dirty="0"/>
-              <a:t>QR code generation and scanning API:</a:t>
-            </a:r>
-          </a:p>
-          <a:p>
-            <a:r>
-              <a:rPr lang="en-IN" dirty="0">
-                <a:hlinkClick r:id="rId2"/>
-              </a:rPr>
-              <a:t>https://developers.google.com/chart/infographics/docs/qr_codes</a:t>
-            </a:r>
+              <a:t>Identifying items directly using its image.</a:t>
+            </a:r>
+          </a:p>
+          <a:p>
+            <a:r>
+              <a:rPr lang="en-US" dirty="0"/>
+              <a:t>Quick fetching and </a:t>
+            </a:r>
+            <a:r>
+              <a:rPr lang="en-US" dirty="0" err="1"/>
+              <a:t>updation</a:t>
+            </a:r>
+            <a:r>
+              <a:rPr lang="en-US" dirty="0"/>
+              <a:t>.</a:t>
+            </a:r>
+          </a:p>
+          <a:p>
+            <a:r>
+              <a:rPr lang="en-US" dirty="0"/>
+              <a:t>Image classification will be done on client side (phone).</a:t>
+            </a:r>
+          </a:p>
+          <a:p>
+            <a:endParaRPr lang="en-US" dirty="0"/>
+          </a:p>
+          <a:p>
+            <a:r>
+              <a:rPr lang="en-US" dirty="0"/>
+              <a:t>Advantages:</a:t>
+            </a:r>
+          </a:p>
+          <a:p>
+            <a:pPr lvl="1"/>
+            <a:r>
+              <a:rPr lang="en-US" dirty="0"/>
+              <a:t>Reduction in operational time</a:t>
+            </a:r>
+          </a:p>
+          <a:p>
+            <a:pPr lvl="1"/>
+            <a:r>
+              <a:rPr lang="en-US" dirty="0"/>
+              <a:t>Consistent item names in database</a:t>
+            </a:r>
+          </a:p>
+          <a:p>
+            <a:pPr lvl="1"/>
+            <a:r>
+              <a:rPr lang="en-US" dirty="0"/>
+              <a:t>No need to type</a:t>
+            </a:r>
+          </a:p>
+          <a:p>
+            <a:pPr lvl="1"/>
+            <a:r>
+              <a:rPr lang="en-US" dirty="0"/>
+              <a:t>No need to remember exact item names</a:t>
+            </a:r>
+          </a:p>
+          <a:p>
+            <a:pPr lvl="1"/>
+            <a:r>
+              <a:rPr lang="en-US" dirty="0"/>
+              <a:t>Helpful for illiterate workers.</a:t>
+            </a:r>
+          </a:p>
+          <a:p>
             <a:endParaRPr lang="en-IN" dirty="0"/>
           </a:p>
-          <a:p>
-            <a:pPr lvl="1"/>
-            <a:r>
-              <a:rPr lang="en-IN" dirty="0"/>
-              <a:t>Deprecated</a:t>
-            </a:r>
-          </a:p>
-          <a:p>
-            <a:r>
-              <a:rPr lang="en-IN" dirty="0">
-                <a:hlinkClick r:id="rId3"/>
-              </a:rPr>
-              <a:t>https://goqr.me/api/</a:t>
-            </a:r>
-            <a:endParaRPr lang="en-IN" dirty="0"/>
-          </a:p>
-          <a:p>
-            <a:r>
-              <a:rPr lang="en-IN" dirty="0"/>
-              <a:t>API call</a:t>
-            </a:r>
-          </a:p>
-          <a:p>
-            <a:pPr lvl="1"/>
-            <a:r>
-              <a:rPr lang="en-IN" u="sng" dirty="0">
-                <a:solidFill>
-                  <a:srgbClr val="00B0F0"/>
-                </a:solidFill>
-              </a:rPr>
-              <a:t>https://api.qrserver.com/v1/create-qr-code/?size=150x150&amp;data={nuts: 400; bolts: 300; washers: 400; generator: 20 } </a:t>
-            </a:r>
-          </a:p>
-          <a:p>
-            <a:endParaRPr lang="en-IN" dirty="0"/>
-          </a:p>
         </p:txBody>
       </p:sp>
-      <p:pic>
-        <p:nvPicPr>
-          <p:cNvPr id="1026" name="Picture 2" descr="Message placement within a QR symbol. The message is encoded using a (255,249) Reed Solomon code (shortened to (24,18) code by using &quot;padding&quot;) which can correct up to 3 byte errors.">
-            <a:extLst>
-              <a:ext uri="{FF2B5EF4-FFF2-40B4-BE49-F238E27FC236}">
-                <a16:creationId xmlns:a16="http://schemas.microsoft.com/office/drawing/2014/main" id="{2CCA863D-CC44-A870-7B94-96E165D9EC79}"/>
-              </a:ext>
-            </a:extLst>
-          </p:cNvPr>
-          <p:cNvPicPr>
-            <a:picLocks noChangeAspect="1" noChangeArrowheads="1"/>
-          </p:cNvPicPr>
-          <p:nvPr/>
-        </p:nvPicPr>
-        <p:blipFill>
-          <a:blip r:embed="rId4">
-            <a:extLst>
-              <a:ext uri="{28A0092B-C50C-407E-A947-70E740481C1C}">
-                <a14:useLocalDpi xmlns:a14="http://schemas.microsoft.com/office/drawing/2010/main" val="0"/>
-              </a:ext>
-            </a:extLst>
-          </a:blip>
-          <a:srcRect/>
-          <a:stretch>
-            <a:fillRect/>
-          </a:stretch>
-        </p:blipFill>
-        <p:spPr bwMode="auto">
-          <a:xfrm>
-            <a:off x="8192722" y="381311"/>
-            <a:ext cx="1964290" cy="1346942"/>
-          </a:xfrm>
-          <a:prstGeom prst="rect">
-            <a:avLst/>
-          </a:prstGeom>
-          <a:noFill/>
-          <a:extLst>
-            <a:ext uri="{909E8E84-426E-40DD-AFC4-6F175D3DCCD1}">
-              <a14:hiddenFill xmlns:a14="http://schemas.microsoft.com/office/drawing/2010/main">
-                <a:solidFill>
-                  <a:srgbClr val="FFFFFF"/>
-                </a:solidFill>
-              </a14:hiddenFill>
-            </a:ext>
-          </a:extLst>
-        </p:spPr>
-      </p:pic>
-      <p:sp>
-        <p:nvSpPr>
-          <p:cNvPr id="4" name="TextBox 3">
-            <a:extLst>
-              <a:ext uri="{FF2B5EF4-FFF2-40B4-BE49-F238E27FC236}">
-                <a16:creationId xmlns:a16="http://schemas.microsoft.com/office/drawing/2014/main" id="{DBE2F8A1-3E30-5796-5E57-9087D8E8D3E4}"/>
-              </a:ext>
-            </a:extLst>
-          </p:cNvPr>
-          <p:cNvSpPr txBox="1"/>
-          <p:nvPr/>
-        </p:nvSpPr>
-        <p:spPr>
-          <a:xfrm>
-            <a:off x="8075740" y="1620875"/>
-            <a:ext cx="2198254" cy="369332"/>
-          </a:xfrm>
-          <a:prstGeom prst="rect">
-            <a:avLst/>
-          </a:prstGeom>
-          <a:noFill/>
-        </p:spPr>
-        <p:txBody>
-          <a:bodyPr wrap="square" rtlCol="0">
-            <a:spAutoFit/>
-          </a:bodyPr>
-          <a:lstStyle/>
-          <a:p>
-            <a:r>
-              <a:rPr lang="en-IN" dirty="0"/>
-              <a:t>QR code structure</a:t>
-            </a:r>
-          </a:p>
-        </p:txBody>
-      </p:sp>
-      <p:pic>
-        <p:nvPicPr>
-          <p:cNvPr id="6" name="Picture 5" descr="Qr code&#10;&#10;Description automatically generated">
-            <a:extLst>
-              <a:ext uri="{FF2B5EF4-FFF2-40B4-BE49-F238E27FC236}">
-                <a16:creationId xmlns:a16="http://schemas.microsoft.com/office/drawing/2014/main" id="{960BBF86-BDA5-B069-12B5-2707FBBD7B6F}"/>
-              </a:ext>
-            </a:extLst>
-          </p:cNvPr>
-          <p:cNvPicPr>
-            <a:picLocks noChangeAspect="1"/>
-          </p:cNvPicPr>
-          <p:nvPr/>
-        </p:nvPicPr>
-        <p:blipFill rotWithShape="1">
-          <a:blip r:embed="rId5">
-            <a:extLst>
-              <a:ext uri="{28A0092B-C50C-407E-A947-70E740481C1C}">
-                <a14:useLocalDpi xmlns:a14="http://schemas.microsoft.com/office/drawing/2010/main" val="0"/>
-              </a:ext>
-            </a:extLst>
-          </a:blip>
-          <a:srcRect t="32157" b="48552"/>
-          <a:stretch/>
-        </p:blipFill>
-        <p:spPr>
-          <a:xfrm>
-            <a:off x="4513383" y="4164717"/>
-            <a:ext cx="3165231" cy="1322973"/>
-          </a:xfrm>
-          <a:prstGeom prst="rect">
-            <a:avLst/>
-          </a:prstGeom>
-        </p:spPr>
-      </p:pic>
-      <p:pic>
-        <p:nvPicPr>
-          <p:cNvPr id="8" name="Picture 7" descr="Qr code&#10;&#10;Description automatically generated">
-            <a:extLst>
-              <a:ext uri="{FF2B5EF4-FFF2-40B4-BE49-F238E27FC236}">
-                <a16:creationId xmlns:a16="http://schemas.microsoft.com/office/drawing/2014/main" id="{ED92D081-2EDB-367A-CA2E-FA1739A44335}"/>
-              </a:ext>
-            </a:extLst>
-          </p:cNvPr>
-          <p:cNvPicPr>
-            <a:picLocks noChangeAspect="1"/>
-          </p:cNvPicPr>
-          <p:nvPr/>
-        </p:nvPicPr>
-        <p:blipFill rotWithShape="1">
-          <a:blip r:embed="rId5">
-            <a:extLst>
-              <a:ext uri="{28A0092B-C50C-407E-A947-70E740481C1C}">
-                <a14:useLocalDpi xmlns:a14="http://schemas.microsoft.com/office/drawing/2010/main" val="0"/>
-              </a:ext>
-            </a:extLst>
-          </a:blip>
-          <a:srcRect t="70842" b="9867"/>
-          <a:stretch/>
-        </p:blipFill>
-        <p:spPr>
-          <a:xfrm>
-            <a:off x="4513383" y="5487690"/>
-            <a:ext cx="3165231" cy="1322974"/>
-          </a:xfrm>
-          <a:prstGeom prst="rect">
-            <a:avLst/>
-          </a:prstGeom>
-        </p:spPr>
-      </p:pic>
-      <p:pic>
-        <p:nvPicPr>
-          <p:cNvPr id="9" name="Picture 2" descr="What Goes Into a Feasibility Study for a Construction Project? - Stonemark">
-            <a:extLst>
-              <a:ext uri="{FF2B5EF4-FFF2-40B4-BE49-F238E27FC236}">
-                <a16:creationId xmlns:a16="http://schemas.microsoft.com/office/drawing/2014/main" id="{E8BC5EE6-F6FF-0A3B-E7E6-525EDD3DE18A}"/>
-              </a:ext>
-            </a:extLst>
-          </p:cNvPr>
-          <p:cNvPicPr>
-            <a:picLocks noChangeAspect="1" noChangeArrowheads="1"/>
-          </p:cNvPicPr>
-          <p:nvPr/>
-        </p:nvPicPr>
-        <p:blipFill>
-          <a:blip r:embed="rId6">
-            <a:extLst>
-              <a:ext uri="{28A0092B-C50C-407E-A947-70E740481C1C}">
-                <a14:useLocalDpi xmlns:a14="http://schemas.microsoft.com/office/drawing/2010/main" val="0"/>
-              </a:ext>
-            </a:extLst>
-          </a:blip>
-          <a:srcRect/>
-          <a:stretch>
-            <a:fillRect/>
-          </a:stretch>
-        </p:blipFill>
-        <p:spPr bwMode="auto">
-          <a:xfrm>
-            <a:off x="1" y="0"/>
-            <a:ext cx="2416536" cy="1290918"/>
-          </a:xfrm>
-          <a:prstGeom prst="rect">
-            <a:avLst/>
-          </a:prstGeom>
-          <a:noFill/>
-          <a:extLst>
-            <a:ext uri="{909E8E84-426E-40DD-AFC4-6F175D3DCCD1}">
-              <a14:hiddenFill xmlns:a14="http://schemas.microsoft.com/office/drawing/2010/main">
-                <a:solidFill>
-                  <a:srgbClr val="FFFFFF"/>
-                </a:solidFill>
-              </a14:hiddenFill>
-            </a:ext>
-          </a:extLst>
-        </p:spPr>
-      </p:pic>
     </p:spTree>
     <p:extLst>
       <p:ext uri="{BB962C8B-B14F-4D97-AF65-F5344CB8AC3E}">
-        <p14:creationId xmlns:p14="http://schemas.microsoft.com/office/powerpoint/2010/main" val="3301969975"/>
+        <p14:creationId xmlns:p14="http://schemas.microsoft.com/office/powerpoint/2010/main" val="1172487070"/>
       </p:ext>
     </p:extLst>
   </p:cSld>
@@ -6936,7 +7726,244 @@
 </p:sld>
 </file>
 
-<file path=ppt/slides/slide17.xml><?xml version="1.0" encoding="utf-8"?>
+<file path=ppt/slides/slide21.xml><?xml version="1.0" encoding="utf-8"?>
+<p:sld xmlns:a="http://schemas.openxmlformats.org/drawingml/2006/main" xmlns:r="http://schemas.openxmlformats.org/officeDocument/2006/relationships" xmlns:p="http://schemas.openxmlformats.org/presentationml/2006/main">
+  <p:cSld>
+    <p:spTree>
+      <p:nvGrpSpPr>
+        <p:cNvPr id="1" name=""/>
+        <p:cNvGrpSpPr/>
+        <p:nvPr/>
+      </p:nvGrpSpPr>
+      <p:grpSpPr>
+        <a:xfrm>
+          <a:off x="0" y="0"/>
+          <a:ext cx="0" cy="0"/>
+          <a:chOff x="0" y="0"/>
+          <a:chExt cx="0" cy="0"/>
+        </a:xfrm>
+      </p:grpSpPr>
+      <p:sp>
+        <p:nvSpPr>
+          <p:cNvPr id="2" name="Title 1">
+            <a:extLst>
+              <a:ext uri="{FF2B5EF4-FFF2-40B4-BE49-F238E27FC236}">
+                <a16:creationId xmlns:a16="http://schemas.microsoft.com/office/drawing/2014/main" id="{A563D952-AACD-E17E-DB31-0F47E9A1A291}"/>
+              </a:ext>
+            </a:extLst>
+          </p:cNvPr>
+          <p:cNvSpPr>
+            <a:spLocks noGrp="1"/>
+          </p:cNvSpPr>
+          <p:nvPr>
+            <p:ph type="title"/>
+          </p:nvPr>
+        </p:nvSpPr>
+        <p:spPr>
+          <a:xfrm>
+            <a:off x="1069848" y="484632"/>
+            <a:ext cx="10058400" cy="1089191"/>
+          </a:xfrm>
+        </p:spPr>
+        <p:txBody>
+          <a:bodyPr/>
+          <a:lstStyle/>
+          <a:p>
+            <a:r>
+              <a:rPr lang="en-IN" dirty="0"/>
+              <a:t>Algorithm </a:t>
+            </a:r>
+          </a:p>
+        </p:txBody>
+      </p:sp>
+      <p:sp>
+        <p:nvSpPr>
+          <p:cNvPr id="3" name="Content Placeholder 2">
+            <a:extLst>
+              <a:ext uri="{FF2B5EF4-FFF2-40B4-BE49-F238E27FC236}">
+                <a16:creationId xmlns:a16="http://schemas.microsoft.com/office/drawing/2014/main" id="{0ACCE5EB-EB8A-7533-053B-E0D3C65829B8}"/>
+              </a:ext>
+            </a:extLst>
+          </p:cNvPr>
+          <p:cNvSpPr>
+            <a:spLocks noGrp="1"/>
+          </p:cNvSpPr>
+          <p:nvPr>
+            <p:ph idx="1"/>
+          </p:nvPr>
+        </p:nvSpPr>
+        <p:spPr>
+          <a:xfrm>
+            <a:off x="1069848" y="1450731"/>
+            <a:ext cx="9551260" cy="5029200"/>
+          </a:xfrm>
+        </p:spPr>
+        <p:txBody>
+          <a:bodyPr>
+            <a:normAutofit fontScale="77500" lnSpcReduction="20000"/>
+          </a:bodyPr>
+          <a:lstStyle/>
+          <a:p>
+            <a:r>
+              <a:rPr lang="en-IN" dirty="0"/>
+              <a:t>General algo.</a:t>
+            </a:r>
+          </a:p>
+          <a:p>
+            <a:r>
+              <a:rPr lang="en-IN" dirty="0"/>
+              <a:t>Input: Image of an item</a:t>
+            </a:r>
+          </a:p>
+          <a:p>
+            <a:r>
+              <a:rPr lang="en-IN" dirty="0"/>
+              <a:t>Pre-processing:</a:t>
+            </a:r>
+          </a:p>
+          <a:p>
+            <a:pPr lvl="1"/>
+            <a:r>
+              <a:rPr lang="en-IN" dirty="0"/>
+              <a:t>a. Resize image</a:t>
+            </a:r>
+          </a:p>
+          <a:p>
+            <a:pPr lvl="1"/>
+            <a:r>
+              <a:rPr lang="en-IN" dirty="0"/>
+              <a:t>b. Convert to grayscale/RGB</a:t>
+            </a:r>
+          </a:p>
+          <a:p>
+            <a:pPr lvl="1"/>
+            <a:r>
+              <a:rPr lang="en-IN" dirty="0"/>
+              <a:t>c. Normalize image</a:t>
+            </a:r>
+          </a:p>
+          <a:p>
+            <a:r>
+              <a:rPr lang="en-IN" dirty="0"/>
+              <a:t>Feature Extraction:</a:t>
+            </a:r>
+          </a:p>
+          <a:p>
+            <a:pPr lvl="1"/>
+            <a:r>
+              <a:rPr lang="en-IN" dirty="0"/>
+              <a:t>a. Extract features using filters</a:t>
+            </a:r>
+          </a:p>
+          <a:p>
+            <a:pPr lvl="1"/>
+            <a:r>
+              <a:rPr lang="en-IN" dirty="0"/>
+              <a:t>b. Represent as feature vector</a:t>
+            </a:r>
+          </a:p>
+          <a:p>
+            <a:r>
+              <a:rPr lang="en-IN" dirty="0"/>
+              <a:t>Model Selection:</a:t>
+            </a:r>
+          </a:p>
+          <a:p>
+            <a:pPr lvl="1"/>
+            <a:r>
+              <a:rPr lang="en-IN" dirty="0"/>
+              <a:t>a. Train ML model using </a:t>
+            </a:r>
+            <a:r>
+              <a:rPr lang="en-IN" dirty="0" err="1"/>
+              <a:t>labeled</a:t>
+            </a:r>
+            <a:r>
+              <a:rPr lang="en-IN" dirty="0"/>
+              <a:t> dataset</a:t>
+            </a:r>
+          </a:p>
+          <a:p>
+            <a:pPr lvl="1"/>
+            <a:r>
+              <a:rPr lang="en-IN" dirty="0"/>
+              <a:t>b. Select best model based on accuracy, speed, etc.</a:t>
+            </a:r>
+          </a:p>
+          <a:p>
+            <a:r>
+              <a:rPr lang="en-IN" dirty="0"/>
+              <a:t>Model Prediction:</a:t>
+            </a:r>
+          </a:p>
+          <a:p>
+            <a:pPr lvl="1"/>
+            <a:r>
+              <a:rPr lang="en-IN" dirty="0"/>
+              <a:t>a. Classify input image</a:t>
+            </a:r>
+          </a:p>
+          <a:p>
+            <a:pPr lvl="1"/>
+            <a:r>
+              <a:rPr lang="en-IN" dirty="0"/>
+              <a:t>b. Get class label &amp; confidence score</a:t>
+            </a:r>
+          </a:p>
+          <a:p>
+            <a:r>
+              <a:rPr lang="en-IN" dirty="0"/>
+              <a:t>Database Lookup:</a:t>
+            </a:r>
+          </a:p>
+          <a:p>
+            <a:pPr lvl="1"/>
+            <a:r>
+              <a:rPr lang="en-IN" dirty="0"/>
+              <a:t>a. Retrieve item details based on predicted class label</a:t>
+            </a:r>
+          </a:p>
+          <a:p>
+            <a:pPr lvl="1"/>
+            <a:r>
+              <a:rPr lang="en-IN" dirty="0"/>
+              <a:t>b. Store details in dictionary/object</a:t>
+            </a:r>
+          </a:p>
+          <a:p>
+            <a:r>
+              <a:rPr lang="en-IN" dirty="0"/>
+              <a:t>Output: Item details (name, description, quantity, price, etc.).</a:t>
+            </a:r>
+          </a:p>
+        </p:txBody>
+      </p:sp>
+    </p:spTree>
+    <p:extLst>
+      <p:ext uri="{BB962C8B-B14F-4D97-AF65-F5344CB8AC3E}">
+        <p14:creationId xmlns:p14="http://schemas.microsoft.com/office/powerpoint/2010/main" val="1119969893"/>
+      </p:ext>
+    </p:extLst>
+  </p:cSld>
+  <p:clrMapOvr>
+    <a:masterClrMapping/>
+  </p:clrMapOvr>
+  <mc:AlternateContent xmlns:mc="http://schemas.openxmlformats.org/markup-compatibility/2006" xmlns:p14="http://schemas.microsoft.com/office/powerpoint/2010/main">
+    <mc:Choice Requires="p14">
+      <p:transition spd="med" p14:dur="700">
+        <p:fade/>
+      </p:transition>
+    </mc:Choice>
+    <mc:Fallback xmlns="">
+      <p:transition spd="med">
+        <p:fade/>
+      </p:transition>
+    </mc:Fallback>
+  </mc:AlternateContent>
+</p:sld>
+</file>
+
+<file path=ppt/slides/slide22.xml><?xml version="1.0" encoding="utf-8"?>
 <p:sld xmlns:a="http://schemas.openxmlformats.org/drawingml/2006/main" xmlns:r="http://schemas.openxmlformats.org/officeDocument/2006/relationships" xmlns:p="http://schemas.openxmlformats.org/presentationml/2006/main">
   <p:cSld>
     <p:spTree>
@@ -7662,7 +8689,2475 @@
 </p:sld>
 </file>
 
-<file path=ppt/slides/slide18.xml><?xml version="1.0" encoding="utf-8"?>
+<file path=ppt/slides/slide23.xml><?xml version="1.0" encoding="utf-8"?>
+<p:sld xmlns:a="http://schemas.openxmlformats.org/drawingml/2006/main" xmlns:r="http://schemas.openxmlformats.org/officeDocument/2006/relationships" xmlns:p="http://schemas.openxmlformats.org/presentationml/2006/main">
+  <p:cSld>
+    <p:spTree>
+      <p:nvGrpSpPr>
+        <p:cNvPr id="1" name=""/>
+        <p:cNvGrpSpPr/>
+        <p:nvPr/>
+      </p:nvGrpSpPr>
+      <p:grpSpPr>
+        <a:xfrm>
+          <a:off x="0" y="0"/>
+          <a:ext cx="0" cy="0"/>
+          <a:chOff x="0" y="0"/>
+          <a:chExt cx="0" cy="0"/>
+        </a:xfrm>
+      </p:grpSpPr>
+      <p:sp>
+        <p:nvSpPr>
+          <p:cNvPr id="2" name="Title 1">
+            <a:extLst>
+              <a:ext uri="{FF2B5EF4-FFF2-40B4-BE49-F238E27FC236}">
+                <a16:creationId xmlns:a16="http://schemas.microsoft.com/office/drawing/2014/main" id="{F78AAEF5-B449-D7D3-4A15-80EF108D711F}"/>
+              </a:ext>
+            </a:extLst>
+          </p:cNvPr>
+          <p:cNvSpPr>
+            <a:spLocks noGrp="1"/>
+          </p:cNvSpPr>
+          <p:nvPr>
+            <p:ph type="title"/>
+          </p:nvPr>
+        </p:nvSpPr>
+        <p:spPr/>
+        <p:txBody>
+          <a:bodyPr/>
+          <a:lstStyle/>
+          <a:p>
+            <a:r>
+              <a:rPr lang="en-IN" dirty="0"/>
+              <a:t>Wind power forecasting</a:t>
+            </a:r>
+          </a:p>
+        </p:txBody>
+      </p:sp>
+      <p:sp>
+        <p:nvSpPr>
+          <p:cNvPr id="3" name="Content Placeholder 2">
+            <a:extLst>
+              <a:ext uri="{FF2B5EF4-FFF2-40B4-BE49-F238E27FC236}">
+                <a16:creationId xmlns:a16="http://schemas.microsoft.com/office/drawing/2014/main" id="{2D3134AE-13A4-971F-3783-8B7EFB6325AC}"/>
+              </a:ext>
+            </a:extLst>
+          </p:cNvPr>
+          <p:cNvSpPr>
+            <a:spLocks noGrp="1"/>
+          </p:cNvSpPr>
+          <p:nvPr>
+            <p:ph idx="1"/>
+          </p:nvPr>
+        </p:nvSpPr>
+        <p:spPr>
+          <a:xfrm>
+            <a:off x="1069848" y="1749669"/>
+            <a:ext cx="10058400" cy="4422531"/>
+          </a:xfrm>
+        </p:spPr>
+        <p:txBody>
+          <a:bodyPr>
+            <a:normAutofit fontScale="85000" lnSpcReduction="20000"/>
+          </a:bodyPr>
+          <a:lstStyle/>
+          <a:p>
+            <a:r>
+              <a:rPr lang="en-US" dirty="0"/>
+              <a:t>Intelligent technique for forecasting wind speed, power output</a:t>
+            </a:r>
+          </a:p>
+          <a:p>
+            <a:r>
+              <a:rPr lang="en-US" dirty="0"/>
+              <a:t>Forecast for next whole month, daily basis</a:t>
+            </a:r>
+          </a:p>
+          <a:p>
+            <a:r>
+              <a:rPr lang="en-US" dirty="0"/>
+              <a:t>Utilize publicly available weather, energy data sets</a:t>
+            </a:r>
+          </a:p>
+          <a:p>
+            <a:r>
+              <a:rPr lang="en-US" dirty="0"/>
+              <a:t>Consider various features (temp, wind direction, atmospheric pressure)</a:t>
+            </a:r>
+          </a:p>
+          <a:p>
+            <a:r>
+              <a:rPr lang="en-US" dirty="0"/>
+              <a:t>Improve accuracy of forecasts.</a:t>
+            </a:r>
+          </a:p>
+          <a:p>
+            <a:r>
+              <a:rPr lang="en-US" dirty="0"/>
+              <a:t>Wind speed prediction using LSTM algorithm. </a:t>
+            </a:r>
+          </a:p>
+          <a:p>
+            <a:endParaRPr lang="en-IN" dirty="0"/>
+          </a:p>
+          <a:p>
+            <a:r>
+              <a:rPr lang="en-IN" dirty="0"/>
+              <a:t>ADVANTAGES:</a:t>
+            </a:r>
+          </a:p>
+          <a:p>
+            <a:pPr lvl="1"/>
+            <a:r>
+              <a:rPr lang="en-US" dirty="0"/>
+              <a:t>Help customers plan power usage, make informed decisions</a:t>
+            </a:r>
+          </a:p>
+          <a:p>
+            <a:pPr lvl="1"/>
+            <a:r>
+              <a:rPr lang="en-US" dirty="0"/>
+              <a:t>Better energy planning and usage</a:t>
+            </a:r>
+          </a:p>
+          <a:p>
+            <a:pPr lvl="1"/>
+            <a:r>
+              <a:rPr lang="en-US" dirty="0"/>
+              <a:t>Informed decision making for wind turbine installation</a:t>
+            </a:r>
+          </a:p>
+          <a:p>
+            <a:pPr lvl="1"/>
+            <a:r>
+              <a:rPr lang="en-US" dirty="0"/>
+              <a:t>Improved accuracy of wind speed, power output forecasts</a:t>
+            </a:r>
+          </a:p>
+          <a:p>
+            <a:pPr lvl="1"/>
+            <a:r>
+              <a:rPr lang="en-US" dirty="0"/>
+              <a:t>Helps with reducing uncertainty in wind energy generation</a:t>
+            </a:r>
+          </a:p>
+          <a:p>
+            <a:pPr lvl="1"/>
+            <a:r>
+              <a:rPr lang="en-US" dirty="0"/>
+              <a:t>Better management of wind energy resources</a:t>
+            </a:r>
+          </a:p>
+          <a:p>
+            <a:pPr lvl="1"/>
+            <a:r>
+              <a:rPr lang="en-US" dirty="0"/>
+              <a:t>Increased efficiency and effectiveness of wind energy utilization.</a:t>
+            </a:r>
+            <a:endParaRPr lang="en-IN" dirty="0"/>
+          </a:p>
+        </p:txBody>
+      </p:sp>
+    </p:spTree>
+    <p:extLst>
+      <p:ext uri="{BB962C8B-B14F-4D97-AF65-F5344CB8AC3E}">
+        <p14:creationId xmlns:p14="http://schemas.microsoft.com/office/powerpoint/2010/main" val="2625089226"/>
+      </p:ext>
+    </p:extLst>
+  </p:cSld>
+  <p:clrMapOvr>
+    <a:masterClrMapping/>
+  </p:clrMapOvr>
+  <mc:AlternateContent xmlns:mc="http://schemas.openxmlformats.org/markup-compatibility/2006" xmlns:p14="http://schemas.microsoft.com/office/powerpoint/2010/main">
+    <mc:Choice Requires="p14">
+      <p:transition spd="med" p14:dur="700">
+        <p:fade/>
+      </p:transition>
+    </mc:Choice>
+    <mc:Fallback xmlns="">
+      <p:transition spd="med">
+        <p:fade/>
+      </p:transition>
+    </mc:Fallback>
+  </mc:AlternateContent>
+</p:sld>
+</file>
+
+<file path=ppt/slides/slide24.xml><?xml version="1.0" encoding="utf-8"?>
+<p:sld xmlns:a="http://schemas.openxmlformats.org/drawingml/2006/main" xmlns:r="http://schemas.openxmlformats.org/officeDocument/2006/relationships" xmlns:p="http://schemas.openxmlformats.org/presentationml/2006/main">
+  <p:cSld>
+    <p:spTree>
+      <p:nvGrpSpPr>
+        <p:cNvPr id="1" name=""/>
+        <p:cNvGrpSpPr/>
+        <p:nvPr/>
+      </p:nvGrpSpPr>
+      <p:grpSpPr>
+        <a:xfrm>
+          <a:off x="0" y="0"/>
+          <a:ext cx="0" cy="0"/>
+          <a:chOff x="0" y="0"/>
+          <a:chExt cx="0" cy="0"/>
+        </a:xfrm>
+      </p:grpSpPr>
+      <p:sp>
+        <p:nvSpPr>
+          <p:cNvPr id="2" name="Title 1">
+            <a:extLst>
+              <a:ext uri="{FF2B5EF4-FFF2-40B4-BE49-F238E27FC236}">
+                <a16:creationId xmlns:a16="http://schemas.microsoft.com/office/drawing/2014/main" id="{05D3B5F7-2846-02B4-567C-636277B7DC4F}"/>
+              </a:ext>
+            </a:extLst>
+          </p:cNvPr>
+          <p:cNvSpPr>
+            <a:spLocks noGrp="1"/>
+          </p:cNvSpPr>
+          <p:nvPr>
+            <p:ph type="title"/>
+          </p:nvPr>
+        </p:nvSpPr>
+        <p:spPr/>
+        <p:txBody>
+          <a:bodyPr/>
+          <a:lstStyle/>
+          <a:p>
+            <a:r>
+              <a:rPr lang="en-IN" dirty="0"/>
+              <a:t>Algorithm</a:t>
+            </a:r>
+          </a:p>
+        </p:txBody>
+      </p:sp>
+      <p:sp>
+        <p:nvSpPr>
+          <p:cNvPr id="3" name="Content Placeholder 2">
+            <a:extLst>
+              <a:ext uri="{FF2B5EF4-FFF2-40B4-BE49-F238E27FC236}">
+                <a16:creationId xmlns:a16="http://schemas.microsoft.com/office/drawing/2014/main" id="{2DC4ADF6-59CC-D13A-1E4F-62A76B387CBE}"/>
+              </a:ext>
+            </a:extLst>
+          </p:cNvPr>
+          <p:cNvSpPr>
+            <a:spLocks noGrp="1"/>
+          </p:cNvSpPr>
+          <p:nvPr>
+            <p:ph idx="1"/>
+          </p:nvPr>
+        </p:nvSpPr>
+        <p:spPr/>
+        <p:txBody>
+          <a:bodyPr/>
+          <a:lstStyle/>
+          <a:p>
+            <a:pPr marL="0" indent="0">
+              <a:buNone/>
+            </a:pPr>
+            <a:r>
+              <a:rPr lang="en-IN" dirty="0"/>
+              <a:t>Generating forecasting model:</a:t>
+            </a:r>
+          </a:p>
+          <a:p>
+            <a:pPr lvl="1"/>
+            <a:r>
+              <a:rPr lang="en-IN" dirty="0"/>
+              <a:t>Load public data sets</a:t>
+            </a:r>
+          </a:p>
+          <a:p>
+            <a:pPr lvl="1"/>
+            <a:r>
+              <a:rPr lang="en-IN" dirty="0"/>
+              <a:t>Pre-process data</a:t>
+            </a:r>
+          </a:p>
+          <a:p>
+            <a:pPr lvl="1"/>
+            <a:r>
+              <a:rPr lang="en-IN" dirty="0"/>
+              <a:t>Select relevant features</a:t>
+            </a:r>
+          </a:p>
+          <a:p>
+            <a:pPr lvl="1"/>
+            <a:r>
+              <a:rPr lang="en-IN" dirty="0"/>
+              <a:t>Use RNN-LSTM</a:t>
+            </a:r>
+          </a:p>
+          <a:p>
+            <a:pPr lvl="1"/>
+            <a:r>
+              <a:rPr lang="en-IN" dirty="0"/>
+              <a:t>Train &amp; validate model</a:t>
+            </a:r>
+          </a:p>
+          <a:p>
+            <a:pPr lvl="1"/>
+            <a:r>
+              <a:rPr lang="en-IN" dirty="0"/>
+              <a:t>Evaluate performance</a:t>
+            </a:r>
+          </a:p>
+          <a:p>
+            <a:pPr lvl="1"/>
+            <a:r>
+              <a:rPr lang="en-IN" dirty="0"/>
+              <a:t>Repeat steps 4-6 if needed</a:t>
+            </a:r>
+          </a:p>
+          <a:p>
+            <a:pPr lvl="1"/>
+            <a:r>
+              <a:rPr lang="en-IN" dirty="0"/>
+              <a:t>Use model for forecasting</a:t>
+            </a:r>
+          </a:p>
+          <a:p>
+            <a:pPr lvl="1"/>
+            <a:r>
+              <a:rPr lang="en-IN" dirty="0"/>
+              <a:t>Store forecasted values in database.</a:t>
+            </a:r>
+          </a:p>
+        </p:txBody>
+      </p:sp>
+    </p:spTree>
+    <p:extLst>
+      <p:ext uri="{BB962C8B-B14F-4D97-AF65-F5344CB8AC3E}">
+        <p14:creationId xmlns:p14="http://schemas.microsoft.com/office/powerpoint/2010/main" val="1298131284"/>
+      </p:ext>
+    </p:extLst>
+  </p:cSld>
+  <p:clrMapOvr>
+    <a:masterClrMapping/>
+  </p:clrMapOvr>
+  <mc:AlternateContent xmlns:mc="http://schemas.openxmlformats.org/markup-compatibility/2006" xmlns:p14="http://schemas.microsoft.com/office/powerpoint/2010/main">
+    <mc:Choice Requires="p14">
+      <p:transition spd="med" p14:dur="700">
+        <p:fade/>
+      </p:transition>
+    </mc:Choice>
+    <mc:Fallback xmlns="">
+      <p:transition spd="med">
+        <p:fade/>
+      </p:transition>
+    </mc:Fallback>
+  </mc:AlternateContent>
+</p:sld>
+</file>
+
+<file path=ppt/slides/slide25.xml><?xml version="1.0" encoding="utf-8"?>
+<p:sld xmlns:a="http://schemas.openxmlformats.org/drawingml/2006/main" xmlns:r="http://schemas.openxmlformats.org/officeDocument/2006/relationships" xmlns:p="http://schemas.openxmlformats.org/presentationml/2006/main">
+  <p:cSld>
+    <p:spTree>
+      <p:nvGrpSpPr>
+        <p:cNvPr id="1" name=""/>
+        <p:cNvGrpSpPr/>
+        <p:nvPr/>
+      </p:nvGrpSpPr>
+      <p:grpSpPr>
+        <a:xfrm>
+          <a:off x="0" y="0"/>
+          <a:ext cx="0" cy="0"/>
+          <a:chOff x="0" y="0"/>
+          <a:chExt cx="0" cy="0"/>
+        </a:xfrm>
+      </p:grpSpPr>
+      <p:sp>
+        <p:nvSpPr>
+          <p:cNvPr id="10" name="Title 1">
+            <a:extLst>
+              <a:ext uri="{FF2B5EF4-FFF2-40B4-BE49-F238E27FC236}">
+                <a16:creationId xmlns:a16="http://schemas.microsoft.com/office/drawing/2014/main" id="{E98174C7-11B0-11B2-670E-1B6112A62E15}"/>
+              </a:ext>
+            </a:extLst>
+          </p:cNvPr>
+          <p:cNvSpPr>
+            <a:spLocks noGrp="1"/>
+          </p:cNvSpPr>
+          <p:nvPr>
+            <p:ph type="title"/>
+          </p:nvPr>
+        </p:nvSpPr>
+        <p:spPr>
+          <a:xfrm>
+            <a:off x="838200" y="365125"/>
+            <a:ext cx="10515600" cy="767389"/>
+          </a:xfrm>
+        </p:spPr>
+        <p:txBody>
+          <a:bodyPr>
+            <a:normAutofit fontScale="90000"/>
+          </a:bodyPr>
+          <a:lstStyle/>
+          <a:p>
+            <a:r>
+              <a:rPr lang="en-US" dirty="0"/>
+              <a:t>Working</a:t>
+            </a:r>
+            <a:endParaRPr lang="en-IN" dirty="0"/>
+          </a:p>
+        </p:txBody>
+      </p:sp>
+      <p:sp>
+        <p:nvSpPr>
+          <p:cNvPr id="11" name="Content Placeholder 2">
+            <a:extLst>
+              <a:ext uri="{FF2B5EF4-FFF2-40B4-BE49-F238E27FC236}">
+                <a16:creationId xmlns:a16="http://schemas.microsoft.com/office/drawing/2014/main" id="{E1086DA3-4FEE-0D58-305A-28299C7D1F2E}"/>
+              </a:ext>
+            </a:extLst>
+          </p:cNvPr>
+          <p:cNvSpPr>
+            <a:spLocks noGrp="1"/>
+          </p:cNvSpPr>
+          <p:nvPr>
+            <p:ph idx="1"/>
+          </p:nvPr>
+        </p:nvSpPr>
+        <p:spPr>
+          <a:xfrm>
+            <a:off x="838200" y="1400961"/>
+            <a:ext cx="10515600" cy="4776002"/>
+          </a:xfrm>
+        </p:spPr>
+        <p:txBody>
+          <a:bodyPr>
+            <a:normAutofit/>
+          </a:bodyPr>
+          <a:lstStyle/>
+          <a:p>
+            <a:r>
+              <a:rPr lang="en-US" sz="2000" dirty="0"/>
+              <a:t>User need to share his location.</a:t>
+            </a:r>
+          </a:p>
+          <a:p>
+            <a:r>
+              <a:rPr lang="en-US" sz="2000" dirty="0"/>
+              <a:t>Prediction of future Wind speed.</a:t>
+            </a:r>
+          </a:p>
+          <a:p>
+            <a:r>
+              <a:rPr lang="en-US" sz="2000" dirty="0"/>
+              <a:t>Based on that, power output will be calculated.</a:t>
+            </a:r>
+          </a:p>
+          <a:p>
+            <a:r>
+              <a:rPr lang="en-US" sz="2000" dirty="0"/>
+              <a:t>beneficial or not?</a:t>
+            </a:r>
+          </a:p>
+          <a:p>
+            <a:endParaRPr lang="en-US" sz="1000" dirty="0"/>
+          </a:p>
+          <a:p>
+            <a:r>
+              <a:rPr lang="en-US" sz="2400" u="sng" dirty="0"/>
+              <a:t>Relationship of wind speed with turbine power:</a:t>
+            </a:r>
+          </a:p>
+          <a:p>
+            <a:r>
+              <a:rPr lang="en-US" sz="2000" dirty="0"/>
+              <a:t>2 types of turbine</a:t>
+            </a:r>
+          </a:p>
+        </p:txBody>
+      </p:sp>
+      <p:graphicFrame>
+        <p:nvGraphicFramePr>
+          <p:cNvPr id="14" name="Table 13">
+            <a:extLst>
+              <a:ext uri="{FF2B5EF4-FFF2-40B4-BE49-F238E27FC236}">
+                <a16:creationId xmlns:a16="http://schemas.microsoft.com/office/drawing/2014/main" id="{E9A64D72-7CA9-2EB2-3257-75F36AEBFB52}"/>
+              </a:ext>
+            </a:extLst>
+          </p:cNvPr>
+          <p:cNvGraphicFramePr>
+            <a:graphicFrameLocks noGrp="1"/>
+          </p:cNvGraphicFramePr>
+          <p:nvPr>
+            <p:extLst>
+              <p:ext uri="{D42A27DB-BD31-4B8C-83A1-F6EECF244321}">
+                <p14:modId xmlns:p14="http://schemas.microsoft.com/office/powerpoint/2010/main" val="1376770354"/>
+              </p:ext>
+            </p:extLst>
+          </p:nvPr>
+        </p:nvGraphicFramePr>
+        <p:xfrm>
+          <a:off x="3890682" y="5504329"/>
+          <a:ext cx="208280" cy="475130"/>
+        </p:xfrm>
+        <a:graphic>
+          <a:graphicData uri="http://schemas.openxmlformats.org/drawingml/2006/table">
+            <a:tbl>
+              <a:tblPr/>
+              <a:tblGrid>
+                <a:gridCol w="208280">
+                  <a:extLst>
+                    <a:ext uri="{9D8B030D-6E8A-4147-A177-3AD203B41FA5}">
+                      <a16:colId xmlns:a16="http://schemas.microsoft.com/office/drawing/2014/main" val="673236903"/>
+                    </a:ext>
+                  </a:extLst>
+                </a:gridCol>
+              </a:tblGrid>
+              <a:tr h="475130">
+                <a:tc>
+                  <a:txBody>
+                    <a:bodyPr/>
+                    <a:lstStyle/>
+                    <a:p>
+                      <a:endParaRPr lang="en-IN" dirty="0"/>
+                    </a:p>
+                  </a:txBody>
+                  <a:tcPr>
+                    <a:lnL w="12700" cmpd="sng">
+                      <a:solidFill>
+                        <a:schemeClr val="tx1"/>
+                      </a:solidFill>
+                      <a:prstDash val="solid"/>
+                    </a:lnL>
+                    <a:lnR w="12700" cmpd="sng">
+                      <a:noFill/>
+                      <a:prstDash val="solid"/>
+                    </a:lnR>
+                    <a:lnT w="12700" cmpd="sng">
+                      <a:noFill/>
+                      <a:prstDash val="solid"/>
+                    </a:lnT>
+                    <a:lnB w="12700" cmpd="sng">
+                      <a:noFill/>
+                      <a:prstDash val="solid"/>
+                    </a:lnB>
+                  </a:tcPr>
+                </a:tc>
+                <a:extLst>
+                  <a:ext uri="{0D108BD9-81ED-4DB2-BD59-A6C34878D82A}">
+                    <a16:rowId xmlns:a16="http://schemas.microsoft.com/office/drawing/2014/main" val="4188290882"/>
+                  </a:ext>
+                </a:extLst>
+              </a:tr>
+            </a:tbl>
+          </a:graphicData>
+        </a:graphic>
+      </p:graphicFrame>
+      <p:graphicFrame>
+        <p:nvGraphicFramePr>
+          <p:cNvPr id="15" name="Table 15">
+            <a:extLst>
+              <a:ext uri="{FF2B5EF4-FFF2-40B4-BE49-F238E27FC236}">
+                <a16:creationId xmlns:a16="http://schemas.microsoft.com/office/drawing/2014/main" id="{2AF2E1B9-E35F-FE40-B29F-0D170D8635A7}"/>
+              </a:ext>
+            </a:extLst>
+          </p:cNvPr>
+          <p:cNvGraphicFramePr>
+            <a:graphicFrameLocks noGrp="1"/>
+          </p:cNvGraphicFramePr>
+          <p:nvPr>
+            <p:extLst>
+              <p:ext uri="{D42A27DB-BD31-4B8C-83A1-F6EECF244321}">
+                <p14:modId xmlns:p14="http://schemas.microsoft.com/office/powerpoint/2010/main" val="3111598871"/>
+              </p:ext>
+            </p:extLst>
+          </p:nvPr>
+        </p:nvGraphicFramePr>
+        <p:xfrm>
+          <a:off x="1709271" y="4679622"/>
+          <a:ext cx="8127999" cy="1112520"/>
+        </p:xfrm>
+        <a:graphic>
+          <a:graphicData uri="http://schemas.openxmlformats.org/drawingml/2006/table">
+            <a:tbl>
+              <a:tblPr firstRow="1" bandRow="1">
+                <a:tableStyleId>{5C22544A-7EE6-4342-B048-85BDC9FD1C3A}</a:tableStyleId>
+              </a:tblPr>
+              <a:tblGrid>
+                <a:gridCol w="2709333">
+                  <a:extLst>
+                    <a:ext uri="{9D8B030D-6E8A-4147-A177-3AD203B41FA5}">
+                      <a16:colId xmlns:a16="http://schemas.microsoft.com/office/drawing/2014/main" val="296602070"/>
+                    </a:ext>
+                  </a:extLst>
+                </a:gridCol>
+                <a:gridCol w="2709333">
+                  <a:extLst>
+                    <a:ext uri="{9D8B030D-6E8A-4147-A177-3AD203B41FA5}">
+                      <a16:colId xmlns:a16="http://schemas.microsoft.com/office/drawing/2014/main" val="3408345506"/>
+                    </a:ext>
+                  </a:extLst>
+                </a:gridCol>
+                <a:gridCol w="2709333">
+                  <a:extLst>
+                    <a:ext uri="{9D8B030D-6E8A-4147-A177-3AD203B41FA5}">
+                      <a16:colId xmlns:a16="http://schemas.microsoft.com/office/drawing/2014/main" val="297898540"/>
+                    </a:ext>
+                  </a:extLst>
+                </a:gridCol>
+              </a:tblGrid>
+              <a:tr h="370840">
+                <a:tc>
+                  <a:txBody>
+                    <a:bodyPr/>
+                    <a:lstStyle/>
+                    <a:p>
+                      <a:pPr algn="ctr"/>
+                      <a:r>
+                        <a:rPr lang="en-IN" dirty="0"/>
+                        <a:t>Wind speed</a:t>
+                      </a:r>
+                    </a:p>
+                  </a:txBody>
+                  <a:tcPr/>
+                </a:tc>
+                <a:tc>
+                  <a:txBody>
+                    <a:bodyPr/>
+                    <a:lstStyle/>
+                    <a:p>
+                      <a:pPr algn="ctr"/>
+                      <a:r>
+                        <a:rPr lang="en-IN" dirty="0"/>
+                        <a:t>Large Turbine</a:t>
+                      </a:r>
+                    </a:p>
+                  </a:txBody>
+                  <a:tcPr/>
+                </a:tc>
+                <a:tc>
+                  <a:txBody>
+                    <a:bodyPr/>
+                    <a:lstStyle/>
+                    <a:p>
+                      <a:pPr algn="ctr"/>
+                      <a:r>
+                        <a:rPr lang="en-IN" dirty="0"/>
+                        <a:t>Small Turbine</a:t>
+                      </a:r>
+                    </a:p>
+                  </a:txBody>
+                  <a:tcPr/>
+                </a:tc>
+                <a:extLst>
+                  <a:ext uri="{0D108BD9-81ED-4DB2-BD59-A6C34878D82A}">
+                    <a16:rowId xmlns:a16="http://schemas.microsoft.com/office/drawing/2014/main" val="1425735257"/>
+                  </a:ext>
+                </a:extLst>
+              </a:tr>
+              <a:tr h="370840">
+                <a:tc>
+                  <a:txBody>
+                    <a:bodyPr/>
+                    <a:lstStyle/>
+                    <a:p>
+                      <a:pPr algn="ctr"/>
+                      <a:r>
+                        <a:rPr lang="en-IN" dirty="0"/>
+                        <a:t>5 m/s</a:t>
+                      </a:r>
+                    </a:p>
+                  </a:txBody>
+                  <a:tcPr/>
+                </a:tc>
+                <a:tc>
+                  <a:txBody>
+                    <a:bodyPr/>
+                    <a:lstStyle/>
+                    <a:p>
+                      <a:pPr algn="ctr"/>
+                      <a:r>
+                        <a:rPr lang="en-IN" dirty="0"/>
+                        <a:t>2 kw/hr</a:t>
+                      </a:r>
+                    </a:p>
+                  </a:txBody>
+                  <a:tcPr/>
+                </a:tc>
+                <a:tc>
+                  <a:txBody>
+                    <a:bodyPr/>
+                    <a:lstStyle/>
+                    <a:p>
+                      <a:pPr algn="ctr"/>
+                      <a:r>
+                        <a:rPr lang="en-IN" dirty="0"/>
+                        <a:t>1 kw/hr</a:t>
+                      </a:r>
+                    </a:p>
+                  </a:txBody>
+                  <a:tcPr/>
+                </a:tc>
+                <a:extLst>
+                  <a:ext uri="{0D108BD9-81ED-4DB2-BD59-A6C34878D82A}">
+                    <a16:rowId xmlns:a16="http://schemas.microsoft.com/office/drawing/2014/main" val="679263999"/>
+                  </a:ext>
+                </a:extLst>
+              </a:tr>
+              <a:tr h="370840">
+                <a:tc>
+                  <a:txBody>
+                    <a:bodyPr/>
+                    <a:lstStyle/>
+                    <a:p>
+                      <a:pPr algn="ctr"/>
+                      <a:r>
+                        <a:rPr lang="en-IN" dirty="0"/>
+                        <a:t>10 m/s</a:t>
+                      </a:r>
+                    </a:p>
+                  </a:txBody>
+                  <a:tcPr/>
+                </a:tc>
+                <a:tc>
+                  <a:txBody>
+                    <a:bodyPr/>
+                    <a:lstStyle/>
+                    <a:p>
+                      <a:pPr algn="ctr"/>
+                      <a:r>
+                        <a:rPr lang="en-IN" dirty="0"/>
+                        <a:t>4.5 kw/hr</a:t>
+                      </a:r>
+                    </a:p>
+                  </a:txBody>
+                  <a:tcPr/>
+                </a:tc>
+                <a:tc>
+                  <a:txBody>
+                    <a:bodyPr/>
+                    <a:lstStyle/>
+                    <a:p>
+                      <a:pPr algn="ctr"/>
+                      <a:r>
+                        <a:rPr lang="en-IN" dirty="0"/>
+                        <a:t>2 kw/hr</a:t>
+                      </a:r>
+                    </a:p>
+                  </a:txBody>
+                  <a:tcPr/>
+                </a:tc>
+                <a:extLst>
+                  <a:ext uri="{0D108BD9-81ED-4DB2-BD59-A6C34878D82A}">
+                    <a16:rowId xmlns:a16="http://schemas.microsoft.com/office/drawing/2014/main" val="3022226652"/>
+                  </a:ext>
+                </a:extLst>
+              </a:tr>
+            </a:tbl>
+          </a:graphicData>
+        </a:graphic>
+      </p:graphicFrame>
+    </p:spTree>
+    <p:extLst>
+      <p:ext uri="{BB962C8B-B14F-4D97-AF65-F5344CB8AC3E}">
+        <p14:creationId xmlns:p14="http://schemas.microsoft.com/office/powerpoint/2010/main" val="1946738702"/>
+      </p:ext>
+    </p:extLst>
+  </p:cSld>
+  <p:clrMapOvr>
+    <a:masterClrMapping/>
+  </p:clrMapOvr>
+  <mc:AlternateContent xmlns:mc="http://schemas.openxmlformats.org/markup-compatibility/2006" xmlns:p14="http://schemas.microsoft.com/office/powerpoint/2010/main">
+    <mc:Choice Requires="p14">
+      <p:transition spd="med" p14:dur="700">
+        <p:fade/>
+      </p:transition>
+    </mc:Choice>
+    <mc:Fallback xmlns="">
+      <p:transition spd="med">
+        <p:fade/>
+      </p:transition>
+    </mc:Fallback>
+  </mc:AlternateContent>
+</p:sld>
+</file>
+
+<file path=ppt/slides/slide26.xml><?xml version="1.0" encoding="utf-8"?>
+<p:sld xmlns:a="http://schemas.openxmlformats.org/drawingml/2006/main" xmlns:r="http://schemas.openxmlformats.org/officeDocument/2006/relationships" xmlns:p="http://schemas.openxmlformats.org/presentationml/2006/main">
+  <p:cSld>
+    <p:spTree>
+      <p:nvGrpSpPr>
+        <p:cNvPr id="1" name=""/>
+        <p:cNvGrpSpPr/>
+        <p:nvPr/>
+      </p:nvGrpSpPr>
+      <p:grpSpPr>
+        <a:xfrm>
+          <a:off x="0" y="0"/>
+          <a:ext cx="0" cy="0"/>
+          <a:chOff x="0" y="0"/>
+          <a:chExt cx="0" cy="0"/>
+        </a:xfrm>
+      </p:grpSpPr>
+      <p:sp>
+        <p:nvSpPr>
+          <p:cNvPr id="2" name="Title 1">
+            <a:extLst>
+              <a:ext uri="{FF2B5EF4-FFF2-40B4-BE49-F238E27FC236}">
+                <a16:creationId xmlns:a16="http://schemas.microsoft.com/office/drawing/2014/main" id="{E36279EF-D492-038C-347A-B321B5BA0A33}"/>
+              </a:ext>
+            </a:extLst>
+          </p:cNvPr>
+          <p:cNvSpPr>
+            <a:spLocks noGrp="1"/>
+          </p:cNvSpPr>
+          <p:nvPr>
+            <p:ph type="title"/>
+          </p:nvPr>
+        </p:nvSpPr>
+        <p:spPr/>
+        <p:txBody>
+          <a:bodyPr/>
+          <a:lstStyle/>
+          <a:p>
+            <a:r>
+              <a:rPr lang="en-IN" dirty="0"/>
+              <a:t>Dataflow diagrams. </a:t>
+            </a:r>
+          </a:p>
+        </p:txBody>
+      </p:sp>
+      <p:sp>
+        <p:nvSpPr>
+          <p:cNvPr id="3" name="Content Placeholder 2">
+            <a:extLst>
+              <a:ext uri="{FF2B5EF4-FFF2-40B4-BE49-F238E27FC236}">
+                <a16:creationId xmlns:a16="http://schemas.microsoft.com/office/drawing/2014/main" id="{5628C3D3-A2ED-727D-FF11-F3C3FB2BD67F}"/>
+              </a:ext>
+            </a:extLst>
+          </p:cNvPr>
+          <p:cNvSpPr>
+            <a:spLocks noGrp="1"/>
+          </p:cNvSpPr>
+          <p:nvPr>
+            <p:ph idx="1"/>
+          </p:nvPr>
+        </p:nvSpPr>
+        <p:spPr/>
+        <p:txBody>
+          <a:bodyPr/>
+          <a:lstStyle/>
+          <a:p>
+            <a:r>
+              <a:rPr lang="en-IN" dirty="0" err="1"/>
+              <a:t>Idhar</a:t>
+            </a:r>
+            <a:r>
+              <a:rPr lang="en-IN" dirty="0"/>
+              <a:t> level 0, 1 </a:t>
+            </a:r>
+            <a:r>
+              <a:rPr lang="en-IN" dirty="0" err="1"/>
+              <a:t>dfd</a:t>
+            </a:r>
+            <a:r>
+              <a:rPr lang="en-IN" dirty="0"/>
+              <a:t> </a:t>
+            </a:r>
+            <a:r>
+              <a:rPr lang="en-IN" dirty="0" err="1"/>
+              <a:t>daal</a:t>
+            </a:r>
+            <a:r>
+              <a:rPr lang="en-IN" dirty="0"/>
+              <a:t> </a:t>
+            </a:r>
+            <a:r>
+              <a:rPr lang="en-IN" dirty="0" err="1"/>
+              <a:t>jojo</a:t>
+            </a:r>
+            <a:r>
+              <a:rPr lang="en-IN" dirty="0"/>
+              <a:t> </a:t>
+            </a:r>
+          </a:p>
+        </p:txBody>
+      </p:sp>
+    </p:spTree>
+    <p:extLst>
+      <p:ext uri="{BB962C8B-B14F-4D97-AF65-F5344CB8AC3E}">
+        <p14:creationId xmlns:p14="http://schemas.microsoft.com/office/powerpoint/2010/main" val="4674568"/>
+      </p:ext>
+    </p:extLst>
+  </p:cSld>
+  <p:clrMapOvr>
+    <a:masterClrMapping/>
+  </p:clrMapOvr>
+  <mc:AlternateContent xmlns:mc="http://schemas.openxmlformats.org/markup-compatibility/2006" xmlns:p14="http://schemas.microsoft.com/office/powerpoint/2010/main">
+    <mc:Choice Requires="p14">
+      <p:transition spd="med" p14:dur="700">
+        <p:fade/>
+      </p:transition>
+    </mc:Choice>
+    <mc:Fallback xmlns="">
+      <p:transition spd="med">
+        <p:fade/>
+      </p:transition>
+    </mc:Fallback>
+  </mc:AlternateContent>
+</p:sld>
+</file>
+
+<file path=ppt/slides/slide27.xml><?xml version="1.0" encoding="utf-8"?>
+<p:sld xmlns:a="http://schemas.openxmlformats.org/drawingml/2006/main" xmlns:r="http://schemas.openxmlformats.org/officeDocument/2006/relationships" xmlns:p="http://schemas.openxmlformats.org/presentationml/2006/main">
+  <p:cSld>
+    <p:spTree>
+      <p:nvGrpSpPr>
+        <p:cNvPr id="1" name=""/>
+        <p:cNvGrpSpPr/>
+        <p:nvPr/>
+      </p:nvGrpSpPr>
+      <p:grpSpPr>
+        <a:xfrm>
+          <a:off x="0" y="0"/>
+          <a:ext cx="0" cy="0"/>
+          <a:chOff x="0" y="0"/>
+          <a:chExt cx="0" cy="0"/>
+        </a:xfrm>
+      </p:grpSpPr>
+      <p:sp>
+        <p:nvSpPr>
+          <p:cNvPr id="2" name="Title 1">
+            <a:extLst>
+              <a:ext uri="{FF2B5EF4-FFF2-40B4-BE49-F238E27FC236}">
+                <a16:creationId xmlns:a16="http://schemas.microsoft.com/office/drawing/2014/main" id="{CD1F5C31-F099-C1BE-8F49-741EF39B15F3}"/>
+              </a:ext>
+            </a:extLst>
+          </p:cNvPr>
+          <p:cNvSpPr>
+            <a:spLocks noGrp="1"/>
+          </p:cNvSpPr>
+          <p:nvPr>
+            <p:ph type="title"/>
+          </p:nvPr>
+        </p:nvSpPr>
+        <p:spPr/>
+        <p:txBody>
+          <a:bodyPr/>
+          <a:lstStyle/>
+          <a:p>
+            <a:r>
+              <a:rPr lang="en-IN" dirty="0"/>
+              <a:t>Datasets </a:t>
+            </a:r>
+          </a:p>
+        </p:txBody>
+      </p:sp>
+      <p:sp>
+        <p:nvSpPr>
+          <p:cNvPr id="3" name="Content Placeholder 2">
+            <a:extLst>
+              <a:ext uri="{FF2B5EF4-FFF2-40B4-BE49-F238E27FC236}">
+                <a16:creationId xmlns:a16="http://schemas.microsoft.com/office/drawing/2014/main" id="{1A81A6DE-03FF-7884-3487-9B895254D047}"/>
+              </a:ext>
+            </a:extLst>
+          </p:cNvPr>
+          <p:cNvSpPr>
+            <a:spLocks noGrp="1"/>
+          </p:cNvSpPr>
+          <p:nvPr>
+            <p:ph idx="1"/>
+          </p:nvPr>
+        </p:nvSpPr>
+        <p:spPr/>
+        <p:txBody>
+          <a:bodyPr/>
+          <a:lstStyle/>
+          <a:p>
+            <a:r>
+              <a:rPr lang="en-IN" dirty="0"/>
+              <a:t>Work done on datasets</a:t>
+            </a:r>
+          </a:p>
+        </p:txBody>
+      </p:sp>
+    </p:spTree>
+    <p:extLst>
+      <p:ext uri="{BB962C8B-B14F-4D97-AF65-F5344CB8AC3E}">
+        <p14:creationId xmlns:p14="http://schemas.microsoft.com/office/powerpoint/2010/main" val="1867114802"/>
+      </p:ext>
+    </p:extLst>
+  </p:cSld>
+  <p:clrMapOvr>
+    <a:masterClrMapping/>
+  </p:clrMapOvr>
+  <mc:AlternateContent xmlns:mc="http://schemas.openxmlformats.org/markup-compatibility/2006" xmlns:p14="http://schemas.microsoft.com/office/powerpoint/2010/main">
+    <mc:Choice Requires="p14">
+      <p:transition spd="med" p14:dur="700">
+        <p:fade/>
+      </p:transition>
+    </mc:Choice>
+    <mc:Fallback xmlns="">
+      <p:transition spd="med">
+        <p:fade/>
+      </p:transition>
+    </mc:Fallback>
+  </mc:AlternateContent>
+</p:sld>
+</file>
+
+<file path=ppt/slides/slide28.xml><?xml version="1.0" encoding="utf-8"?>
+<p:sld xmlns:a="http://schemas.openxmlformats.org/drawingml/2006/main" xmlns:r="http://schemas.openxmlformats.org/officeDocument/2006/relationships" xmlns:p="http://schemas.openxmlformats.org/presentationml/2006/main">
+  <p:cSld>
+    <p:spTree>
+      <p:nvGrpSpPr>
+        <p:cNvPr id="1" name=""/>
+        <p:cNvGrpSpPr/>
+        <p:nvPr/>
+      </p:nvGrpSpPr>
+      <p:grpSpPr>
+        <a:xfrm>
+          <a:off x="0" y="0"/>
+          <a:ext cx="0" cy="0"/>
+          <a:chOff x="0" y="0"/>
+          <a:chExt cx="0" cy="0"/>
+        </a:xfrm>
+      </p:grpSpPr>
+      <p:sp>
+        <p:nvSpPr>
+          <p:cNvPr id="2" name="Title 1">
+            <a:extLst>
+              <a:ext uri="{FF2B5EF4-FFF2-40B4-BE49-F238E27FC236}">
+                <a16:creationId xmlns:a16="http://schemas.microsoft.com/office/drawing/2014/main" id="{E7B8C438-24E4-B659-300F-A3770992E573}"/>
+              </a:ext>
+            </a:extLst>
+          </p:cNvPr>
+          <p:cNvSpPr>
+            <a:spLocks noGrp="1"/>
+          </p:cNvSpPr>
+          <p:nvPr>
+            <p:ph type="title"/>
+          </p:nvPr>
+        </p:nvSpPr>
+        <p:spPr/>
+        <p:txBody>
+          <a:bodyPr/>
+          <a:lstStyle/>
+          <a:p>
+            <a:r>
+              <a:rPr lang="en-IN" dirty="0"/>
+              <a:t>Software &amp; hardware requirements.</a:t>
+            </a:r>
+          </a:p>
+        </p:txBody>
+      </p:sp>
+      <p:sp>
+        <p:nvSpPr>
+          <p:cNvPr id="3" name="Content Placeholder 2">
+            <a:extLst>
+              <a:ext uri="{FF2B5EF4-FFF2-40B4-BE49-F238E27FC236}">
+                <a16:creationId xmlns:a16="http://schemas.microsoft.com/office/drawing/2014/main" id="{2A9FF396-4D9E-9D4B-409A-EDC6CA1C96CD}"/>
+              </a:ext>
+            </a:extLst>
+          </p:cNvPr>
+          <p:cNvSpPr>
+            <a:spLocks noGrp="1"/>
+          </p:cNvSpPr>
+          <p:nvPr>
+            <p:ph idx="1"/>
+          </p:nvPr>
+        </p:nvSpPr>
+        <p:spPr/>
+        <p:txBody>
+          <a:bodyPr/>
+          <a:lstStyle/>
+          <a:p>
+            <a:pPr marL="0" indent="0">
+              <a:buNone/>
+            </a:pPr>
+            <a:r>
+              <a:rPr lang="en-IN" dirty="0"/>
+              <a:t>Software: </a:t>
+            </a:r>
+          </a:p>
+          <a:p>
+            <a:pPr marL="457200" indent="-457200">
+              <a:buFont typeface="+mj-lt"/>
+              <a:buAutoNum type="arabicPeriod"/>
+            </a:pPr>
+            <a:r>
+              <a:rPr lang="en-US" dirty="0"/>
+              <a:t>Windows:</a:t>
+            </a:r>
+          </a:p>
+          <a:p>
+            <a:pPr marL="457200" indent="-457200">
+              <a:buFont typeface="+mj-lt"/>
+              <a:buAutoNum type="arabicPeriod"/>
+            </a:pPr>
+            <a:r>
+              <a:rPr lang="en-US" dirty="0"/>
+              <a:t>Microsoft® Windows® 7/8/10 (64-bit)</a:t>
+            </a:r>
+          </a:p>
+          <a:p>
+            <a:pPr marL="457200" indent="-457200">
+              <a:buFont typeface="+mj-lt"/>
+              <a:buAutoNum type="arabicPeriod"/>
+            </a:pPr>
+            <a:r>
+              <a:rPr lang="en-US" dirty="0"/>
+              <a:t>Android studio.</a:t>
+            </a:r>
+          </a:p>
+          <a:p>
+            <a:pPr marL="457200" indent="-457200">
+              <a:buFont typeface="+mj-lt"/>
+              <a:buAutoNum type="arabicPeriod"/>
+            </a:pPr>
+            <a:r>
+              <a:rPr lang="en-US" dirty="0"/>
+              <a:t>Visual studio code.</a:t>
+            </a:r>
+          </a:p>
+          <a:p>
+            <a:pPr marL="457200" indent="-457200">
+              <a:buFont typeface="+mj-lt"/>
+              <a:buAutoNum type="arabicPeriod"/>
+            </a:pPr>
+            <a:r>
+              <a:rPr lang="en-US" dirty="0" err="1"/>
+              <a:t>Xammp</a:t>
+            </a:r>
+            <a:r>
+              <a:rPr lang="en-US" dirty="0"/>
+              <a:t>. </a:t>
+            </a:r>
+          </a:p>
+          <a:p>
+            <a:pPr marL="0" indent="0">
+              <a:buNone/>
+            </a:pPr>
+            <a:r>
+              <a:rPr lang="en-US" dirty="0"/>
+              <a:t>  </a:t>
+            </a:r>
+          </a:p>
+          <a:p>
+            <a:pPr marL="457200" indent="-457200">
+              <a:buFont typeface="+mj-lt"/>
+              <a:buAutoNum type="arabicPeriod"/>
+            </a:pPr>
+            <a:endParaRPr lang="en-IN" dirty="0"/>
+          </a:p>
+          <a:p>
+            <a:pPr lvl="1"/>
+            <a:endParaRPr lang="en-IN" dirty="0"/>
+          </a:p>
+        </p:txBody>
+      </p:sp>
+    </p:spTree>
+    <p:extLst>
+      <p:ext uri="{BB962C8B-B14F-4D97-AF65-F5344CB8AC3E}">
+        <p14:creationId xmlns:p14="http://schemas.microsoft.com/office/powerpoint/2010/main" val="3930413091"/>
+      </p:ext>
+    </p:extLst>
+  </p:cSld>
+  <p:clrMapOvr>
+    <a:masterClrMapping/>
+  </p:clrMapOvr>
+  <mc:AlternateContent xmlns:mc="http://schemas.openxmlformats.org/markup-compatibility/2006" xmlns:p14="http://schemas.microsoft.com/office/powerpoint/2010/main">
+    <mc:Choice Requires="p14">
+      <p:transition spd="med" p14:dur="700">
+        <p:fade/>
+      </p:transition>
+    </mc:Choice>
+    <mc:Fallback xmlns="">
+      <p:transition spd="med">
+        <p:fade/>
+      </p:transition>
+    </mc:Fallback>
+  </mc:AlternateContent>
+</p:sld>
+</file>
+
+<file path=ppt/slides/slide29.xml><?xml version="1.0" encoding="utf-8"?>
+<p:sld xmlns:a="http://schemas.openxmlformats.org/drawingml/2006/main" xmlns:r="http://schemas.openxmlformats.org/officeDocument/2006/relationships" xmlns:p="http://schemas.openxmlformats.org/presentationml/2006/main">
+  <p:cSld>
+    <p:spTree>
+      <p:nvGrpSpPr>
+        <p:cNvPr id="1" name=""/>
+        <p:cNvGrpSpPr/>
+        <p:nvPr/>
+      </p:nvGrpSpPr>
+      <p:grpSpPr>
+        <a:xfrm>
+          <a:off x="0" y="0"/>
+          <a:ext cx="0" cy="0"/>
+          <a:chOff x="0" y="0"/>
+          <a:chExt cx="0" cy="0"/>
+        </a:xfrm>
+      </p:grpSpPr>
+      <p:sp>
+        <p:nvSpPr>
+          <p:cNvPr id="2" name="Title 1">
+            <a:extLst>
+              <a:ext uri="{FF2B5EF4-FFF2-40B4-BE49-F238E27FC236}">
+                <a16:creationId xmlns:a16="http://schemas.microsoft.com/office/drawing/2014/main" id="{B00620DD-B69A-06F7-9D44-A582DAEB30DA}"/>
+              </a:ext>
+            </a:extLst>
+          </p:cNvPr>
+          <p:cNvSpPr>
+            <a:spLocks noGrp="1"/>
+          </p:cNvSpPr>
+          <p:nvPr>
+            <p:ph type="title"/>
+          </p:nvPr>
+        </p:nvSpPr>
+        <p:spPr/>
+        <p:txBody>
+          <a:bodyPr/>
+          <a:lstStyle/>
+          <a:p>
+            <a:endParaRPr lang="en-IN"/>
+          </a:p>
+        </p:txBody>
+      </p:sp>
+      <p:sp>
+        <p:nvSpPr>
+          <p:cNvPr id="3" name="Content Placeholder 2">
+            <a:extLst>
+              <a:ext uri="{FF2B5EF4-FFF2-40B4-BE49-F238E27FC236}">
+                <a16:creationId xmlns:a16="http://schemas.microsoft.com/office/drawing/2014/main" id="{B806EA49-1E88-8F0B-BE40-C03292E67077}"/>
+              </a:ext>
+            </a:extLst>
+          </p:cNvPr>
+          <p:cNvSpPr>
+            <a:spLocks noGrp="1"/>
+          </p:cNvSpPr>
+          <p:nvPr>
+            <p:ph idx="1"/>
+          </p:nvPr>
+        </p:nvSpPr>
+        <p:spPr/>
+        <p:txBody>
+          <a:bodyPr/>
+          <a:lstStyle/>
+          <a:p>
+            <a:pPr marL="0" indent="0">
+              <a:buNone/>
+            </a:pPr>
+            <a:r>
+              <a:rPr lang="en-IN" dirty="0"/>
+              <a:t>Hardware Requirements:</a:t>
+            </a:r>
+          </a:p>
+          <a:p>
+            <a:pPr marL="457200" indent="-457200">
+              <a:buFont typeface="+mj-lt"/>
+              <a:buAutoNum type="arabicPeriod"/>
+            </a:pPr>
+            <a:r>
+              <a:rPr lang="en-IN" dirty="0"/>
+              <a:t>4 GB RAM minimum, 8 GB RAM recommended</a:t>
+            </a:r>
+          </a:p>
+          <a:p>
+            <a:pPr marL="457200" indent="-457200">
+              <a:buFont typeface="+mj-lt"/>
+              <a:buAutoNum type="arabicPeriod"/>
+            </a:pPr>
+            <a:r>
+              <a:rPr lang="en-IN" dirty="0"/>
+              <a:t>2 GB of available disk space minimum,</a:t>
+            </a:r>
+          </a:p>
+          <a:p>
+            <a:pPr marL="457200" indent="-457200">
+              <a:buFont typeface="+mj-lt"/>
+              <a:buAutoNum type="arabicPeriod"/>
+            </a:pPr>
+            <a:r>
+              <a:rPr lang="en-IN" dirty="0"/>
+              <a:t>4 GB Recommended (500 MB for IDE + 1.5 GB for Android SDK and emulator system image)</a:t>
+            </a:r>
+          </a:p>
+          <a:p>
+            <a:pPr marL="457200" indent="-457200">
+              <a:buFont typeface="+mj-lt"/>
+              <a:buAutoNum type="arabicPeriod"/>
+            </a:pPr>
+            <a:r>
+              <a:rPr lang="en-IN" dirty="0"/>
+              <a:t>1280 x 800 minimum screen resolution</a:t>
+            </a:r>
+          </a:p>
+          <a:p>
+            <a:pPr marL="457200" indent="-457200">
+              <a:buFont typeface="+mj-lt"/>
+              <a:buAutoNum type="arabicPeriod"/>
+            </a:pPr>
+            <a:endParaRPr lang="en-IN" dirty="0"/>
+          </a:p>
+        </p:txBody>
+      </p:sp>
+    </p:spTree>
+    <p:extLst>
+      <p:ext uri="{BB962C8B-B14F-4D97-AF65-F5344CB8AC3E}">
+        <p14:creationId xmlns:p14="http://schemas.microsoft.com/office/powerpoint/2010/main" val="3034760654"/>
+      </p:ext>
+    </p:extLst>
+  </p:cSld>
+  <p:clrMapOvr>
+    <a:masterClrMapping/>
+  </p:clrMapOvr>
+  <mc:AlternateContent xmlns:mc="http://schemas.openxmlformats.org/markup-compatibility/2006" xmlns:p14="http://schemas.microsoft.com/office/powerpoint/2010/main">
+    <mc:Choice Requires="p14">
+      <p:transition spd="med" p14:dur="700">
+        <p:fade/>
+      </p:transition>
+    </mc:Choice>
+    <mc:Fallback xmlns="">
+      <p:transition spd="med">
+        <p:fade/>
+      </p:transition>
+    </mc:Fallback>
+  </mc:AlternateContent>
+</p:sld>
+</file>
+
+<file path=ppt/slides/slide3.xml><?xml version="1.0" encoding="utf-8"?>
+<p:sld xmlns:a="http://schemas.openxmlformats.org/drawingml/2006/main" xmlns:r="http://schemas.openxmlformats.org/officeDocument/2006/relationships" xmlns:p="http://schemas.openxmlformats.org/presentationml/2006/main">
+  <p:cSld>
+    <p:spTree>
+      <p:nvGrpSpPr>
+        <p:cNvPr id="1" name=""/>
+        <p:cNvGrpSpPr/>
+        <p:nvPr/>
+      </p:nvGrpSpPr>
+      <p:grpSpPr>
+        <a:xfrm>
+          <a:off x="0" y="0"/>
+          <a:ext cx="0" cy="0"/>
+          <a:chOff x="0" y="0"/>
+          <a:chExt cx="0" cy="0"/>
+        </a:xfrm>
+      </p:grpSpPr>
+      <p:sp>
+        <p:nvSpPr>
+          <p:cNvPr id="2" name="Title 1">
+            <a:extLst>
+              <a:ext uri="{FF2B5EF4-FFF2-40B4-BE49-F238E27FC236}">
+                <a16:creationId xmlns:a16="http://schemas.microsoft.com/office/drawing/2014/main" id="{89881569-7F9C-DA58-DF70-9B166BA98F0C}"/>
+              </a:ext>
+            </a:extLst>
+          </p:cNvPr>
+          <p:cNvSpPr>
+            <a:spLocks noGrp="1"/>
+          </p:cNvSpPr>
+          <p:nvPr>
+            <p:ph type="title"/>
+          </p:nvPr>
+        </p:nvSpPr>
+        <p:spPr/>
+        <p:txBody>
+          <a:bodyPr/>
+          <a:lstStyle/>
+          <a:p>
+            <a:r>
+              <a:rPr lang="en-US" dirty="0"/>
+              <a:t>INTRODUCTION ABOUT COMPANY </a:t>
+            </a:r>
+            <a:endParaRPr lang="en-IN" dirty="0"/>
+          </a:p>
+        </p:txBody>
+      </p:sp>
+      <p:sp>
+        <p:nvSpPr>
+          <p:cNvPr id="3" name="Content Placeholder 2">
+            <a:extLst>
+              <a:ext uri="{FF2B5EF4-FFF2-40B4-BE49-F238E27FC236}">
+                <a16:creationId xmlns:a16="http://schemas.microsoft.com/office/drawing/2014/main" id="{074FF052-DA46-39D7-78DF-DCFBDBA42BD6}"/>
+              </a:ext>
+            </a:extLst>
+          </p:cNvPr>
+          <p:cNvSpPr>
+            <a:spLocks noGrp="1"/>
+          </p:cNvSpPr>
+          <p:nvPr>
+            <p:ph idx="1"/>
+          </p:nvPr>
+        </p:nvSpPr>
+        <p:spPr/>
+        <p:txBody>
+          <a:bodyPr/>
+          <a:lstStyle/>
+          <a:p>
+            <a:endParaRPr lang="en-IN" dirty="0"/>
+          </a:p>
+        </p:txBody>
+      </p:sp>
+    </p:spTree>
+    <p:extLst>
+      <p:ext uri="{BB962C8B-B14F-4D97-AF65-F5344CB8AC3E}">
+        <p14:creationId xmlns:p14="http://schemas.microsoft.com/office/powerpoint/2010/main" val="2794441459"/>
+      </p:ext>
+    </p:extLst>
+  </p:cSld>
+  <p:clrMapOvr>
+    <a:masterClrMapping/>
+  </p:clrMapOvr>
+  <mc:AlternateContent xmlns:mc="http://schemas.openxmlformats.org/markup-compatibility/2006" xmlns:p14="http://schemas.microsoft.com/office/powerpoint/2010/main">
+    <mc:Choice Requires="p14">
+      <p:transition spd="med" p14:dur="700">
+        <p:fade/>
+      </p:transition>
+    </mc:Choice>
+    <mc:Fallback xmlns="">
+      <p:transition spd="med">
+        <p:fade/>
+      </p:transition>
+    </mc:Fallback>
+  </mc:AlternateContent>
+</p:sld>
+</file>
+
+<file path=ppt/slides/slide30.xml><?xml version="1.0" encoding="utf-8"?>
+<p:sld xmlns:a="http://schemas.openxmlformats.org/drawingml/2006/main" xmlns:r="http://schemas.openxmlformats.org/officeDocument/2006/relationships" xmlns:p="http://schemas.openxmlformats.org/presentationml/2006/main">
+  <p:cSld>
+    <p:spTree>
+      <p:nvGrpSpPr>
+        <p:cNvPr id="1" name=""/>
+        <p:cNvGrpSpPr/>
+        <p:nvPr/>
+      </p:nvGrpSpPr>
+      <p:grpSpPr>
+        <a:xfrm>
+          <a:off x="0" y="0"/>
+          <a:ext cx="0" cy="0"/>
+          <a:chOff x="0" y="0"/>
+          <a:chExt cx="0" cy="0"/>
+        </a:xfrm>
+      </p:grpSpPr>
+      <p:sp>
+        <p:nvSpPr>
+          <p:cNvPr id="2" name="Title 1">
+            <a:extLst>
+              <a:ext uri="{FF2B5EF4-FFF2-40B4-BE49-F238E27FC236}">
+                <a16:creationId xmlns:a16="http://schemas.microsoft.com/office/drawing/2014/main" id="{F483AB9A-4399-21D1-7387-27793C29CC9D}"/>
+              </a:ext>
+            </a:extLst>
+          </p:cNvPr>
+          <p:cNvSpPr>
+            <a:spLocks noGrp="1"/>
+          </p:cNvSpPr>
+          <p:nvPr>
+            <p:ph type="title"/>
+          </p:nvPr>
+        </p:nvSpPr>
+        <p:spPr/>
+        <p:txBody>
+          <a:bodyPr/>
+          <a:lstStyle/>
+          <a:p>
+            <a:r>
+              <a:rPr lang="en-IN" dirty="0"/>
+              <a:t>Implementation </a:t>
+            </a:r>
+          </a:p>
+        </p:txBody>
+      </p:sp>
+      <p:sp>
+        <p:nvSpPr>
+          <p:cNvPr id="3" name="Content Placeholder 2">
+            <a:extLst>
+              <a:ext uri="{FF2B5EF4-FFF2-40B4-BE49-F238E27FC236}">
+                <a16:creationId xmlns:a16="http://schemas.microsoft.com/office/drawing/2014/main" id="{B8E2E324-8574-00DC-38DD-E7DD51355F30}"/>
+              </a:ext>
+            </a:extLst>
+          </p:cNvPr>
+          <p:cNvSpPr>
+            <a:spLocks noGrp="1"/>
+          </p:cNvSpPr>
+          <p:nvPr>
+            <p:ph idx="1"/>
+          </p:nvPr>
+        </p:nvSpPr>
+        <p:spPr/>
+        <p:txBody>
+          <a:bodyPr/>
+          <a:lstStyle/>
+          <a:p>
+            <a:r>
+              <a:rPr lang="en-IN" dirty="0"/>
+              <a:t>Designed UI of app</a:t>
+            </a:r>
+          </a:p>
+          <a:p>
+            <a:pPr marL="457200" indent="-457200">
+              <a:buAutoNum type="arabicPeriod"/>
+            </a:pPr>
+            <a:r>
+              <a:rPr lang="en-IN" dirty="0"/>
+              <a:t>Admin console:                                                           2. Login screen: </a:t>
+            </a:r>
+          </a:p>
+          <a:p>
+            <a:pPr marL="0" indent="0">
+              <a:buNone/>
+            </a:pPr>
+            <a:endParaRPr lang="en-IN" dirty="0"/>
+          </a:p>
+        </p:txBody>
+      </p:sp>
+      <p:pic>
+        <p:nvPicPr>
+          <p:cNvPr id="4" name="Picture 3">
+            <a:extLst>
+              <a:ext uri="{FF2B5EF4-FFF2-40B4-BE49-F238E27FC236}">
+                <a16:creationId xmlns:a16="http://schemas.microsoft.com/office/drawing/2014/main" id="{8DE5A7F2-5C4F-7EB8-F0B2-1C72B5B792C9}"/>
+              </a:ext>
+            </a:extLst>
+          </p:cNvPr>
+          <p:cNvPicPr>
+            <a:picLocks noChangeAspect="1"/>
+          </p:cNvPicPr>
+          <p:nvPr/>
+        </p:nvPicPr>
+        <p:blipFill rotWithShape="1">
+          <a:blip r:embed="rId2" cstate="print">
+            <a:extLst>
+              <a:ext uri="{28A0092B-C50C-407E-A947-70E740481C1C}">
+                <a14:useLocalDpi xmlns:a14="http://schemas.microsoft.com/office/drawing/2010/main" val="0"/>
+              </a:ext>
+            </a:extLst>
+          </a:blip>
+          <a:srcRect l="1761" r="2112" b="7492"/>
+          <a:stretch/>
+        </p:blipFill>
+        <p:spPr bwMode="auto">
+          <a:xfrm>
+            <a:off x="1373359" y="2985355"/>
+            <a:ext cx="2336995" cy="3582499"/>
+          </a:xfrm>
+          <a:prstGeom prst="rect">
+            <a:avLst/>
+          </a:prstGeom>
+          <a:noFill/>
+          <a:ln>
+            <a:noFill/>
+          </a:ln>
+          <a:extLst>
+            <a:ext uri="{53640926-AAD7-44D8-BBD7-CCE9431645EC}">
+              <a14:shadowObscured xmlns:a14="http://schemas.microsoft.com/office/drawing/2010/main"/>
+            </a:ext>
+          </a:extLst>
+        </p:spPr>
+      </p:pic>
+      <p:pic>
+        <p:nvPicPr>
+          <p:cNvPr id="5" name="Picture 4">
+            <a:extLst>
+              <a:ext uri="{FF2B5EF4-FFF2-40B4-BE49-F238E27FC236}">
+                <a16:creationId xmlns:a16="http://schemas.microsoft.com/office/drawing/2014/main" id="{41391234-F8AA-C4B6-4988-4BA501C91E65}"/>
+              </a:ext>
+            </a:extLst>
+          </p:cNvPr>
+          <p:cNvPicPr>
+            <a:picLocks noChangeAspect="1"/>
+          </p:cNvPicPr>
+          <p:nvPr/>
+        </p:nvPicPr>
+        <p:blipFill rotWithShape="1">
+          <a:blip r:embed="rId3" cstate="print">
+            <a:extLst>
+              <a:ext uri="{28A0092B-C50C-407E-A947-70E740481C1C}">
+                <a14:useLocalDpi xmlns:a14="http://schemas.microsoft.com/office/drawing/2010/main" val="0"/>
+              </a:ext>
+            </a:extLst>
+          </a:blip>
+          <a:srcRect b="16000"/>
+          <a:stretch/>
+        </p:blipFill>
+        <p:spPr bwMode="auto">
+          <a:xfrm>
+            <a:off x="7522991" y="2901462"/>
+            <a:ext cx="2263140" cy="3666391"/>
+          </a:xfrm>
+          <a:prstGeom prst="rect">
+            <a:avLst/>
+          </a:prstGeom>
+          <a:noFill/>
+          <a:ln>
+            <a:noFill/>
+          </a:ln>
+          <a:extLst>
+            <a:ext uri="{53640926-AAD7-44D8-BBD7-CCE9431645EC}">
+              <a14:shadowObscured xmlns:a14="http://schemas.microsoft.com/office/drawing/2010/main"/>
+            </a:ext>
+          </a:extLst>
+        </p:spPr>
+      </p:pic>
+    </p:spTree>
+    <p:extLst>
+      <p:ext uri="{BB962C8B-B14F-4D97-AF65-F5344CB8AC3E}">
+        <p14:creationId xmlns:p14="http://schemas.microsoft.com/office/powerpoint/2010/main" val="496404880"/>
+      </p:ext>
+    </p:extLst>
+  </p:cSld>
+  <p:clrMapOvr>
+    <a:masterClrMapping/>
+  </p:clrMapOvr>
+  <mc:AlternateContent xmlns:mc="http://schemas.openxmlformats.org/markup-compatibility/2006" xmlns:p14="http://schemas.microsoft.com/office/powerpoint/2010/main">
+    <mc:Choice Requires="p14">
+      <p:transition spd="med" p14:dur="700">
+        <p:fade/>
+      </p:transition>
+    </mc:Choice>
+    <mc:Fallback xmlns="">
+      <p:transition spd="med">
+        <p:fade/>
+      </p:transition>
+    </mc:Fallback>
+  </mc:AlternateContent>
+</p:sld>
+</file>
+
+<file path=ppt/slides/slide31.xml><?xml version="1.0" encoding="utf-8"?>
+<p:sld xmlns:a="http://schemas.openxmlformats.org/drawingml/2006/main" xmlns:r="http://schemas.openxmlformats.org/officeDocument/2006/relationships" xmlns:p="http://schemas.openxmlformats.org/presentationml/2006/main">
+  <p:cSld>
+    <p:spTree>
+      <p:nvGrpSpPr>
+        <p:cNvPr id="1" name=""/>
+        <p:cNvGrpSpPr/>
+        <p:nvPr/>
+      </p:nvGrpSpPr>
+      <p:grpSpPr>
+        <a:xfrm>
+          <a:off x="0" y="0"/>
+          <a:ext cx="0" cy="0"/>
+          <a:chOff x="0" y="0"/>
+          <a:chExt cx="0" cy="0"/>
+        </a:xfrm>
+      </p:grpSpPr>
+      <p:sp>
+        <p:nvSpPr>
+          <p:cNvPr id="2" name="Title 1">
+            <a:extLst>
+              <a:ext uri="{FF2B5EF4-FFF2-40B4-BE49-F238E27FC236}">
+                <a16:creationId xmlns:a16="http://schemas.microsoft.com/office/drawing/2014/main" id="{54629AD8-A047-620B-D1D0-F8DCF546C75B}"/>
+              </a:ext>
+            </a:extLst>
+          </p:cNvPr>
+          <p:cNvSpPr>
+            <a:spLocks noGrp="1"/>
+          </p:cNvSpPr>
+          <p:nvPr>
+            <p:ph type="title"/>
+          </p:nvPr>
+        </p:nvSpPr>
+        <p:spPr>
+          <a:xfrm>
+            <a:off x="1069848" y="484632"/>
+            <a:ext cx="10058400" cy="570445"/>
+          </a:xfrm>
+        </p:spPr>
+        <p:txBody>
+          <a:bodyPr>
+            <a:normAutofit fontScale="90000"/>
+          </a:bodyPr>
+          <a:lstStyle/>
+          <a:p>
+            <a:endParaRPr lang="en-IN" dirty="0"/>
+          </a:p>
+        </p:txBody>
+      </p:sp>
+      <p:sp>
+        <p:nvSpPr>
+          <p:cNvPr id="3" name="Content Placeholder 2">
+            <a:extLst>
+              <a:ext uri="{FF2B5EF4-FFF2-40B4-BE49-F238E27FC236}">
+                <a16:creationId xmlns:a16="http://schemas.microsoft.com/office/drawing/2014/main" id="{47F1ABDA-A71F-C8DC-4E67-98116423CE3B}"/>
+              </a:ext>
+            </a:extLst>
+          </p:cNvPr>
+          <p:cNvSpPr>
+            <a:spLocks noGrp="1"/>
+          </p:cNvSpPr>
+          <p:nvPr>
+            <p:ph idx="1"/>
+          </p:nvPr>
+        </p:nvSpPr>
+        <p:spPr>
+          <a:xfrm>
+            <a:off x="1069848" y="1283677"/>
+            <a:ext cx="10058400" cy="4888523"/>
+          </a:xfrm>
+        </p:spPr>
+        <p:txBody>
+          <a:bodyPr/>
+          <a:lstStyle/>
+          <a:p>
+            <a:pPr marL="0" indent="0">
+              <a:buNone/>
+            </a:pPr>
+            <a:r>
+              <a:rPr lang="en-IN" dirty="0"/>
+              <a:t>Add stock screen:                                                                     Add item screen </a:t>
+            </a:r>
+          </a:p>
+          <a:p>
+            <a:pPr marL="0" indent="0">
+              <a:buNone/>
+            </a:pPr>
+            <a:endParaRPr lang="en-IN" dirty="0"/>
+          </a:p>
+        </p:txBody>
+      </p:sp>
+      <p:pic>
+        <p:nvPicPr>
+          <p:cNvPr id="7" name="Picture 6">
+            <a:extLst>
+              <a:ext uri="{FF2B5EF4-FFF2-40B4-BE49-F238E27FC236}">
+                <a16:creationId xmlns:a16="http://schemas.microsoft.com/office/drawing/2014/main" id="{641BEBA9-7220-C48A-AA66-C185A091C4DB}"/>
+              </a:ext>
+            </a:extLst>
+          </p:cNvPr>
+          <p:cNvPicPr>
+            <a:picLocks noChangeAspect="1"/>
+          </p:cNvPicPr>
+          <p:nvPr/>
+        </p:nvPicPr>
+        <p:blipFill rotWithShape="1">
+          <a:blip r:embed="rId2"/>
+          <a:srcRect b="13287"/>
+          <a:stretch/>
+        </p:blipFill>
+        <p:spPr>
+          <a:xfrm>
+            <a:off x="1191700" y="1713769"/>
+            <a:ext cx="2026285" cy="3693500"/>
+          </a:xfrm>
+          <a:prstGeom prst="rect">
+            <a:avLst/>
+          </a:prstGeom>
+        </p:spPr>
+      </p:pic>
+      <p:pic>
+        <p:nvPicPr>
+          <p:cNvPr id="8" name="Picture 7">
+            <a:extLst>
+              <a:ext uri="{FF2B5EF4-FFF2-40B4-BE49-F238E27FC236}">
+                <a16:creationId xmlns:a16="http://schemas.microsoft.com/office/drawing/2014/main" id="{7E1D6A91-6662-2D3D-2E11-F84C10DF1C59}"/>
+              </a:ext>
+            </a:extLst>
+          </p:cNvPr>
+          <p:cNvPicPr>
+            <a:picLocks noChangeAspect="1"/>
+          </p:cNvPicPr>
+          <p:nvPr/>
+        </p:nvPicPr>
+        <p:blipFill>
+          <a:blip r:embed="rId3"/>
+          <a:stretch>
+            <a:fillRect/>
+          </a:stretch>
+        </p:blipFill>
+        <p:spPr>
+          <a:xfrm>
+            <a:off x="3339837" y="1713769"/>
+            <a:ext cx="2237301" cy="4229831"/>
+          </a:xfrm>
+          <a:prstGeom prst="rect">
+            <a:avLst/>
+          </a:prstGeom>
+        </p:spPr>
+      </p:pic>
+      <p:pic>
+        <p:nvPicPr>
+          <p:cNvPr id="9" name="Picture 8">
+            <a:extLst>
+              <a:ext uri="{FF2B5EF4-FFF2-40B4-BE49-F238E27FC236}">
+                <a16:creationId xmlns:a16="http://schemas.microsoft.com/office/drawing/2014/main" id="{CA1AE7A6-F60F-B4F6-D69B-A58A52968C61}"/>
+              </a:ext>
+            </a:extLst>
+          </p:cNvPr>
+          <p:cNvPicPr>
+            <a:picLocks noChangeAspect="1"/>
+          </p:cNvPicPr>
+          <p:nvPr/>
+        </p:nvPicPr>
+        <p:blipFill rotWithShape="1">
+          <a:blip r:embed="rId4" cstate="print">
+            <a:extLst>
+              <a:ext uri="{28A0092B-C50C-407E-A947-70E740481C1C}">
+                <a14:useLocalDpi xmlns:a14="http://schemas.microsoft.com/office/drawing/2010/main" val="0"/>
+              </a:ext>
+            </a:extLst>
+          </a:blip>
+          <a:srcRect l="3521" r="3521" b="2762"/>
+          <a:stretch/>
+        </p:blipFill>
+        <p:spPr bwMode="auto">
+          <a:xfrm>
+            <a:off x="7847127" y="1698795"/>
+            <a:ext cx="2293620" cy="4058285"/>
+          </a:xfrm>
+          <a:prstGeom prst="rect">
+            <a:avLst/>
+          </a:prstGeom>
+          <a:noFill/>
+          <a:ln>
+            <a:noFill/>
+          </a:ln>
+          <a:extLst>
+            <a:ext uri="{53640926-AAD7-44D8-BBD7-CCE9431645EC}">
+              <a14:shadowObscured xmlns:a14="http://schemas.microsoft.com/office/drawing/2010/main"/>
+            </a:ext>
+          </a:extLst>
+        </p:spPr>
+      </p:pic>
+    </p:spTree>
+    <p:extLst>
+      <p:ext uri="{BB962C8B-B14F-4D97-AF65-F5344CB8AC3E}">
+        <p14:creationId xmlns:p14="http://schemas.microsoft.com/office/powerpoint/2010/main" val="751089437"/>
+      </p:ext>
+    </p:extLst>
+  </p:cSld>
+  <p:clrMapOvr>
+    <a:masterClrMapping/>
+  </p:clrMapOvr>
+  <mc:AlternateContent xmlns:mc="http://schemas.openxmlformats.org/markup-compatibility/2006" xmlns:p14="http://schemas.microsoft.com/office/powerpoint/2010/main">
+    <mc:Choice Requires="p14">
+      <p:transition spd="med" p14:dur="700">
+        <p:fade/>
+      </p:transition>
+    </mc:Choice>
+    <mc:Fallback xmlns="">
+      <p:transition spd="med">
+        <p:fade/>
+      </p:transition>
+    </mc:Fallback>
+  </mc:AlternateContent>
+</p:sld>
+</file>
+
+<file path=ppt/slides/slide32.xml><?xml version="1.0" encoding="utf-8"?>
+<p:sld xmlns:a="http://schemas.openxmlformats.org/drawingml/2006/main" xmlns:r="http://schemas.openxmlformats.org/officeDocument/2006/relationships" xmlns:p="http://schemas.openxmlformats.org/presentationml/2006/main">
+  <p:cSld>
+    <p:spTree>
+      <p:nvGrpSpPr>
+        <p:cNvPr id="1" name=""/>
+        <p:cNvGrpSpPr/>
+        <p:nvPr/>
+      </p:nvGrpSpPr>
+      <p:grpSpPr>
+        <a:xfrm>
+          <a:off x="0" y="0"/>
+          <a:ext cx="0" cy="0"/>
+          <a:chOff x="0" y="0"/>
+          <a:chExt cx="0" cy="0"/>
+        </a:xfrm>
+      </p:grpSpPr>
+      <p:sp>
+        <p:nvSpPr>
+          <p:cNvPr id="2" name="Title 1">
+            <a:extLst>
+              <a:ext uri="{FF2B5EF4-FFF2-40B4-BE49-F238E27FC236}">
+                <a16:creationId xmlns:a16="http://schemas.microsoft.com/office/drawing/2014/main" id="{F942C487-3959-0CEC-D763-D58958F899CD}"/>
+              </a:ext>
+            </a:extLst>
+          </p:cNvPr>
+          <p:cNvSpPr>
+            <a:spLocks noGrp="1"/>
+          </p:cNvSpPr>
+          <p:nvPr>
+            <p:ph type="title"/>
+          </p:nvPr>
+        </p:nvSpPr>
+        <p:spPr>
+          <a:xfrm>
+            <a:off x="1202959" y="0"/>
+            <a:ext cx="9905998" cy="1478570"/>
+          </a:xfrm>
+        </p:spPr>
+        <p:txBody>
+          <a:bodyPr/>
+          <a:lstStyle/>
+          <a:p>
+            <a:r>
+              <a:rPr lang="en-US" b="1">
+                <a:solidFill>
+                  <a:schemeClr val="bg1"/>
+                </a:solidFill>
+                <a:latin typeface="Bookman Old Style" panose="02050604050505020204" pitchFamily="18" charset="0"/>
+              </a:rPr>
+              <a:t>Research Papers</a:t>
+            </a:r>
+            <a:endParaRPr lang="en-IN" b="1" dirty="0">
+              <a:solidFill>
+                <a:schemeClr val="bg1"/>
+              </a:solidFill>
+              <a:latin typeface="Bookman Old Style" panose="02050604050505020204" pitchFamily="18" charset="0"/>
+            </a:endParaRPr>
+          </a:p>
+        </p:txBody>
+      </p:sp>
+      <p:sp>
+        <p:nvSpPr>
+          <p:cNvPr id="3" name="Content Placeholder 2">
+            <a:extLst>
+              <a:ext uri="{FF2B5EF4-FFF2-40B4-BE49-F238E27FC236}">
+                <a16:creationId xmlns:a16="http://schemas.microsoft.com/office/drawing/2014/main" id="{0E34AE9A-E2D4-86D5-F0EF-69EC44C77FA4}"/>
+              </a:ext>
+            </a:extLst>
+          </p:cNvPr>
+          <p:cNvSpPr>
+            <a:spLocks noGrp="1"/>
+          </p:cNvSpPr>
+          <p:nvPr>
+            <p:ph idx="1"/>
+          </p:nvPr>
+        </p:nvSpPr>
+        <p:spPr>
+          <a:xfrm>
+            <a:off x="572656" y="659423"/>
+            <a:ext cx="10716668" cy="5952392"/>
+          </a:xfrm>
+        </p:spPr>
+        <p:txBody>
+          <a:bodyPr>
+            <a:normAutofit/>
+          </a:bodyPr>
+          <a:lstStyle/>
+          <a:p>
+            <a:pPr marL="0" indent="0" algn="ctr">
+              <a:spcBef>
+                <a:spcPts val="0"/>
+              </a:spcBef>
+              <a:buNone/>
+            </a:pPr>
+            <a:r>
+              <a:rPr lang="en-US" sz="2800" u="sng" dirty="0"/>
+              <a:t>A Review of QR code Structure for Encryption </a:t>
+            </a:r>
+          </a:p>
+          <a:p>
+            <a:pPr marL="0" indent="0" algn="ctr">
+              <a:spcBef>
+                <a:spcPts val="0"/>
+              </a:spcBef>
+              <a:buNone/>
+            </a:pPr>
+            <a:r>
+              <a:rPr lang="en-US" sz="2800" u="sng" dirty="0"/>
+              <a:t>and Decryption Process</a:t>
+            </a:r>
+            <a:endParaRPr lang="en-US" sz="2800" u="sng" dirty="0">
+              <a:latin typeface="Bookman Old Style" panose="02050604050505020204" pitchFamily="18" charset="0"/>
+            </a:endParaRPr>
+          </a:p>
+          <a:p>
+            <a:pPr marL="0" indent="0" algn="ctr">
+              <a:spcBef>
+                <a:spcPts val="0"/>
+              </a:spcBef>
+              <a:buNone/>
+            </a:pPr>
+            <a:r>
+              <a:rPr lang="en-US" sz="1800" dirty="0">
+                <a:solidFill>
+                  <a:schemeClr val="accent5"/>
+                </a:solidFill>
+              </a:rPr>
+              <a:t>International Journal of Innovative Science and Research Technology ISSN No: - 2456- 2165</a:t>
+            </a:r>
+            <a:endParaRPr lang="en-US" sz="1800" b="1" dirty="0">
+              <a:solidFill>
+                <a:schemeClr val="accent5"/>
+              </a:solidFill>
+              <a:latin typeface="Bookman Old Style" panose="02050604050505020204" pitchFamily="18" charset="0"/>
+            </a:endParaRPr>
+          </a:p>
+          <a:p>
+            <a:pPr marL="0" indent="0">
+              <a:spcBef>
+                <a:spcPts val="0"/>
+              </a:spcBef>
+              <a:buNone/>
+            </a:pPr>
+            <a:endParaRPr lang="en-US" sz="1600" b="1" dirty="0"/>
+          </a:p>
+          <a:p>
+            <a:pPr marL="0" indent="0">
+              <a:buNone/>
+            </a:pPr>
+            <a:r>
+              <a:rPr lang="en-IN" sz="2400" u="sng" dirty="0"/>
+              <a:t>Key-points:</a:t>
+            </a:r>
+          </a:p>
+          <a:p>
+            <a:r>
+              <a:rPr lang="en-IN" dirty="0"/>
+              <a:t>2-dimensional barcode.</a:t>
+            </a:r>
+          </a:p>
+          <a:p>
+            <a:r>
+              <a:rPr lang="en-IN" dirty="0"/>
+              <a:t>4296 alphanumeric characters.</a:t>
+            </a:r>
+          </a:p>
+          <a:p>
+            <a:r>
+              <a:rPr lang="en-US" dirty="0"/>
+              <a:t>Read by optical device with the appropriate software</a:t>
+            </a:r>
+          </a:p>
+          <a:p>
+            <a:pPr lvl="1"/>
+            <a:r>
+              <a:rPr lang="en-US" dirty="0"/>
+              <a:t>Example: QR code reader, mobile phones.</a:t>
+            </a:r>
+          </a:p>
+          <a:p>
+            <a:pPr marL="0" indent="0">
+              <a:buNone/>
+            </a:pPr>
+            <a:endParaRPr lang="en-IN" dirty="0"/>
+          </a:p>
+          <a:p>
+            <a:pPr marL="0" indent="0">
+              <a:buNone/>
+            </a:pPr>
+            <a:r>
+              <a:rPr lang="en-IN" dirty="0"/>
+              <a:t>Link: - </a:t>
+            </a:r>
+            <a:r>
+              <a:rPr lang="en-IN" dirty="0">
+                <a:solidFill>
+                  <a:srgbClr val="005696"/>
+                </a:solidFill>
+              </a:rPr>
+              <a:t>https://ijisrt.com/wp-content/uploads/2017/03/A-Review-of-QR-code-Structure-for-Encryption-and-Decryption-Process.pdf</a:t>
+            </a:r>
+          </a:p>
+        </p:txBody>
+      </p:sp>
+      <p:pic>
+        <p:nvPicPr>
+          <p:cNvPr id="7" name="Picture 6" descr="Icon&#10;&#10;Description automatically generated">
+            <a:extLst>
+              <a:ext uri="{FF2B5EF4-FFF2-40B4-BE49-F238E27FC236}">
+                <a16:creationId xmlns:a16="http://schemas.microsoft.com/office/drawing/2014/main" id="{CF7F73A2-2606-F8D1-1A68-65264AD7018B}"/>
+              </a:ext>
+            </a:extLst>
+          </p:cNvPr>
+          <p:cNvPicPr>
+            <a:picLocks noChangeAspect="1"/>
+          </p:cNvPicPr>
+          <p:nvPr/>
+        </p:nvPicPr>
+        <p:blipFill>
+          <a:blip r:embed="rId2">
+            <a:extLst>
+              <a:ext uri="{28A0092B-C50C-407E-A947-70E740481C1C}">
+                <a14:useLocalDpi xmlns:a14="http://schemas.microsoft.com/office/drawing/2010/main" val="0"/>
+              </a:ext>
+            </a:extLst>
+          </a:blip>
+          <a:stretch>
+            <a:fillRect/>
+          </a:stretch>
+        </p:blipFill>
+        <p:spPr>
+          <a:xfrm rot="1532591">
+            <a:off x="9371898" y="2113734"/>
+            <a:ext cx="2207473" cy="2318774"/>
+          </a:xfrm>
+          <a:prstGeom prst="rect">
+            <a:avLst/>
+          </a:prstGeom>
+        </p:spPr>
+      </p:pic>
+    </p:spTree>
+    <p:extLst>
+      <p:ext uri="{BB962C8B-B14F-4D97-AF65-F5344CB8AC3E}">
+        <p14:creationId xmlns:p14="http://schemas.microsoft.com/office/powerpoint/2010/main" val="1892592"/>
+      </p:ext>
+    </p:extLst>
+  </p:cSld>
+  <p:clrMapOvr>
+    <a:masterClrMapping/>
+  </p:clrMapOvr>
+  <mc:AlternateContent xmlns:mc="http://schemas.openxmlformats.org/markup-compatibility/2006" xmlns:p14="http://schemas.microsoft.com/office/powerpoint/2010/main">
+    <mc:Choice Requires="p14">
+      <p:transition spd="med" p14:dur="700">
+        <p:fade/>
+      </p:transition>
+    </mc:Choice>
+    <mc:Fallback xmlns="">
+      <p:transition spd="med">
+        <p:fade/>
+      </p:transition>
+    </mc:Fallback>
+  </mc:AlternateContent>
+</p:sld>
+</file>
+
+<file path=ppt/slides/slide33.xml><?xml version="1.0" encoding="utf-8"?>
+<p:sld xmlns:a="http://schemas.openxmlformats.org/drawingml/2006/main" xmlns:r="http://schemas.openxmlformats.org/officeDocument/2006/relationships" xmlns:p="http://schemas.openxmlformats.org/presentationml/2006/main">
+  <p:cSld>
+    <p:spTree>
+      <p:nvGrpSpPr>
+        <p:cNvPr id="1" name=""/>
+        <p:cNvGrpSpPr/>
+        <p:nvPr/>
+      </p:nvGrpSpPr>
+      <p:grpSpPr>
+        <a:xfrm>
+          <a:off x="0" y="0"/>
+          <a:ext cx="0" cy="0"/>
+          <a:chOff x="0" y="0"/>
+          <a:chExt cx="0" cy="0"/>
+        </a:xfrm>
+      </p:grpSpPr>
+      <p:sp>
+        <p:nvSpPr>
+          <p:cNvPr id="2" name="Title 1">
+            <a:extLst>
+              <a:ext uri="{FF2B5EF4-FFF2-40B4-BE49-F238E27FC236}">
+                <a16:creationId xmlns:a16="http://schemas.microsoft.com/office/drawing/2014/main" id="{B7D4C565-2537-0FF4-7AC6-9579617516AA}"/>
+              </a:ext>
+            </a:extLst>
+          </p:cNvPr>
+          <p:cNvSpPr>
+            <a:spLocks noGrp="1"/>
+          </p:cNvSpPr>
+          <p:nvPr>
+            <p:ph type="title"/>
+          </p:nvPr>
+        </p:nvSpPr>
+        <p:spPr>
+          <a:xfrm>
+            <a:off x="3397623" y="115640"/>
+            <a:ext cx="7545897" cy="1609344"/>
+          </a:xfrm>
+        </p:spPr>
+        <p:txBody>
+          <a:bodyPr/>
+          <a:lstStyle/>
+          <a:p>
+            <a:r>
+              <a:rPr lang="en-IN" dirty="0"/>
+              <a:t>Feasibility study</a:t>
+            </a:r>
+          </a:p>
+        </p:txBody>
+      </p:sp>
+      <p:sp>
+        <p:nvSpPr>
+          <p:cNvPr id="3" name="Content Placeholder 2">
+            <a:extLst>
+              <a:ext uri="{FF2B5EF4-FFF2-40B4-BE49-F238E27FC236}">
+                <a16:creationId xmlns:a16="http://schemas.microsoft.com/office/drawing/2014/main" id="{1CB6442B-09CD-92B7-BFFD-C95E7BBA5699}"/>
+              </a:ext>
+            </a:extLst>
+          </p:cNvPr>
+          <p:cNvSpPr>
+            <a:spLocks noGrp="1"/>
+          </p:cNvSpPr>
+          <p:nvPr>
+            <p:ph idx="1"/>
+          </p:nvPr>
+        </p:nvSpPr>
+        <p:spPr>
+          <a:xfrm>
+            <a:off x="885121" y="1620875"/>
+            <a:ext cx="10058400" cy="4050792"/>
+          </a:xfrm>
+        </p:spPr>
+        <p:txBody>
+          <a:bodyPr>
+            <a:normAutofit/>
+          </a:bodyPr>
+          <a:lstStyle/>
+          <a:p>
+            <a:pPr marL="0" indent="0">
+              <a:buNone/>
+            </a:pPr>
+            <a:r>
+              <a:rPr lang="en-US" dirty="0"/>
+              <a:t>QR code generation and scanning API:</a:t>
+            </a:r>
+          </a:p>
+          <a:p>
+            <a:r>
+              <a:rPr lang="en-IN" dirty="0">
+                <a:hlinkClick r:id="rId2"/>
+              </a:rPr>
+              <a:t>https://developers.google.com/chart/infographics/docs/qr_codes</a:t>
+            </a:r>
+            <a:endParaRPr lang="en-IN" dirty="0"/>
+          </a:p>
+          <a:p>
+            <a:pPr lvl="1"/>
+            <a:r>
+              <a:rPr lang="en-IN" dirty="0"/>
+              <a:t>Deprecated</a:t>
+            </a:r>
+          </a:p>
+          <a:p>
+            <a:r>
+              <a:rPr lang="en-IN" dirty="0">
+                <a:hlinkClick r:id="rId3"/>
+              </a:rPr>
+              <a:t>https://goqr.me/api/</a:t>
+            </a:r>
+            <a:endParaRPr lang="en-IN" dirty="0"/>
+          </a:p>
+          <a:p>
+            <a:r>
+              <a:rPr lang="en-IN" dirty="0"/>
+              <a:t>API call</a:t>
+            </a:r>
+          </a:p>
+          <a:p>
+            <a:pPr lvl="1"/>
+            <a:r>
+              <a:rPr lang="en-IN" u="sng" dirty="0">
+                <a:solidFill>
+                  <a:srgbClr val="00B0F0"/>
+                </a:solidFill>
+              </a:rPr>
+              <a:t>https://api.qrserver.com/v1/create-qr-code/?size=150x150&amp;data={nuts: 400; bolts: 300; washers: 400; generator: 20 } </a:t>
+            </a:r>
+          </a:p>
+          <a:p>
+            <a:endParaRPr lang="en-IN" dirty="0"/>
+          </a:p>
+        </p:txBody>
+      </p:sp>
+      <p:pic>
+        <p:nvPicPr>
+          <p:cNvPr id="1026" name="Picture 2" descr="Message placement within a QR symbol. The message is encoded using a (255,249) Reed Solomon code (shortened to (24,18) code by using &quot;padding&quot;) which can correct up to 3 byte errors.">
+            <a:extLst>
+              <a:ext uri="{FF2B5EF4-FFF2-40B4-BE49-F238E27FC236}">
+                <a16:creationId xmlns:a16="http://schemas.microsoft.com/office/drawing/2014/main" id="{2CCA863D-CC44-A870-7B94-96E165D9EC79}"/>
+              </a:ext>
+            </a:extLst>
+          </p:cNvPr>
+          <p:cNvPicPr>
+            <a:picLocks noChangeAspect="1" noChangeArrowheads="1"/>
+          </p:cNvPicPr>
+          <p:nvPr/>
+        </p:nvPicPr>
+        <p:blipFill>
+          <a:blip r:embed="rId4">
+            <a:extLst>
+              <a:ext uri="{28A0092B-C50C-407E-A947-70E740481C1C}">
+                <a14:useLocalDpi xmlns:a14="http://schemas.microsoft.com/office/drawing/2010/main" val="0"/>
+              </a:ext>
+            </a:extLst>
+          </a:blip>
+          <a:srcRect/>
+          <a:stretch>
+            <a:fillRect/>
+          </a:stretch>
+        </p:blipFill>
+        <p:spPr bwMode="auto">
+          <a:xfrm>
+            <a:off x="8192722" y="381311"/>
+            <a:ext cx="1964290" cy="1346942"/>
+          </a:xfrm>
+          <a:prstGeom prst="rect">
+            <a:avLst/>
+          </a:prstGeom>
+          <a:noFill/>
+          <a:extLst>
+            <a:ext uri="{909E8E84-426E-40DD-AFC4-6F175D3DCCD1}">
+              <a14:hiddenFill xmlns:a14="http://schemas.microsoft.com/office/drawing/2010/main">
+                <a:solidFill>
+                  <a:srgbClr val="FFFFFF"/>
+                </a:solidFill>
+              </a14:hiddenFill>
+            </a:ext>
+          </a:extLst>
+        </p:spPr>
+      </p:pic>
+      <p:sp>
+        <p:nvSpPr>
+          <p:cNvPr id="4" name="TextBox 3">
+            <a:extLst>
+              <a:ext uri="{FF2B5EF4-FFF2-40B4-BE49-F238E27FC236}">
+                <a16:creationId xmlns:a16="http://schemas.microsoft.com/office/drawing/2014/main" id="{DBE2F8A1-3E30-5796-5E57-9087D8E8D3E4}"/>
+              </a:ext>
+            </a:extLst>
+          </p:cNvPr>
+          <p:cNvSpPr txBox="1"/>
+          <p:nvPr/>
+        </p:nvSpPr>
+        <p:spPr>
+          <a:xfrm>
+            <a:off x="8075740" y="1620875"/>
+            <a:ext cx="2198254" cy="369332"/>
+          </a:xfrm>
+          <a:prstGeom prst="rect">
+            <a:avLst/>
+          </a:prstGeom>
+          <a:noFill/>
+        </p:spPr>
+        <p:txBody>
+          <a:bodyPr wrap="square" rtlCol="0">
+            <a:spAutoFit/>
+          </a:bodyPr>
+          <a:lstStyle/>
+          <a:p>
+            <a:r>
+              <a:rPr lang="en-IN" dirty="0"/>
+              <a:t>QR code structure</a:t>
+            </a:r>
+          </a:p>
+        </p:txBody>
+      </p:sp>
+      <p:pic>
+        <p:nvPicPr>
+          <p:cNvPr id="6" name="Picture 5" descr="Qr code&#10;&#10;Description automatically generated">
+            <a:extLst>
+              <a:ext uri="{FF2B5EF4-FFF2-40B4-BE49-F238E27FC236}">
+                <a16:creationId xmlns:a16="http://schemas.microsoft.com/office/drawing/2014/main" id="{960BBF86-BDA5-B069-12B5-2707FBBD7B6F}"/>
+              </a:ext>
+            </a:extLst>
+          </p:cNvPr>
+          <p:cNvPicPr>
+            <a:picLocks noChangeAspect="1"/>
+          </p:cNvPicPr>
+          <p:nvPr/>
+        </p:nvPicPr>
+        <p:blipFill rotWithShape="1">
+          <a:blip r:embed="rId5">
+            <a:extLst>
+              <a:ext uri="{28A0092B-C50C-407E-A947-70E740481C1C}">
+                <a14:useLocalDpi xmlns:a14="http://schemas.microsoft.com/office/drawing/2010/main" val="0"/>
+              </a:ext>
+            </a:extLst>
+          </a:blip>
+          <a:srcRect t="32157" b="48552"/>
+          <a:stretch/>
+        </p:blipFill>
+        <p:spPr>
+          <a:xfrm>
+            <a:off x="4513383" y="4164717"/>
+            <a:ext cx="3165231" cy="1322973"/>
+          </a:xfrm>
+          <a:prstGeom prst="rect">
+            <a:avLst/>
+          </a:prstGeom>
+        </p:spPr>
+      </p:pic>
+      <p:pic>
+        <p:nvPicPr>
+          <p:cNvPr id="8" name="Picture 7" descr="Qr code&#10;&#10;Description automatically generated">
+            <a:extLst>
+              <a:ext uri="{FF2B5EF4-FFF2-40B4-BE49-F238E27FC236}">
+                <a16:creationId xmlns:a16="http://schemas.microsoft.com/office/drawing/2014/main" id="{ED92D081-2EDB-367A-CA2E-FA1739A44335}"/>
+              </a:ext>
+            </a:extLst>
+          </p:cNvPr>
+          <p:cNvPicPr>
+            <a:picLocks noChangeAspect="1"/>
+          </p:cNvPicPr>
+          <p:nvPr/>
+        </p:nvPicPr>
+        <p:blipFill rotWithShape="1">
+          <a:blip r:embed="rId5">
+            <a:extLst>
+              <a:ext uri="{28A0092B-C50C-407E-A947-70E740481C1C}">
+                <a14:useLocalDpi xmlns:a14="http://schemas.microsoft.com/office/drawing/2010/main" val="0"/>
+              </a:ext>
+            </a:extLst>
+          </a:blip>
+          <a:srcRect t="70842" b="9867"/>
+          <a:stretch/>
+        </p:blipFill>
+        <p:spPr>
+          <a:xfrm>
+            <a:off x="4513383" y="5487690"/>
+            <a:ext cx="3165231" cy="1322974"/>
+          </a:xfrm>
+          <a:prstGeom prst="rect">
+            <a:avLst/>
+          </a:prstGeom>
+        </p:spPr>
+      </p:pic>
+      <p:pic>
+        <p:nvPicPr>
+          <p:cNvPr id="9" name="Picture 2" descr="What Goes Into a Feasibility Study for a Construction Project? - Stonemark">
+            <a:extLst>
+              <a:ext uri="{FF2B5EF4-FFF2-40B4-BE49-F238E27FC236}">
+                <a16:creationId xmlns:a16="http://schemas.microsoft.com/office/drawing/2014/main" id="{E8BC5EE6-F6FF-0A3B-E7E6-525EDD3DE18A}"/>
+              </a:ext>
+            </a:extLst>
+          </p:cNvPr>
+          <p:cNvPicPr>
+            <a:picLocks noChangeAspect="1" noChangeArrowheads="1"/>
+          </p:cNvPicPr>
+          <p:nvPr/>
+        </p:nvPicPr>
+        <p:blipFill>
+          <a:blip r:embed="rId6">
+            <a:extLst>
+              <a:ext uri="{28A0092B-C50C-407E-A947-70E740481C1C}">
+                <a14:useLocalDpi xmlns:a14="http://schemas.microsoft.com/office/drawing/2010/main" val="0"/>
+              </a:ext>
+            </a:extLst>
+          </a:blip>
+          <a:srcRect/>
+          <a:stretch>
+            <a:fillRect/>
+          </a:stretch>
+        </p:blipFill>
+        <p:spPr bwMode="auto">
+          <a:xfrm>
+            <a:off x="1" y="0"/>
+            <a:ext cx="2416536" cy="1290918"/>
+          </a:xfrm>
+          <a:prstGeom prst="rect">
+            <a:avLst/>
+          </a:prstGeom>
+          <a:noFill/>
+          <a:extLst>
+            <a:ext uri="{909E8E84-426E-40DD-AFC4-6F175D3DCCD1}">
+              <a14:hiddenFill xmlns:a14="http://schemas.microsoft.com/office/drawing/2010/main">
+                <a:solidFill>
+                  <a:srgbClr val="FFFFFF"/>
+                </a:solidFill>
+              </a14:hiddenFill>
+            </a:ext>
+          </a:extLst>
+        </p:spPr>
+      </p:pic>
+    </p:spTree>
+    <p:extLst>
+      <p:ext uri="{BB962C8B-B14F-4D97-AF65-F5344CB8AC3E}">
+        <p14:creationId xmlns:p14="http://schemas.microsoft.com/office/powerpoint/2010/main" val="3301969975"/>
+      </p:ext>
+    </p:extLst>
+  </p:cSld>
+  <p:clrMapOvr>
+    <a:masterClrMapping/>
+  </p:clrMapOvr>
+  <mc:AlternateContent xmlns:mc="http://schemas.openxmlformats.org/markup-compatibility/2006" xmlns:p14="http://schemas.microsoft.com/office/powerpoint/2010/main">
+    <mc:Choice Requires="p14">
+      <p:transition spd="med" p14:dur="700">
+        <p:fade/>
+      </p:transition>
+    </mc:Choice>
+    <mc:Fallback xmlns="">
+      <p:transition spd="med">
+        <p:fade/>
+      </p:transition>
+    </mc:Fallback>
+  </mc:AlternateContent>
+</p:sld>
+</file>
+
+<file path=ppt/slides/slide34.xml><?xml version="1.0" encoding="utf-8"?>
 <p:sld xmlns:a="http://schemas.openxmlformats.org/drawingml/2006/main" xmlns:r="http://schemas.openxmlformats.org/officeDocument/2006/relationships" xmlns:p="http://schemas.openxmlformats.org/presentationml/2006/main">
   <p:cSld>
     <p:spTree>
@@ -7960,7 +11455,7 @@
 </p:sld>
 </file>
 
-<file path=ppt/slides/slide19.xml><?xml version="1.0" encoding="utf-8"?>
+<file path=ppt/slides/slide35.xml><?xml version="1.0" encoding="utf-8"?>
 <p:sld xmlns:a="http://schemas.openxmlformats.org/drawingml/2006/main" xmlns:r="http://schemas.openxmlformats.org/officeDocument/2006/relationships" xmlns:p="http://schemas.openxmlformats.org/presentationml/2006/main">
   <p:cSld>
     <p:spTree>
@@ -8272,148 +11767,7 @@
 </p:sld>
 </file>
 
-<file path=ppt/slides/slide2.xml><?xml version="1.0" encoding="utf-8"?>
-<p:sld xmlns:a="http://schemas.openxmlformats.org/drawingml/2006/main" xmlns:r="http://schemas.openxmlformats.org/officeDocument/2006/relationships" xmlns:p="http://schemas.openxmlformats.org/presentationml/2006/main">
-  <p:cSld>
-    <p:spTree>
-      <p:nvGrpSpPr>
-        <p:cNvPr id="1" name=""/>
-        <p:cNvGrpSpPr/>
-        <p:nvPr/>
-      </p:nvGrpSpPr>
-      <p:grpSpPr>
-        <a:xfrm>
-          <a:off x="0" y="0"/>
-          <a:ext cx="0" cy="0"/>
-          <a:chOff x="0" y="0"/>
-          <a:chExt cx="0" cy="0"/>
-        </a:xfrm>
-      </p:grpSpPr>
-      <p:sp>
-        <p:nvSpPr>
-          <p:cNvPr id="2" name="Title 1">
-            <a:extLst>
-              <a:ext uri="{FF2B5EF4-FFF2-40B4-BE49-F238E27FC236}">
-                <a16:creationId xmlns:a16="http://schemas.microsoft.com/office/drawing/2014/main" id="{EAC58EED-775D-4553-7BE8-F524D9F273EE}"/>
-              </a:ext>
-            </a:extLst>
-          </p:cNvPr>
-          <p:cNvSpPr>
-            <a:spLocks noGrp="1"/>
-          </p:cNvSpPr>
-          <p:nvPr>
-            <p:ph type="title"/>
-          </p:nvPr>
-        </p:nvSpPr>
-        <p:spPr/>
-        <p:txBody>
-          <a:bodyPr/>
-          <a:lstStyle/>
-          <a:p>
-            <a:r>
-              <a:rPr lang="en-US" dirty="0"/>
-              <a:t>Agenda</a:t>
-            </a:r>
-            <a:endParaRPr lang="en-IN" dirty="0"/>
-          </a:p>
-        </p:txBody>
-      </p:sp>
-      <p:sp>
-        <p:nvSpPr>
-          <p:cNvPr id="3" name="Content Placeholder 2">
-            <a:extLst>
-              <a:ext uri="{FF2B5EF4-FFF2-40B4-BE49-F238E27FC236}">
-                <a16:creationId xmlns:a16="http://schemas.microsoft.com/office/drawing/2014/main" id="{33BF9E78-CED8-8046-6AC9-BD22179D90A4}"/>
-              </a:ext>
-            </a:extLst>
-          </p:cNvPr>
-          <p:cNvSpPr>
-            <a:spLocks noGrp="1"/>
-          </p:cNvSpPr>
-          <p:nvPr>
-            <p:ph idx="1"/>
-          </p:nvPr>
-        </p:nvSpPr>
-        <p:spPr/>
-        <p:txBody>
-          <a:bodyPr/>
-          <a:lstStyle/>
-          <a:p>
-            <a:r>
-              <a:rPr lang="en-US" dirty="0"/>
-              <a:t>Introduction about  company.</a:t>
-            </a:r>
-          </a:p>
-          <a:p>
-            <a:r>
-              <a:rPr lang="en-US" dirty="0"/>
-              <a:t>Overview of Inventory Management System.</a:t>
-            </a:r>
-          </a:p>
-          <a:p>
-            <a:r>
-              <a:rPr lang="en-US" dirty="0"/>
-              <a:t>Problem statement.</a:t>
-            </a:r>
-          </a:p>
-          <a:p>
-            <a:r>
-              <a:rPr lang="en-US" dirty="0"/>
-              <a:t>Purpose of the project.</a:t>
-            </a:r>
-          </a:p>
-          <a:p>
-            <a:r>
-              <a:rPr lang="en-US" dirty="0"/>
-              <a:t>Research papers. </a:t>
-            </a:r>
-          </a:p>
-          <a:p>
-            <a:r>
-              <a:rPr lang="en-US" dirty="0"/>
-              <a:t>Proposed solutions.</a:t>
-            </a:r>
-          </a:p>
-          <a:p>
-            <a:r>
-              <a:rPr lang="en-US" dirty="0"/>
-              <a:t>Algorithms </a:t>
-            </a:r>
-          </a:p>
-          <a:p>
-            <a:r>
-              <a:rPr lang="en-US" dirty="0"/>
-              <a:t>Conclusion. </a:t>
-            </a:r>
-          </a:p>
-        </p:txBody>
-      </p:sp>
-    </p:spTree>
-    <p:extLst>
-      <p:ext uri="{BB962C8B-B14F-4D97-AF65-F5344CB8AC3E}">
-        <p14:creationId xmlns:p14="http://schemas.microsoft.com/office/powerpoint/2010/main" val="1390104302"/>
-      </p:ext>
-    </p:extLst>
-  </p:cSld>
-  <p:clrMapOvr>
-    <a:masterClrMapping/>
-  </p:clrMapOvr>
-  <mc:AlternateContent xmlns:mc="http://schemas.openxmlformats.org/markup-compatibility/2006" xmlns:p14="http://schemas.microsoft.com/office/powerpoint/2010/main">
-    <mc:Choice Requires="p14">
-      <p:transition spd="med" p14:dur="700">
-        <p:fade/>
-      </p:transition>
-    </mc:Choice>
-    <mc:Fallback xmlns="">
-      <p:transition spd="med">
-        <p:fade/>
-      </p:transition>
-    </mc:Fallback>
-  </mc:AlternateContent>
-</p:sld>
-</file>
-
-<file path=ppt/slides/slide20.xml><?xml version="1.0" encoding="utf-8"?>
+<file path=ppt/slides/slide36.xml><?xml version="1.0" encoding="utf-8"?>
 <p:sld xmlns:a="http://schemas.openxmlformats.org/drawingml/2006/main" xmlns:r="http://schemas.openxmlformats.org/officeDocument/2006/relationships" xmlns:p="http://schemas.openxmlformats.org/presentationml/2006/main">
   <p:cSld>
     <p:bg>
@@ -9745,7 +13099,7 @@
 </p:sld>
 </file>
 
-<file path=ppt/slides/slide21.xml><?xml version="1.0" encoding="utf-8"?>
+<file path=ppt/slides/slide37.xml><?xml version="1.0" encoding="utf-8"?>
 <p:sld xmlns:a="http://schemas.openxmlformats.org/drawingml/2006/main" xmlns:r="http://schemas.openxmlformats.org/officeDocument/2006/relationships" xmlns:p="http://schemas.openxmlformats.org/presentationml/2006/main">
   <p:cSld>
     <p:bg>
@@ -10391,7 +13745,7 @@
 </p:sld>
 </file>
 
-<file path=ppt/slides/slide22.xml><?xml version="1.0" encoding="utf-8"?>
+<file path=ppt/slides/slide38.xml><?xml version="1.0" encoding="utf-8"?>
 <p:sld xmlns:a="http://schemas.openxmlformats.org/drawingml/2006/main" xmlns:r="http://schemas.openxmlformats.org/officeDocument/2006/relationships" xmlns:p="http://schemas.openxmlformats.org/presentationml/2006/main">
   <p:cSld>
     <p:spTree>
@@ -10601,7 +13955,7 @@
 </p:sld>
 </file>
 
-<file path=ppt/slides/slide23.xml><?xml version="1.0" encoding="utf-8"?>
+<file path=ppt/slides/slide39.xml><?xml version="1.0" encoding="utf-8"?>
 <p:sld xmlns:a="http://schemas.openxmlformats.org/drawingml/2006/main" xmlns:r="http://schemas.openxmlformats.org/officeDocument/2006/relationships" xmlns:p="http://schemas.openxmlformats.org/presentationml/2006/main">
   <p:cSld>
     <p:spTree>
@@ -11010,7 +14364,154 @@
 </p:sld>
 </file>
 
-<file path=ppt/slides/slide24.xml><?xml version="1.0" encoding="utf-8"?>
+<file path=ppt/slides/slide4.xml><?xml version="1.0" encoding="utf-8"?>
+<p:sld xmlns:a="http://schemas.openxmlformats.org/drawingml/2006/main" xmlns:r="http://schemas.openxmlformats.org/officeDocument/2006/relationships" xmlns:p="http://schemas.openxmlformats.org/presentationml/2006/main">
+  <p:cSld>
+    <p:spTree>
+      <p:nvGrpSpPr>
+        <p:cNvPr id="1" name=""/>
+        <p:cNvGrpSpPr/>
+        <p:nvPr/>
+      </p:nvGrpSpPr>
+      <p:grpSpPr>
+        <a:xfrm>
+          <a:off x="0" y="0"/>
+          <a:ext cx="0" cy="0"/>
+          <a:chOff x="0" y="0"/>
+          <a:chExt cx="0" cy="0"/>
+        </a:xfrm>
+      </p:grpSpPr>
+      <p:sp>
+        <p:nvSpPr>
+          <p:cNvPr id="2" name="Title 1">
+            <a:extLst>
+              <a:ext uri="{FF2B5EF4-FFF2-40B4-BE49-F238E27FC236}">
+                <a16:creationId xmlns:a16="http://schemas.microsoft.com/office/drawing/2014/main" id="{72688CD5-5892-1093-731C-D2FBB7223DC2}"/>
+              </a:ext>
+            </a:extLst>
+          </p:cNvPr>
+          <p:cNvSpPr>
+            <a:spLocks noGrp="1"/>
+          </p:cNvSpPr>
+          <p:nvPr>
+            <p:ph type="title"/>
+          </p:nvPr>
+        </p:nvSpPr>
+        <p:spPr/>
+        <p:txBody>
+          <a:bodyPr/>
+          <a:lstStyle/>
+          <a:p>
+            <a:r>
+              <a:rPr lang="en-US" dirty="0"/>
+              <a:t>Problem statement</a:t>
+            </a:r>
+            <a:endParaRPr lang="en-IN" dirty="0"/>
+          </a:p>
+        </p:txBody>
+      </p:sp>
+      <p:sp>
+        <p:nvSpPr>
+          <p:cNvPr id="3" name="Content Placeholder 2">
+            <a:extLst>
+              <a:ext uri="{FF2B5EF4-FFF2-40B4-BE49-F238E27FC236}">
+                <a16:creationId xmlns:a16="http://schemas.microsoft.com/office/drawing/2014/main" id="{00CCF652-DACC-6FD7-DEF2-5F579B578C6F}"/>
+              </a:ext>
+            </a:extLst>
+          </p:cNvPr>
+          <p:cNvSpPr>
+            <a:spLocks noGrp="1"/>
+          </p:cNvSpPr>
+          <p:nvPr>
+            <p:ph idx="1"/>
+          </p:nvPr>
+        </p:nvSpPr>
+        <p:spPr/>
+        <p:txBody>
+          <a:bodyPr>
+            <a:normAutofit fontScale="92500" lnSpcReduction="20000"/>
+          </a:bodyPr>
+          <a:lstStyle/>
+          <a:p>
+            <a:r>
+              <a:rPr lang="en-US" dirty="0"/>
+              <a:t>Problem Statement:   The manual process of managing inventory is becoming increasingly difficult and inefficient in today's fast-paced business environment. This leads to a number of challenges, including:</a:t>
+            </a:r>
+          </a:p>
+          <a:p>
+            <a:endParaRPr lang="en-US" dirty="0"/>
+          </a:p>
+          <a:p>
+            <a:r>
+              <a:rPr lang="en-US" dirty="0"/>
+              <a:t>Inaccurate tracking of inventory levels</a:t>
+            </a:r>
+          </a:p>
+          <a:p>
+            <a:r>
+              <a:rPr lang="en-US" dirty="0"/>
+              <a:t>Increased costs due to overstocking or stock shortages</a:t>
+            </a:r>
+          </a:p>
+          <a:p>
+            <a:r>
+              <a:rPr lang="en-US" dirty="0"/>
+              <a:t>Poor customer satisfaction due to unavailability of products</a:t>
+            </a:r>
+          </a:p>
+          <a:p>
+            <a:r>
+              <a:rPr lang="en-US" dirty="0"/>
+              <a:t>Time-consuming manual processes</a:t>
+            </a:r>
+          </a:p>
+          <a:p>
+            <a:r>
+              <a:rPr lang="en-US" dirty="0"/>
+              <a:t>Inability to make informed decisions about inventory levels and reordering</a:t>
+            </a:r>
+          </a:p>
+          <a:p>
+            <a:r>
+              <a:rPr lang="en-US" dirty="0"/>
+              <a:t>Lack of real-time data on stock levels and demand patterns</a:t>
+            </a:r>
+          </a:p>
+          <a:p>
+            <a:r>
+              <a:rPr lang="en-US" dirty="0"/>
+              <a:t>These challenges highlight the need for a more efficient and automated solution for inventory management.</a:t>
+            </a:r>
+            <a:endParaRPr lang="en-IN" dirty="0"/>
+          </a:p>
+        </p:txBody>
+      </p:sp>
+    </p:spTree>
+    <p:extLst>
+      <p:ext uri="{BB962C8B-B14F-4D97-AF65-F5344CB8AC3E}">
+        <p14:creationId xmlns:p14="http://schemas.microsoft.com/office/powerpoint/2010/main" val="2940286370"/>
+      </p:ext>
+    </p:extLst>
+  </p:cSld>
+  <p:clrMapOvr>
+    <a:masterClrMapping/>
+  </p:clrMapOvr>
+  <mc:AlternateContent xmlns:mc="http://schemas.openxmlformats.org/markup-compatibility/2006" xmlns:p14="http://schemas.microsoft.com/office/powerpoint/2010/main">
+    <mc:Choice Requires="p14">
+      <p:transition spd="med" p14:dur="700">
+        <p:fade/>
+      </p:transition>
+    </mc:Choice>
+    <mc:Fallback xmlns="">
+      <p:transition spd="med">
+        <p:fade/>
+      </p:transition>
+    </mc:Fallback>
+  </mc:AlternateContent>
+</p:sld>
+</file>
+
+<file path=ppt/slides/slide40.xml><?xml version="1.0" encoding="utf-8"?>
 <p:sld xmlns:a="http://schemas.openxmlformats.org/drawingml/2006/main" xmlns:r="http://schemas.openxmlformats.org/officeDocument/2006/relationships" xmlns:p="http://schemas.openxmlformats.org/presentationml/2006/main">
   <p:cSld>
     <p:spTree>
@@ -11200,7 +14701,7 @@
 </p:sld>
 </file>
 
-<file path=ppt/slides/slide25.xml><?xml version="1.0" encoding="utf-8"?>
+<file path=ppt/slides/slide41.xml><?xml version="1.0" encoding="utf-8"?>
 <p:sld xmlns:a="http://schemas.openxmlformats.org/drawingml/2006/main" xmlns:r="http://schemas.openxmlformats.org/officeDocument/2006/relationships" xmlns:p="http://schemas.openxmlformats.org/presentationml/2006/main">
   <p:cSld>
     <p:spTree>
@@ -14625,7 +18126,7 @@
 </p:sld>
 </file>
 
-<file path=ppt/slides/slide26.xml><?xml version="1.0" encoding="utf-8"?>
+<file path=ppt/slides/slide42.xml><?xml version="1.0" encoding="utf-8"?>
 <p:sld xmlns:a="http://schemas.openxmlformats.org/drawingml/2006/main" xmlns:r="http://schemas.openxmlformats.org/officeDocument/2006/relationships" xmlns:p="http://schemas.openxmlformats.org/presentationml/2006/main">
   <p:cSld>
     <p:spTree>
@@ -14968,7 +18469,7 @@
 </p:sld>
 </file>
 
-<file path=ppt/slides/slide27.xml><?xml version="1.0" encoding="utf-8"?>
+<file path=ppt/slides/slide43.xml><?xml version="1.0" encoding="utf-8"?>
 <p:sld xmlns:a="http://schemas.openxmlformats.org/drawingml/2006/main" xmlns:r="http://schemas.openxmlformats.org/officeDocument/2006/relationships" xmlns:p="http://schemas.openxmlformats.org/presentationml/2006/main">
   <p:cSld>
     <p:spTree>
@@ -14987,433 +18488,6 @@
       </p:grpSpPr>
       <p:sp>
         <p:nvSpPr>
-          <p:cNvPr id="10" name="Title 1">
-            <a:extLst>
-              <a:ext uri="{FF2B5EF4-FFF2-40B4-BE49-F238E27FC236}">
-                <a16:creationId xmlns:a16="http://schemas.microsoft.com/office/drawing/2014/main" id="{E98174C7-11B0-11B2-670E-1B6112A62E15}"/>
-              </a:ext>
-            </a:extLst>
-          </p:cNvPr>
-          <p:cNvSpPr>
-            <a:spLocks noGrp="1"/>
-          </p:cNvSpPr>
-          <p:nvPr>
-            <p:ph type="title"/>
-          </p:nvPr>
-        </p:nvSpPr>
-        <p:spPr>
-          <a:xfrm>
-            <a:off x="838200" y="365125"/>
-            <a:ext cx="10515600" cy="767389"/>
-          </a:xfrm>
-        </p:spPr>
-        <p:txBody>
-          <a:bodyPr>
-            <a:normAutofit fontScale="90000"/>
-          </a:bodyPr>
-          <a:lstStyle/>
-          <a:p>
-            <a:r>
-              <a:rPr lang="en-US" dirty="0"/>
-              <a:t>Working</a:t>
-            </a:r>
-            <a:endParaRPr lang="en-IN" dirty="0"/>
-          </a:p>
-        </p:txBody>
-      </p:sp>
-      <p:sp>
-        <p:nvSpPr>
-          <p:cNvPr id="11" name="Content Placeholder 2">
-            <a:extLst>
-              <a:ext uri="{FF2B5EF4-FFF2-40B4-BE49-F238E27FC236}">
-                <a16:creationId xmlns:a16="http://schemas.microsoft.com/office/drawing/2014/main" id="{E1086DA3-4FEE-0D58-305A-28299C7D1F2E}"/>
-              </a:ext>
-            </a:extLst>
-          </p:cNvPr>
-          <p:cNvSpPr>
-            <a:spLocks noGrp="1"/>
-          </p:cNvSpPr>
-          <p:nvPr>
-            <p:ph idx="1"/>
-          </p:nvPr>
-        </p:nvSpPr>
-        <p:spPr>
-          <a:xfrm>
-            <a:off x="838200" y="1400961"/>
-            <a:ext cx="10515600" cy="4776002"/>
-          </a:xfrm>
-        </p:spPr>
-        <p:txBody>
-          <a:bodyPr>
-            <a:normAutofit/>
-          </a:bodyPr>
-          <a:lstStyle/>
-          <a:p>
-            <a:r>
-              <a:rPr lang="en-US" sz="2000" dirty="0"/>
-              <a:t>User need to share his location.</a:t>
-            </a:r>
-          </a:p>
-          <a:p>
-            <a:r>
-              <a:rPr lang="en-US" sz="2000" dirty="0"/>
-              <a:t>Prediction of future Wind speed.</a:t>
-            </a:r>
-          </a:p>
-          <a:p>
-            <a:r>
-              <a:rPr lang="en-US" sz="2000" dirty="0"/>
-              <a:t>Based on that, power output will be calculated.</a:t>
-            </a:r>
-          </a:p>
-          <a:p>
-            <a:r>
-              <a:rPr lang="en-US" sz="2000" dirty="0"/>
-              <a:t>beneficial or not?</a:t>
-            </a:r>
-          </a:p>
-          <a:p>
-            <a:endParaRPr lang="en-US" sz="1000" dirty="0"/>
-          </a:p>
-          <a:p>
-            <a:r>
-              <a:rPr lang="en-US" sz="2400" u="sng" dirty="0"/>
-              <a:t>Relationship of wind speed with turbine power:</a:t>
-            </a:r>
-          </a:p>
-          <a:p>
-            <a:r>
-              <a:rPr lang="en-US" sz="2000" dirty="0"/>
-              <a:t>2 types of turbine</a:t>
-            </a:r>
-          </a:p>
-        </p:txBody>
-      </p:sp>
-      <p:graphicFrame>
-        <p:nvGraphicFramePr>
-          <p:cNvPr id="14" name="Table 13">
-            <a:extLst>
-              <a:ext uri="{FF2B5EF4-FFF2-40B4-BE49-F238E27FC236}">
-                <a16:creationId xmlns:a16="http://schemas.microsoft.com/office/drawing/2014/main" id="{E9A64D72-7CA9-2EB2-3257-75F36AEBFB52}"/>
-              </a:ext>
-            </a:extLst>
-          </p:cNvPr>
-          <p:cNvGraphicFramePr>
-            <a:graphicFrameLocks noGrp="1"/>
-          </p:cNvGraphicFramePr>
-          <p:nvPr>
-            <p:extLst>
-              <p:ext uri="{D42A27DB-BD31-4B8C-83A1-F6EECF244321}">
-                <p14:modId xmlns:p14="http://schemas.microsoft.com/office/powerpoint/2010/main" val="1376770354"/>
-              </p:ext>
-            </p:extLst>
-          </p:nvPr>
-        </p:nvGraphicFramePr>
-        <p:xfrm>
-          <a:off x="3890682" y="5504329"/>
-          <a:ext cx="208280" cy="475130"/>
-        </p:xfrm>
-        <a:graphic>
-          <a:graphicData uri="http://schemas.openxmlformats.org/drawingml/2006/table">
-            <a:tbl>
-              <a:tblPr/>
-              <a:tblGrid>
-                <a:gridCol w="208280">
-                  <a:extLst>
-                    <a:ext uri="{9D8B030D-6E8A-4147-A177-3AD203B41FA5}">
-                      <a16:colId xmlns:a16="http://schemas.microsoft.com/office/drawing/2014/main" val="673236903"/>
-                    </a:ext>
-                  </a:extLst>
-                </a:gridCol>
-              </a:tblGrid>
-              <a:tr h="475130">
-                <a:tc>
-                  <a:txBody>
-                    <a:bodyPr/>
-                    <a:lstStyle/>
-                    <a:p>
-                      <a:endParaRPr lang="en-IN" dirty="0"/>
-                    </a:p>
-                  </a:txBody>
-                  <a:tcPr>
-                    <a:lnL w="12700" cmpd="sng">
-                      <a:solidFill>
-                        <a:schemeClr val="tx1"/>
-                      </a:solidFill>
-                      <a:prstDash val="solid"/>
-                    </a:lnL>
-                    <a:lnR w="12700" cmpd="sng">
-                      <a:noFill/>
-                      <a:prstDash val="solid"/>
-                    </a:lnR>
-                    <a:lnT w="12700" cmpd="sng">
-                      <a:noFill/>
-                      <a:prstDash val="solid"/>
-                    </a:lnT>
-                    <a:lnB w="12700" cmpd="sng">
-                      <a:noFill/>
-                      <a:prstDash val="solid"/>
-                    </a:lnB>
-                  </a:tcPr>
-                </a:tc>
-                <a:extLst>
-                  <a:ext uri="{0D108BD9-81ED-4DB2-BD59-A6C34878D82A}">
-                    <a16:rowId xmlns:a16="http://schemas.microsoft.com/office/drawing/2014/main" val="4188290882"/>
-                  </a:ext>
-                </a:extLst>
-              </a:tr>
-            </a:tbl>
-          </a:graphicData>
-        </a:graphic>
-      </p:graphicFrame>
-      <p:graphicFrame>
-        <p:nvGraphicFramePr>
-          <p:cNvPr id="15" name="Table 15">
-            <a:extLst>
-              <a:ext uri="{FF2B5EF4-FFF2-40B4-BE49-F238E27FC236}">
-                <a16:creationId xmlns:a16="http://schemas.microsoft.com/office/drawing/2014/main" id="{2AF2E1B9-E35F-FE40-B29F-0D170D8635A7}"/>
-              </a:ext>
-            </a:extLst>
-          </p:cNvPr>
-          <p:cNvGraphicFramePr>
-            <a:graphicFrameLocks noGrp="1"/>
-          </p:cNvGraphicFramePr>
-          <p:nvPr>
-            <p:extLst>
-              <p:ext uri="{D42A27DB-BD31-4B8C-83A1-F6EECF244321}">
-                <p14:modId xmlns:p14="http://schemas.microsoft.com/office/powerpoint/2010/main" val="3111598871"/>
-              </p:ext>
-            </p:extLst>
-          </p:nvPr>
-        </p:nvGraphicFramePr>
-        <p:xfrm>
-          <a:off x="1709271" y="4679622"/>
-          <a:ext cx="8127999" cy="1112520"/>
-        </p:xfrm>
-        <a:graphic>
-          <a:graphicData uri="http://schemas.openxmlformats.org/drawingml/2006/table">
-            <a:tbl>
-              <a:tblPr firstRow="1" bandRow="1">
-                <a:tableStyleId>{5C22544A-7EE6-4342-B048-85BDC9FD1C3A}</a:tableStyleId>
-              </a:tblPr>
-              <a:tblGrid>
-                <a:gridCol w="2709333">
-                  <a:extLst>
-                    <a:ext uri="{9D8B030D-6E8A-4147-A177-3AD203B41FA5}">
-                      <a16:colId xmlns:a16="http://schemas.microsoft.com/office/drawing/2014/main" val="296602070"/>
-                    </a:ext>
-                  </a:extLst>
-                </a:gridCol>
-                <a:gridCol w="2709333">
-                  <a:extLst>
-                    <a:ext uri="{9D8B030D-6E8A-4147-A177-3AD203B41FA5}">
-                      <a16:colId xmlns:a16="http://schemas.microsoft.com/office/drawing/2014/main" val="3408345506"/>
-                    </a:ext>
-                  </a:extLst>
-                </a:gridCol>
-                <a:gridCol w="2709333">
-                  <a:extLst>
-                    <a:ext uri="{9D8B030D-6E8A-4147-A177-3AD203B41FA5}">
-                      <a16:colId xmlns:a16="http://schemas.microsoft.com/office/drawing/2014/main" val="297898540"/>
-                    </a:ext>
-                  </a:extLst>
-                </a:gridCol>
-              </a:tblGrid>
-              <a:tr h="370840">
-                <a:tc>
-                  <a:txBody>
-                    <a:bodyPr/>
-                    <a:lstStyle/>
-                    <a:p>
-                      <a:pPr algn="ctr"/>
-                      <a:r>
-                        <a:rPr lang="en-IN" dirty="0"/>
-                        <a:t>Wind speed</a:t>
-                      </a:r>
-                    </a:p>
-                  </a:txBody>
-                  <a:tcPr/>
-                </a:tc>
-                <a:tc>
-                  <a:txBody>
-                    <a:bodyPr/>
-                    <a:lstStyle/>
-                    <a:p>
-                      <a:pPr algn="ctr"/>
-                      <a:r>
-                        <a:rPr lang="en-IN" dirty="0"/>
-                        <a:t>Large Turbine</a:t>
-                      </a:r>
-                    </a:p>
-                  </a:txBody>
-                  <a:tcPr/>
-                </a:tc>
-                <a:tc>
-                  <a:txBody>
-                    <a:bodyPr/>
-                    <a:lstStyle/>
-                    <a:p>
-                      <a:pPr algn="ctr"/>
-                      <a:r>
-                        <a:rPr lang="en-IN" dirty="0"/>
-                        <a:t>Small Turbine</a:t>
-                      </a:r>
-                    </a:p>
-                  </a:txBody>
-                  <a:tcPr/>
-                </a:tc>
-                <a:extLst>
-                  <a:ext uri="{0D108BD9-81ED-4DB2-BD59-A6C34878D82A}">
-                    <a16:rowId xmlns:a16="http://schemas.microsoft.com/office/drawing/2014/main" val="1425735257"/>
-                  </a:ext>
-                </a:extLst>
-              </a:tr>
-              <a:tr h="370840">
-                <a:tc>
-                  <a:txBody>
-                    <a:bodyPr/>
-                    <a:lstStyle/>
-                    <a:p>
-                      <a:pPr algn="ctr"/>
-                      <a:r>
-                        <a:rPr lang="en-IN" dirty="0"/>
-                        <a:t>5 m/s</a:t>
-                      </a:r>
-                    </a:p>
-                  </a:txBody>
-                  <a:tcPr/>
-                </a:tc>
-                <a:tc>
-                  <a:txBody>
-                    <a:bodyPr/>
-                    <a:lstStyle/>
-                    <a:p>
-                      <a:pPr algn="ctr"/>
-                      <a:r>
-                        <a:rPr lang="en-IN" dirty="0"/>
-                        <a:t>2 kw/hr</a:t>
-                      </a:r>
-                    </a:p>
-                  </a:txBody>
-                  <a:tcPr/>
-                </a:tc>
-                <a:tc>
-                  <a:txBody>
-                    <a:bodyPr/>
-                    <a:lstStyle/>
-                    <a:p>
-                      <a:pPr algn="ctr"/>
-                      <a:r>
-                        <a:rPr lang="en-IN" dirty="0"/>
-                        <a:t>1 kw/hr</a:t>
-                      </a:r>
-                    </a:p>
-                  </a:txBody>
-                  <a:tcPr/>
-                </a:tc>
-                <a:extLst>
-                  <a:ext uri="{0D108BD9-81ED-4DB2-BD59-A6C34878D82A}">
-                    <a16:rowId xmlns:a16="http://schemas.microsoft.com/office/drawing/2014/main" val="679263999"/>
-                  </a:ext>
-                </a:extLst>
-              </a:tr>
-              <a:tr h="370840">
-                <a:tc>
-                  <a:txBody>
-                    <a:bodyPr/>
-                    <a:lstStyle/>
-                    <a:p>
-                      <a:pPr algn="ctr"/>
-                      <a:r>
-                        <a:rPr lang="en-IN" dirty="0"/>
-                        <a:t>10 m/s</a:t>
-                      </a:r>
-                    </a:p>
-                  </a:txBody>
-                  <a:tcPr/>
-                </a:tc>
-                <a:tc>
-                  <a:txBody>
-                    <a:bodyPr/>
-                    <a:lstStyle/>
-                    <a:p>
-                      <a:pPr algn="ctr"/>
-                      <a:r>
-                        <a:rPr lang="en-IN" dirty="0"/>
-                        <a:t>4.5 kw/hr</a:t>
-                      </a:r>
-                    </a:p>
-                  </a:txBody>
-                  <a:tcPr/>
-                </a:tc>
-                <a:tc>
-                  <a:txBody>
-                    <a:bodyPr/>
-                    <a:lstStyle/>
-                    <a:p>
-                      <a:pPr algn="ctr"/>
-                      <a:r>
-                        <a:rPr lang="en-IN" dirty="0"/>
-                        <a:t>2 kw/hr</a:t>
-                      </a:r>
-                    </a:p>
-                  </a:txBody>
-                  <a:tcPr/>
-                </a:tc>
-                <a:extLst>
-                  <a:ext uri="{0D108BD9-81ED-4DB2-BD59-A6C34878D82A}">
-                    <a16:rowId xmlns:a16="http://schemas.microsoft.com/office/drawing/2014/main" val="3022226652"/>
-                  </a:ext>
-                </a:extLst>
-              </a:tr>
-            </a:tbl>
-          </a:graphicData>
-        </a:graphic>
-      </p:graphicFrame>
-    </p:spTree>
-    <p:extLst>
-      <p:ext uri="{BB962C8B-B14F-4D97-AF65-F5344CB8AC3E}">
-        <p14:creationId xmlns:p14="http://schemas.microsoft.com/office/powerpoint/2010/main" val="1946738702"/>
-      </p:ext>
-    </p:extLst>
-  </p:cSld>
-  <p:clrMapOvr>
-    <a:masterClrMapping/>
-  </p:clrMapOvr>
-  <mc:AlternateContent xmlns:mc="http://schemas.openxmlformats.org/markup-compatibility/2006" xmlns:p14="http://schemas.microsoft.com/office/powerpoint/2010/main">
-    <mc:Choice Requires="p14">
-      <p:transition spd="med" p14:dur="700">
-        <p:fade/>
-      </p:transition>
-    </mc:Choice>
-    <mc:Fallback xmlns="">
-      <p:transition spd="med">
-        <p:fade/>
-      </p:transition>
-    </mc:Fallback>
-  </mc:AlternateContent>
-</p:sld>
-</file>
-
-<file path=ppt/slides/slide28.xml><?xml version="1.0" encoding="utf-8"?>
-<p:sld xmlns:a="http://schemas.openxmlformats.org/drawingml/2006/main" xmlns:r="http://schemas.openxmlformats.org/officeDocument/2006/relationships" xmlns:p="http://schemas.openxmlformats.org/presentationml/2006/main">
-  <p:cSld>
-    <p:spTree>
-      <p:nvGrpSpPr>
-        <p:cNvPr id="1" name=""/>
-        <p:cNvGrpSpPr/>
-        <p:nvPr/>
-      </p:nvGrpSpPr>
-      <p:grpSpPr>
-        <a:xfrm>
-          <a:off x="0" y="0"/>
-          <a:ext cx="0" cy="0"/>
-          <a:chOff x="0" y="0"/>
-          <a:chExt cx="0" cy="0"/>
-        </a:xfrm>
-      </p:grpSpPr>
-      <p:sp>
-        <p:nvSpPr>
           <p:cNvPr id="2" name="Title 1">
             <a:extLst>
               <a:ext uri="{FF2B5EF4-FFF2-40B4-BE49-F238E27FC236}">
@@ -15451,249 +18525,6 @@
     <p:extLst>
       <p:ext uri="{BB962C8B-B14F-4D97-AF65-F5344CB8AC3E}">
         <p14:creationId xmlns:p14="http://schemas.microsoft.com/office/powerpoint/2010/main" val="227160316"/>
-      </p:ext>
-    </p:extLst>
-  </p:cSld>
-  <p:clrMapOvr>
-    <a:masterClrMapping/>
-  </p:clrMapOvr>
-  <mc:AlternateContent xmlns:mc="http://schemas.openxmlformats.org/markup-compatibility/2006" xmlns:p14="http://schemas.microsoft.com/office/powerpoint/2010/main">
-    <mc:Choice Requires="p14">
-      <p:transition spd="med" p14:dur="700">
-        <p:fade/>
-      </p:transition>
-    </mc:Choice>
-    <mc:Fallback xmlns="">
-      <p:transition spd="med">
-        <p:fade/>
-      </p:transition>
-    </mc:Fallback>
-  </mc:AlternateContent>
-</p:sld>
-</file>
-
-<file path=ppt/slides/slide3.xml><?xml version="1.0" encoding="utf-8"?>
-<p:sld xmlns:a="http://schemas.openxmlformats.org/drawingml/2006/main" xmlns:r="http://schemas.openxmlformats.org/officeDocument/2006/relationships" xmlns:p="http://schemas.openxmlformats.org/presentationml/2006/main">
-  <p:cSld>
-    <p:spTree>
-      <p:nvGrpSpPr>
-        <p:cNvPr id="1" name=""/>
-        <p:cNvGrpSpPr/>
-        <p:nvPr/>
-      </p:nvGrpSpPr>
-      <p:grpSpPr>
-        <a:xfrm>
-          <a:off x="0" y="0"/>
-          <a:ext cx="0" cy="0"/>
-          <a:chOff x="0" y="0"/>
-          <a:chExt cx="0" cy="0"/>
-        </a:xfrm>
-      </p:grpSpPr>
-      <p:sp>
-        <p:nvSpPr>
-          <p:cNvPr id="2" name="Title 1">
-            <a:extLst>
-              <a:ext uri="{FF2B5EF4-FFF2-40B4-BE49-F238E27FC236}">
-                <a16:creationId xmlns:a16="http://schemas.microsoft.com/office/drawing/2014/main" id="{89881569-7F9C-DA58-DF70-9B166BA98F0C}"/>
-              </a:ext>
-            </a:extLst>
-          </p:cNvPr>
-          <p:cNvSpPr>
-            <a:spLocks noGrp="1"/>
-          </p:cNvSpPr>
-          <p:nvPr>
-            <p:ph type="title"/>
-          </p:nvPr>
-        </p:nvSpPr>
-        <p:spPr/>
-        <p:txBody>
-          <a:bodyPr/>
-          <a:lstStyle/>
-          <a:p>
-            <a:r>
-              <a:rPr lang="en-US" dirty="0"/>
-              <a:t>INTRODUCTION ABOUT COMPANY </a:t>
-            </a:r>
-            <a:endParaRPr lang="en-IN" dirty="0"/>
-          </a:p>
-        </p:txBody>
-      </p:sp>
-      <p:sp>
-        <p:nvSpPr>
-          <p:cNvPr id="3" name="Content Placeholder 2">
-            <a:extLst>
-              <a:ext uri="{FF2B5EF4-FFF2-40B4-BE49-F238E27FC236}">
-                <a16:creationId xmlns:a16="http://schemas.microsoft.com/office/drawing/2014/main" id="{074FF052-DA46-39D7-78DF-DCFBDBA42BD6}"/>
-              </a:ext>
-            </a:extLst>
-          </p:cNvPr>
-          <p:cNvSpPr>
-            <a:spLocks noGrp="1"/>
-          </p:cNvSpPr>
-          <p:nvPr>
-            <p:ph idx="1"/>
-          </p:nvPr>
-        </p:nvSpPr>
-        <p:spPr/>
-        <p:txBody>
-          <a:bodyPr/>
-          <a:lstStyle/>
-          <a:p>
-            <a:endParaRPr lang="en-IN" dirty="0"/>
-          </a:p>
-        </p:txBody>
-      </p:sp>
-    </p:spTree>
-    <p:extLst>
-      <p:ext uri="{BB962C8B-B14F-4D97-AF65-F5344CB8AC3E}">
-        <p14:creationId xmlns:p14="http://schemas.microsoft.com/office/powerpoint/2010/main" val="2794441459"/>
-      </p:ext>
-    </p:extLst>
-  </p:cSld>
-  <p:clrMapOvr>
-    <a:masterClrMapping/>
-  </p:clrMapOvr>
-  <mc:AlternateContent xmlns:mc="http://schemas.openxmlformats.org/markup-compatibility/2006" xmlns:p14="http://schemas.microsoft.com/office/powerpoint/2010/main">
-    <mc:Choice Requires="p14">
-      <p:transition spd="med" p14:dur="700">
-        <p:fade/>
-      </p:transition>
-    </mc:Choice>
-    <mc:Fallback xmlns="">
-      <p:transition spd="med">
-        <p:fade/>
-      </p:transition>
-    </mc:Fallback>
-  </mc:AlternateContent>
-</p:sld>
-</file>
-
-<file path=ppt/slides/slide4.xml><?xml version="1.0" encoding="utf-8"?>
-<p:sld xmlns:a="http://schemas.openxmlformats.org/drawingml/2006/main" xmlns:r="http://schemas.openxmlformats.org/officeDocument/2006/relationships" xmlns:p="http://schemas.openxmlformats.org/presentationml/2006/main">
-  <p:cSld>
-    <p:spTree>
-      <p:nvGrpSpPr>
-        <p:cNvPr id="1" name=""/>
-        <p:cNvGrpSpPr/>
-        <p:nvPr/>
-      </p:nvGrpSpPr>
-      <p:grpSpPr>
-        <a:xfrm>
-          <a:off x="0" y="0"/>
-          <a:ext cx="0" cy="0"/>
-          <a:chOff x="0" y="0"/>
-          <a:chExt cx="0" cy="0"/>
-        </a:xfrm>
-      </p:grpSpPr>
-      <p:sp>
-        <p:nvSpPr>
-          <p:cNvPr id="2" name="Title 1">
-            <a:extLst>
-              <a:ext uri="{FF2B5EF4-FFF2-40B4-BE49-F238E27FC236}">
-                <a16:creationId xmlns:a16="http://schemas.microsoft.com/office/drawing/2014/main" id="{72688CD5-5892-1093-731C-D2FBB7223DC2}"/>
-              </a:ext>
-            </a:extLst>
-          </p:cNvPr>
-          <p:cNvSpPr>
-            <a:spLocks noGrp="1"/>
-          </p:cNvSpPr>
-          <p:nvPr>
-            <p:ph type="title"/>
-          </p:nvPr>
-        </p:nvSpPr>
-        <p:spPr/>
-        <p:txBody>
-          <a:bodyPr/>
-          <a:lstStyle/>
-          <a:p>
-            <a:r>
-              <a:rPr lang="en-US" dirty="0"/>
-              <a:t>Problem statement</a:t>
-            </a:r>
-            <a:endParaRPr lang="en-IN" dirty="0"/>
-          </a:p>
-        </p:txBody>
-      </p:sp>
-      <p:sp>
-        <p:nvSpPr>
-          <p:cNvPr id="3" name="Content Placeholder 2">
-            <a:extLst>
-              <a:ext uri="{FF2B5EF4-FFF2-40B4-BE49-F238E27FC236}">
-                <a16:creationId xmlns:a16="http://schemas.microsoft.com/office/drawing/2014/main" id="{00CCF652-DACC-6FD7-DEF2-5F579B578C6F}"/>
-              </a:ext>
-            </a:extLst>
-          </p:cNvPr>
-          <p:cNvSpPr>
-            <a:spLocks noGrp="1"/>
-          </p:cNvSpPr>
-          <p:nvPr>
-            <p:ph idx="1"/>
-          </p:nvPr>
-        </p:nvSpPr>
-        <p:spPr/>
-        <p:txBody>
-          <a:bodyPr>
-            <a:normAutofit fontScale="92500" lnSpcReduction="20000"/>
-          </a:bodyPr>
-          <a:lstStyle/>
-          <a:p>
-            <a:r>
-              <a:rPr lang="en-US" dirty="0"/>
-              <a:t>Problem Statement:   The manual process of managing inventory is becoming increasingly difficult and inefficient in today's fast-paced business environment. This leads to a number of challenges, including:</a:t>
-            </a:r>
-          </a:p>
-          <a:p>
-            <a:endParaRPr lang="en-US" dirty="0"/>
-          </a:p>
-          <a:p>
-            <a:r>
-              <a:rPr lang="en-US" dirty="0"/>
-              <a:t>Inaccurate tracking of inventory levels</a:t>
-            </a:r>
-          </a:p>
-          <a:p>
-            <a:r>
-              <a:rPr lang="en-US" dirty="0"/>
-              <a:t>Increased costs due to overstocking or stock shortages</a:t>
-            </a:r>
-          </a:p>
-          <a:p>
-            <a:r>
-              <a:rPr lang="en-US" dirty="0"/>
-              <a:t>Poor customer satisfaction due to unavailability of products</a:t>
-            </a:r>
-          </a:p>
-          <a:p>
-            <a:r>
-              <a:rPr lang="en-US" dirty="0"/>
-              <a:t>Time-consuming manual processes</a:t>
-            </a:r>
-          </a:p>
-          <a:p>
-            <a:r>
-              <a:rPr lang="en-US" dirty="0"/>
-              <a:t>Inability to make informed decisions about inventory levels and reordering</a:t>
-            </a:r>
-          </a:p>
-          <a:p>
-            <a:r>
-              <a:rPr lang="en-US" dirty="0"/>
-              <a:t>Lack of real-time data on stock levels and demand patterns</a:t>
-            </a:r>
-          </a:p>
-          <a:p>
-            <a:r>
-              <a:rPr lang="en-US" dirty="0"/>
-              <a:t>These challenges highlight the need for a more efficient and automated solution for inventory management.</a:t>
-            </a:r>
-            <a:endParaRPr lang="en-IN" dirty="0"/>
-          </a:p>
-        </p:txBody>
-      </p:sp>
-    </p:spTree>
-    <p:extLst>
-      <p:ext uri="{BB962C8B-B14F-4D97-AF65-F5344CB8AC3E}">
-        <p14:creationId xmlns:p14="http://schemas.microsoft.com/office/powerpoint/2010/main" val="2940286370"/>
       </p:ext>
     </p:extLst>
   </p:cSld>
@@ -15942,7 +18773,15 @@
           <a:p>
             <a:r>
               <a:rPr lang="en-US" dirty="0"/>
-              <a:t>Modules </a:t>
+              <a:t>Research </a:t>
+            </a:r>
+            <a:r>
+              <a:rPr lang="en-US" dirty="0" err="1"/>
+              <a:t>papper</a:t>
+            </a:r>
+            <a:r>
+              <a:rPr lang="en-US" dirty="0"/>
+              <a:t>  </a:t>
             </a:r>
             <a:endParaRPr lang="en-IN" dirty="0"/>
           </a:p>
@@ -15964,11 +18803,101 @@
             <p:ph idx="1"/>
           </p:nvPr>
         </p:nvSpPr>
-        <p:spPr/>
+        <p:spPr>
+          <a:xfrm>
+            <a:off x="1069848" y="2121408"/>
+            <a:ext cx="10058400" cy="4444284"/>
+          </a:xfrm>
+        </p:spPr>
         <p:txBody>
           <a:bodyPr/>
           <a:lstStyle/>
           <a:p>
+            <a:pPr marL="457200" indent="-457200">
+              <a:lnSpc>
+                <a:spcPct val="150000"/>
+              </a:lnSpc>
+              <a:buFont typeface="+mj-lt"/>
+              <a:buAutoNum type="arabicPeriod"/>
+            </a:pPr>
+            <a:r>
+              <a:rPr lang="en-US" dirty="0"/>
+              <a:t>Title: Predictive Models for Wind Speed.</a:t>
+            </a:r>
+          </a:p>
+          <a:p>
+            <a:pPr lvl="1">
+              <a:lnSpc>
+                <a:spcPct val="150000"/>
+              </a:lnSpc>
+            </a:pPr>
+            <a:r>
+              <a:rPr lang="en-US" dirty="0"/>
+              <a:t>Author: Md </a:t>
+            </a:r>
+            <a:r>
+              <a:rPr lang="en-US" dirty="0" err="1"/>
+              <a:t>Aminul</a:t>
+            </a:r>
+            <a:r>
+              <a:rPr lang="en-US" dirty="0"/>
+              <a:t> Ehsan.</a:t>
+            </a:r>
+          </a:p>
+          <a:p>
+            <a:pPr lvl="1">
+              <a:lnSpc>
+                <a:spcPct val="150000"/>
+              </a:lnSpc>
+            </a:pPr>
+            <a:r>
+              <a:rPr lang="en-US" dirty="0"/>
+              <a:t>Date: December 2019</a:t>
+            </a:r>
+          </a:p>
+          <a:p>
+            <a:pPr lvl="1">
+              <a:lnSpc>
+                <a:spcPct val="150000"/>
+              </a:lnSpc>
+            </a:pPr>
+            <a:r>
+              <a:rPr lang="en-US" dirty="0"/>
+              <a:t>Research Objective: Prediction of wind speed for a given time using meteorological parameters.</a:t>
+            </a:r>
+          </a:p>
+          <a:p>
+            <a:pPr lvl="1">
+              <a:lnSpc>
+                <a:spcPct val="150000"/>
+              </a:lnSpc>
+            </a:pPr>
+            <a:r>
+              <a:rPr lang="en-US" dirty="0"/>
+              <a:t>To address the objective, twelve artificial intelligence algorithms were used for wind speed prediction </a:t>
+            </a:r>
+          </a:p>
+          <a:p>
+            <a:pPr lvl="1">
+              <a:lnSpc>
+                <a:spcPct val="150000"/>
+              </a:lnSpc>
+            </a:pPr>
+            <a:endParaRPr lang="en-US" dirty="0"/>
+          </a:p>
+          <a:p>
+            <a:pPr lvl="1"/>
+            <a:endParaRPr lang="en-US" dirty="0"/>
+          </a:p>
+          <a:p>
+            <a:pPr lvl="1"/>
+            <a:endParaRPr lang="en-US" dirty="0"/>
+          </a:p>
+          <a:p>
+            <a:pPr marL="457200" indent="-457200">
+              <a:buFont typeface="+mj-lt"/>
+              <a:buAutoNum type="arabicPeriod"/>
+            </a:pPr>
             <a:endParaRPr lang="en-IN" dirty="0"/>
           </a:p>
         </p:txBody>
@@ -16020,7 +18949,7 @@
           <p:cNvPr id="2" name="Title 1">
             <a:extLst>
               <a:ext uri="{FF2B5EF4-FFF2-40B4-BE49-F238E27FC236}">
-                <a16:creationId xmlns:a16="http://schemas.microsoft.com/office/drawing/2014/main" id="{05C7B53A-498F-5C1C-4FB8-0A4F1B587AEA}"/>
+                <a16:creationId xmlns:a16="http://schemas.microsoft.com/office/drawing/2014/main" id="{440B95F7-1D28-8F3E-8DE6-4727918D3A52}"/>
               </a:ext>
             </a:extLst>
           </p:cNvPr>
@@ -16031,21 +18960,16 @@
             <p:ph type="title"/>
           </p:nvPr>
         </p:nvSpPr>
-        <p:spPr>
-          <a:xfrm>
-            <a:off x="1069848" y="484633"/>
-            <a:ext cx="10058400" cy="707674"/>
-          </a:xfrm>
-        </p:spPr>
+        <p:spPr/>
         <p:txBody>
           <a:bodyPr>
-            <a:normAutofit fontScale="90000"/>
+            <a:normAutofit/>
           </a:bodyPr>
           <a:lstStyle/>
           <a:p>
             <a:r>
               <a:rPr lang="en-US" dirty="0"/>
-              <a:t>Modules </a:t>
+              <a:t>Predictive Models for Wind Speed.</a:t>
             </a:r>
             <a:endParaRPr lang="en-IN" dirty="0"/>
           </a:p>
@@ -16053,10 +18977,10 @@
       </p:sp>
       <p:sp>
         <p:nvSpPr>
-          <p:cNvPr id="10" name="Text Placeholder 9">
+          <p:cNvPr id="3" name="Content Placeholder 2">
             <a:extLst>
               <a:ext uri="{FF2B5EF4-FFF2-40B4-BE49-F238E27FC236}">
-                <a16:creationId xmlns:a16="http://schemas.microsoft.com/office/drawing/2014/main" id="{05F8E9F4-95AC-061C-C121-810D66A7A809}"/>
+                <a16:creationId xmlns:a16="http://schemas.microsoft.com/office/drawing/2014/main" id="{9332CC29-F8AA-7671-D726-C3BC3F2A5B9A}"/>
               </a:ext>
             </a:extLst>
           </p:cNvPr>
@@ -16064,89 +18988,153 @@
             <a:spLocks noGrp="1"/>
           </p:cNvSpPr>
           <p:nvPr>
-            <p:ph type="body" idx="1"/>
+            <p:ph idx="1"/>
           </p:nvPr>
         </p:nvSpPr>
-        <p:spPr>
-          <a:xfrm>
-            <a:off x="1066800" y="1192307"/>
-            <a:ext cx="7033404" cy="4777171"/>
-          </a:xfrm>
-        </p:spPr>
+        <p:spPr/>
         <p:txBody>
           <a:bodyPr>
-            <a:normAutofit/>
+            <a:normAutofit fontScale="70000" lnSpcReduction="20000"/>
           </a:bodyPr>
           <a:lstStyle/>
           <a:p>
-            <a:pPr marL="342900" indent="-342900">
-              <a:buFont typeface="Arial" panose="020B0604020202020204" pitchFamily="34" charset="0"/>
-              <a:buChar char="•"/>
+            <a:pPr marL="0" indent="0">
+              <a:buNone/>
             </a:pPr>
             <a:r>
-              <a:rPr lang="en-US" dirty="0"/>
-              <a:t>Admin Module</a:t>
-            </a:r>
-          </a:p>
-          <a:p>
-            <a:pPr marL="342900" indent="-342900">
-              <a:buFont typeface="Arial" panose="020B0604020202020204" pitchFamily="34" charset="0"/>
-              <a:buChar char="•"/>
+              <a:rPr lang="en-IN" dirty="0" err="1"/>
+              <a:t>Algortithms</a:t>
+            </a:r>
+            <a:r>
+              <a:rPr lang="en-IN" dirty="0"/>
+              <a:t> used: </a:t>
+            </a:r>
+          </a:p>
+          <a:p>
+            <a:pPr marL="457200" indent="-457200">
+              <a:buFont typeface="+mj-lt"/>
+              <a:buAutoNum type="arabicPeriod"/>
             </a:pPr>
             <a:r>
-              <a:rPr lang="en-US" dirty="0"/>
-              <a:t>Operator Module. </a:t>
-            </a:r>
-          </a:p>
-          <a:p>
-            <a:pPr marL="342900" indent="-342900">
-              <a:buFont typeface="Arial" panose="020B0604020202020204" pitchFamily="34" charset="0"/>
-              <a:buChar char="•"/>
+              <a:rPr lang="en-IN" dirty="0"/>
+              <a:t>Multiple Linear Regression</a:t>
+            </a:r>
+          </a:p>
+          <a:p>
+            <a:pPr marL="457200" indent="-457200">
+              <a:buFont typeface="+mj-lt"/>
+              <a:buAutoNum type="arabicPeriod"/>
             </a:pPr>
             <a:r>
-              <a:rPr lang="en-US" dirty="0"/>
-              <a:t>QR Code System Module</a:t>
-            </a:r>
-          </a:p>
-          <a:p>
-            <a:pPr marL="342900" indent="-342900">
-              <a:buFont typeface="Arial" panose="020B0604020202020204" pitchFamily="34" charset="0"/>
-              <a:buChar char="•"/>
+              <a:rPr lang="en-IN" dirty="0"/>
+              <a:t>Ridge Regression</a:t>
+            </a:r>
+          </a:p>
+          <a:p>
+            <a:pPr marL="457200" indent="-457200">
+              <a:buFont typeface="+mj-lt"/>
+              <a:buAutoNum type="arabicPeriod"/>
             </a:pPr>
             <a:r>
-              <a:rPr lang="en-US" dirty="0"/>
-              <a:t>Forecasting Module</a:t>
-            </a:r>
-          </a:p>
-          <a:p>
-            <a:pPr marL="342900" indent="-342900">
-              <a:buFont typeface="Arial" panose="020B0604020202020204" pitchFamily="34" charset="0"/>
-              <a:buChar char="•"/>
+              <a:rPr lang="en-IN" dirty="0"/>
+              <a:t>Lasso Regression</a:t>
+            </a:r>
+          </a:p>
+          <a:p>
+            <a:pPr marL="457200" indent="-457200">
+              <a:buFont typeface="+mj-lt"/>
+              <a:buAutoNum type="arabicPeriod"/>
             </a:pPr>
             <a:r>
-              <a:rPr lang="en-US" dirty="0"/>
-              <a:t>Reports Module</a:t>
-            </a:r>
-          </a:p>
-          <a:p>
-            <a:pPr marL="342900" indent="-342900">
-              <a:buFont typeface="Arial" panose="020B0604020202020204" pitchFamily="34" charset="0"/>
-              <a:buChar char="•"/>
+              <a:rPr lang="en-IN" dirty="0"/>
+              <a:t>Bayesian Ridge Regression</a:t>
+            </a:r>
+          </a:p>
+          <a:p>
+            <a:pPr marL="457200" indent="-457200">
+              <a:buFont typeface="+mj-lt"/>
+              <a:buAutoNum type="arabicPeriod"/>
             </a:pPr>
             <a:r>
-              <a:rPr lang="en-US" dirty="0"/>
-              <a:t>User Management Module.</a:t>
-            </a:r>
-          </a:p>
-          <a:p>
-            <a:pPr marL="342900" indent="-342900">
-              <a:buFont typeface="Arial" panose="020B0604020202020204" pitchFamily="34" charset="0"/>
-              <a:buChar char="•"/>
+              <a:rPr lang="en-IN" dirty="0"/>
+              <a:t>Huber Regression</a:t>
+            </a:r>
+          </a:p>
+          <a:p>
+            <a:pPr marL="457200" indent="-457200">
+              <a:buFont typeface="+mj-lt"/>
+              <a:buAutoNum type="arabicPeriod"/>
             </a:pPr>
             <a:r>
-              <a:rPr lang="en-US" dirty="0"/>
-              <a:t>Image classification </a:t>
-            </a:r>
+              <a:rPr lang="en-IN" dirty="0"/>
+              <a:t>Bagging Regression</a:t>
+            </a:r>
+          </a:p>
+          <a:p>
+            <a:pPr marL="457200" indent="-457200">
+              <a:buFont typeface="+mj-lt"/>
+              <a:buAutoNum type="arabicPeriod"/>
+            </a:pPr>
+            <a:r>
+              <a:rPr lang="en-IN" dirty="0"/>
+              <a:t>Random Forest Regression</a:t>
+            </a:r>
+          </a:p>
+          <a:p>
+            <a:pPr marL="457200" indent="-457200">
+              <a:buFont typeface="+mj-lt"/>
+              <a:buAutoNum type="arabicPeriod"/>
+            </a:pPr>
+            <a:r>
+              <a:rPr lang="en-IN" dirty="0"/>
+              <a:t>AdaBoost Regression</a:t>
+            </a:r>
+          </a:p>
+          <a:p>
+            <a:pPr marL="457200" indent="-457200">
+              <a:buFont typeface="+mj-lt"/>
+              <a:buAutoNum type="arabicPeriod"/>
+            </a:pPr>
+            <a:r>
+              <a:rPr lang="en-IN" dirty="0"/>
+              <a:t>SVR</a:t>
+            </a:r>
+          </a:p>
+          <a:p>
+            <a:pPr marL="457200" indent="-457200">
+              <a:buFont typeface="+mj-lt"/>
+              <a:buAutoNum type="arabicPeriod"/>
+            </a:pPr>
+            <a:r>
+              <a:rPr lang="en-IN" dirty="0"/>
+              <a:t>DNN</a:t>
+            </a:r>
+          </a:p>
+          <a:p>
+            <a:pPr marL="457200" indent="-457200">
+              <a:buFont typeface="+mj-lt"/>
+              <a:buAutoNum type="arabicPeriod"/>
+            </a:pPr>
+            <a:r>
+              <a:rPr lang="en-IN" dirty="0"/>
+              <a:t>CNN</a:t>
+            </a:r>
+          </a:p>
+          <a:p>
+            <a:pPr marL="457200" indent="-457200">
+              <a:buFont typeface="+mj-lt"/>
+              <a:buAutoNum type="arabicPeriod"/>
+            </a:pPr>
+            <a:r>
+              <a:rPr lang="en-IN" dirty="0"/>
+              <a:t>RNN - LSTM</a:t>
+            </a:r>
+          </a:p>
+          <a:p>
+            <a:pPr marL="457200" indent="-457200">
+              <a:buFont typeface="+mj-lt"/>
+              <a:buAutoNum type="arabicPeriod"/>
+            </a:pPr>
             <a:endParaRPr lang="en-IN" dirty="0"/>
           </a:p>
         </p:txBody>
@@ -16154,7 +19142,7 @@
     </p:spTree>
     <p:extLst>
       <p:ext uri="{BB962C8B-B14F-4D97-AF65-F5344CB8AC3E}">
-        <p14:creationId xmlns:p14="http://schemas.microsoft.com/office/powerpoint/2010/main" val="3021868370"/>
+        <p14:creationId xmlns:p14="http://schemas.microsoft.com/office/powerpoint/2010/main" val="1262548803"/>
       </p:ext>
     </p:extLst>
   </p:cSld>
@@ -16198,7 +19186,7 @@
           <p:cNvPr id="2" name="Title 1">
             <a:extLst>
               <a:ext uri="{FF2B5EF4-FFF2-40B4-BE49-F238E27FC236}">
-                <a16:creationId xmlns:a16="http://schemas.microsoft.com/office/drawing/2014/main" id="{2618E8E2-872D-3E9D-204E-F2A38B39896C}"/>
+                <a16:creationId xmlns:a16="http://schemas.microsoft.com/office/drawing/2014/main" id="{4DCA6155-A702-6167-71A6-16F3D062325D}"/>
               </a:ext>
             </a:extLst>
           </p:cNvPr>
@@ -16214,10 +19202,6 @@
           <a:bodyPr/>
           <a:lstStyle/>
           <a:p>
-            <a:r>
-              <a:rPr lang="en-US" dirty="0"/>
-              <a:t>Login module</a:t>
-            </a:r>
             <a:endParaRPr lang="en-IN" dirty="0"/>
           </a:p>
         </p:txBody>
@@ -16227,7 +19211,7 @@
           <p:cNvPr id="3" name="Content Placeholder 2">
             <a:extLst>
               <a:ext uri="{FF2B5EF4-FFF2-40B4-BE49-F238E27FC236}">
-                <a16:creationId xmlns:a16="http://schemas.microsoft.com/office/drawing/2014/main" id="{D3CF1E90-1B0D-20B4-05E9-07AB27448460}"/>
+                <a16:creationId xmlns:a16="http://schemas.microsoft.com/office/drawing/2014/main" id="{791D16D9-33FB-05A2-94B8-62CE5AB55AB6}"/>
               </a:ext>
             </a:extLst>
           </p:cNvPr>
@@ -16241,44 +19225,205 @@
         <p:spPr/>
         <p:txBody>
           <a:bodyPr>
-            <a:normAutofit lnSpcReduction="10000"/>
+            <a:normAutofit/>
           </a:bodyPr>
           <a:lstStyle/>
           <a:p>
+            <a:pPr marL="0" lvl="0" indent="0">
+              <a:lnSpc>
+                <a:spcPct val="107000"/>
+              </a:lnSpc>
+              <a:spcAft>
+                <a:spcPts val="800"/>
+              </a:spcAft>
+              <a:buSzPts val="1000"/>
+              <a:buNone/>
+              <a:tabLst>
+                <a:tab pos="457200" algn="l"/>
+              </a:tabLst>
+            </a:pPr>
+            <a:r>
+              <a:rPr lang="en-IN" sz="1200" dirty="0">
+                <a:effectLst/>
+                <a:latin typeface="Calibri" panose="020F0502020204030204" pitchFamily="34" charset="0"/>
+                <a:ea typeface="Calibri" panose="020F0502020204030204" pitchFamily="34" charset="0"/>
+                <a:cs typeface="Times New Roman" panose="02020603050405020304" pitchFamily="18" charset="0"/>
+              </a:rPr>
+              <a:t>Dataset</a:t>
+            </a:r>
+          </a:p>
+          <a:p>
+            <a:pPr marL="742950" lvl="1" indent="-285750">
+              <a:lnSpc>
+                <a:spcPct val="107000"/>
+              </a:lnSpc>
+              <a:spcAft>
+                <a:spcPts val="800"/>
+              </a:spcAft>
+              <a:buSzPts val="1000"/>
+              <a:buFont typeface="Symbol" panose="05050102010706020507" pitchFamily="18" charset="2"/>
+              <a:buChar char=""/>
+              <a:tabLst>
+                <a:tab pos="914400" algn="l"/>
+              </a:tabLst>
+            </a:pPr>
+            <a:r>
+              <a:rPr lang="en-IN" sz="1200" dirty="0">
+                <a:effectLst/>
+                <a:latin typeface="Calibri" panose="020F0502020204030204" pitchFamily="34" charset="0"/>
+                <a:ea typeface="Calibri" panose="020F0502020204030204" pitchFamily="34" charset="0"/>
+                <a:cs typeface="Times New Roman" panose="02020603050405020304" pitchFamily="18" charset="0"/>
+              </a:rPr>
+              <a:t>Three-months-long period starting from May 1, 2018 to July 31, 2018</a:t>
+            </a:r>
+          </a:p>
+          <a:p>
+            <a:pPr marL="742950" lvl="1" indent="-285750">
+              <a:lnSpc>
+                <a:spcPct val="107000"/>
+              </a:lnSpc>
+              <a:spcAft>
+                <a:spcPts val="800"/>
+              </a:spcAft>
+              <a:buSzPts val="1000"/>
+              <a:buFont typeface="Symbol" panose="05050102010706020507" pitchFamily="18" charset="2"/>
+              <a:buChar char=""/>
+              <a:tabLst>
+                <a:tab pos="914400" algn="l"/>
+              </a:tabLst>
+            </a:pPr>
+            <a:r>
+              <a:rPr lang="en-IN" sz="1200" dirty="0">
+                <a:effectLst/>
+                <a:latin typeface="Calibri" panose="020F0502020204030204" pitchFamily="34" charset="0"/>
+                <a:ea typeface="Calibri" panose="020F0502020204030204" pitchFamily="34" charset="0"/>
+                <a:cs typeface="Times New Roman" panose="02020603050405020304" pitchFamily="18" charset="0"/>
+              </a:rPr>
+              <a:t>Average hourly instances</a:t>
+            </a:r>
+          </a:p>
+          <a:p>
+            <a:pPr marL="742950" lvl="1" indent="-285750">
+              <a:lnSpc>
+                <a:spcPct val="107000"/>
+              </a:lnSpc>
+              <a:spcAft>
+                <a:spcPts val="800"/>
+              </a:spcAft>
+              <a:buSzPts val="1000"/>
+              <a:buFont typeface="Symbol" panose="05050102010706020507" pitchFamily="18" charset="2"/>
+              <a:buChar char=""/>
+              <a:tabLst>
+                <a:tab pos="914400" algn="l"/>
+              </a:tabLst>
+            </a:pPr>
+            <a:r>
+              <a:rPr lang="en-IN" sz="1200" dirty="0">
+                <a:effectLst/>
+                <a:latin typeface="Calibri" panose="020F0502020204030204" pitchFamily="34" charset="0"/>
+                <a:ea typeface="Calibri" panose="020F0502020204030204" pitchFamily="34" charset="0"/>
+                <a:cs typeface="Times New Roman" panose="02020603050405020304" pitchFamily="18" charset="0"/>
+              </a:rPr>
+              <a:t>Retrieved from National Renewable Energy Laboratory (NREL) database</a:t>
+            </a:r>
+          </a:p>
+          <a:p>
+            <a:pPr marL="742950" lvl="1" indent="-285750">
+              <a:lnSpc>
+                <a:spcPct val="107000"/>
+              </a:lnSpc>
+              <a:spcAft>
+                <a:spcPts val="800"/>
+              </a:spcAft>
+              <a:buSzPts val="1000"/>
+              <a:buFont typeface="Symbol" panose="05050102010706020507" pitchFamily="18" charset="2"/>
+              <a:buChar char=""/>
+              <a:tabLst>
+                <a:tab pos="914400" algn="l"/>
+              </a:tabLst>
+            </a:pPr>
+            <a:r>
+              <a:rPr lang="en-IN" sz="1200" dirty="0">
+                <a:effectLst/>
+                <a:latin typeface="Calibri" panose="020F0502020204030204" pitchFamily="34" charset="0"/>
+                <a:ea typeface="Calibri" panose="020F0502020204030204" pitchFamily="34" charset="0"/>
+                <a:cs typeface="Times New Roman" panose="02020603050405020304" pitchFamily="18" charset="0"/>
+              </a:rPr>
+              <a:t>18 features, including wind speed in 80m height as response variable.</a:t>
+            </a:r>
+          </a:p>
+          <a:p>
+            <a:pPr lvl="1" indent="0">
+              <a:lnSpc>
+                <a:spcPct val="107000"/>
+              </a:lnSpc>
+              <a:spcAft>
+                <a:spcPts val="800"/>
+              </a:spcAft>
+              <a:buSzPts val="1000"/>
+              <a:buNone/>
+              <a:tabLst>
+                <a:tab pos="914400" algn="l"/>
+              </a:tabLst>
+            </a:pPr>
+            <a:endParaRPr lang="en-IN" sz="1200" dirty="0">
+              <a:effectLst/>
+              <a:latin typeface="Calibri" panose="020F0502020204030204" pitchFamily="34" charset="0"/>
+              <a:ea typeface="Calibri" panose="020F0502020204030204" pitchFamily="34" charset="0"/>
+              <a:cs typeface="Times New Roman" panose="02020603050405020304" pitchFamily="18" charset="0"/>
+            </a:endParaRPr>
+          </a:p>
+          <a:p>
+            <a:pPr marL="0" indent="0">
+              <a:buNone/>
+            </a:pPr>
             <a:r>
               <a:rPr lang="en-US" dirty="0"/>
-              <a:t>Purpose: The Login Module is responsible for authenticating and authorizing the actors in the system.</a:t>
-            </a:r>
-          </a:p>
-          <a:p>
+              <a:t>Best Performance: LSTM (Model-12)</a:t>
+            </a:r>
+          </a:p>
+          <a:p>
+            <a:pPr lvl="1"/>
             <a:r>
               <a:rPr lang="en-US" dirty="0"/>
-              <a:t>Access Control: The module implements access control to ensure only authorized actors can access the system's features.</a:t>
-            </a:r>
-          </a:p>
-          <a:p>
+              <a:t>Lowest error terms</a:t>
+            </a:r>
+          </a:p>
+          <a:p>
+            <a:pPr lvl="1"/>
             <a:r>
               <a:rPr lang="en-US" dirty="0"/>
-              <a:t>User Authentication: The module handles user authentication, verifying the user's identity before allowing access to the system.</a:t>
-            </a:r>
-          </a:p>
-          <a:p>
+              <a:t>Exact accuracy of 97.8%</a:t>
+            </a:r>
+          </a:p>
+          <a:p>
+            <a:pPr marL="274320" lvl="1" indent="0">
+              <a:buNone/>
+            </a:pPr>
+            <a:endParaRPr lang="en-US" dirty="0"/>
+          </a:p>
+          <a:p>
+            <a:pPr marL="274320" lvl="1" indent="0">
+              <a:buNone/>
+            </a:pPr>
             <a:r>
               <a:rPr lang="en-US" dirty="0"/>
-              <a:t>Actor Management: The module manages the different actors in the system, including the admin, operator, and vendor, and assigns specific rights and access levels.</a:t>
-            </a:r>
-          </a:p>
-          <a:p>
-            <a:r>
-              <a:rPr lang="en-US" dirty="0"/>
-              <a:t>Secure Login: The module implements a secure login process to protect the organization's stock and prevent unauthorized access.</a:t>
-            </a:r>
-          </a:p>
-          <a:p>
-            <a:r>
-              <a:rPr lang="en-US" dirty="0"/>
-              <a:t>User Session Management: The module handles the management of user sessions, including the creation and termination of sessions as needed.</a:t>
-            </a:r>
+              <a:t>Result: LSTM Outperforms Other Models, Highest accuracy of 97.8%.</a:t>
+            </a:r>
+          </a:p>
+          <a:p>
+            <a:pPr marL="274320" lvl="1" indent="0">
+              <a:buNone/>
+            </a:pPr>
+            <a:endParaRPr lang="en-US" dirty="0"/>
+          </a:p>
+          <a:p>
+            <a:pPr marL="274320" lvl="1" indent="0">
+              <a:buNone/>
+            </a:pPr>
+            <a:endParaRPr lang="en-US" dirty="0"/>
+          </a:p>
+          <a:p>
             <a:endParaRPr lang="en-IN" dirty="0"/>
           </a:p>
         </p:txBody>
@@ -16286,7 +19431,7 @@
     </p:spTree>
     <p:extLst>
       <p:ext uri="{BB962C8B-B14F-4D97-AF65-F5344CB8AC3E}">
-        <p14:creationId xmlns:p14="http://schemas.microsoft.com/office/powerpoint/2010/main" val="523426912"/>
+        <p14:creationId xmlns:p14="http://schemas.microsoft.com/office/powerpoint/2010/main" val="1797360517"/>
       </p:ext>
     </p:extLst>
   </p:cSld>
@@ -16330,7 +19475,7 @@
           <p:cNvPr id="2" name="Title 1">
             <a:extLst>
               <a:ext uri="{FF2B5EF4-FFF2-40B4-BE49-F238E27FC236}">
-                <a16:creationId xmlns:a16="http://schemas.microsoft.com/office/drawing/2014/main" id="{4F4A24F0-18D7-5D48-7FD9-8511484C5094}"/>
+                <a16:creationId xmlns:a16="http://schemas.microsoft.com/office/drawing/2014/main" id="{B179AEAB-2AE9-C835-9D4E-79C77874DD4E}"/>
               </a:ext>
             </a:extLst>
           </p:cNvPr>
@@ -16347,10 +19492,9 @@
           <a:lstStyle/>
           <a:p>
             <a:r>
-              <a:rPr lang="en-US" dirty="0"/>
-              <a:t>Admin module</a:t>
-            </a:r>
-            <a:endParaRPr lang="en-IN" dirty="0"/>
+              <a:rPr lang="en-IN" dirty="0"/>
+              <a:t>Research paper - 2</a:t>
+            </a:r>
           </a:p>
         </p:txBody>
       </p:sp>
@@ -16359,7 +19503,7 @@
           <p:cNvPr id="3" name="Content Placeholder 2">
             <a:extLst>
               <a:ext uri="{FF2B5EF4-FFF2-40B4-BE49-F238E27FC236}">
-                <a16:creationId xmlns:a16="http://schemas.microsoft.com/office/drawing/2014/main" id="{7CCA088A-9AC1-8F57-B126-0B40152B5489}"/>
+                <a16:creationId xmlns:a16="http://schemas.microsoft.com/office/drawing/2014/main" id="{95FF8396-F8D2-8E47-B3A1-D575A862387D}"/>
               </a:ext>
             </a:extLst>
           </p:cNvPr>
@@ -16372,51 +19516,74 @@
         </p:nvSpPr>
         <p:spPr/>
         <p:txBody>
-          <a:bodyPr>
-            <a:normAutofit fontScale="92500" lnSpcReduction="20000"/>
-          </a:bodyPr>
+          <a:bodyPr/>
           <a:lstStyle/>
           <a:p>
+            <a:pPr marL="0" indent="0">
+              <a:buNone/>
+            </a:pPr>
             <a:r>
               <a:rPr lang="en-US" dirty="0"/>
-              <a:t>Purpose: The Admin Module is responsible for managing and controlling the inventory within the organization.</a:t>
-            </a:r>
-          </a:p>
-          <a:p>
+              <a:t>Title: A Review of QR code Structure for Encryption and Decryption Process</a:t>
+            </a:r>
+          </a:p>
+          <a:p>
+            <a:pPr marL="0" indent="0">
+              <a:buNone/>
+            </a:pPr>
             <a:r>
               <a:rPr lang="en-US" dirty="0"/>
-              <a:t>Inventory Management: The module manages the overall inventory, including adding, updating, and deleting inventory items.</a:t>
-            </a:r>
-          </a:p>
-          <a:p>
+              <a:t>Author: </a:t>
+            </a:r>
+            <a:r>
+              <a:rPr lang="en-US" dirty="0" err="1"/>
+              <a:t>Divya</a:t>
+            </a:r>
             <a:r>
               <a:rPr lang="en-US" dirty="0"/>
-              <a:t>Stock Overview: The module provides a comprehensive overview of the organization's stock, including real-time information on the remaining balance of stock and transaction details.</a:t>
-            </a:r>
-          </a:p>
-          <a:p>
+              <a:t> Sharma</a:t>
+            </a:r>
+          </a:p>
+          <a:p>
+            <a:pPr marL="0" indent="0">
+              <a:buNone/>
+            </a:pPr>
             <a:r>
               <a:rPr lang="en-US" dirty="0"/>
-              <a:t>User Activity Tracking: The module tracks the activities of the operator, including all operations that modify the database records, for auditing purposes.</a:t>
-            </a:r>
-          </a:p>
-          <a:p>
+              <a:t>Publishers: International Journal of Innovative Science and Research Technology </a:t>
+            </a:r>
+          </a:p>
+          <a:p>
+            <a:pPr marL="0" indent="0">
+              <a:buNone/>
+            </a:pPr>
             <a:r>
               <a:rPr lang="en-US" dirty="0"/>
-              <a:t>Reporting: The module provides reporting on the sales, purchases, and remaining inventory, including the auditing system for transparency.</a:t>
-            </a:r>
+              <a:t>ISSN No: - 2456- 2165</a:t>
+            </a:r>
+          </a:p>
+          <a:p>
+            <a:pPr marL="0" indent="0">
+              <a:buNone/>
+            </a:pPr>
+            <a:endParaRPr lang="en-IN" dirty="0"/>
           </a:p>
           <a:p>
             <a:r>
               <a:rPr lang="en-US" dirty="0"/>
-              <a:t>User Management: The module manages the actors in the system, including assigning rights and access levels.</a:t>
+              <a:t>QR Code is a matrix or a 2-dimensional barcode based symbol with a cell structure which is formatted in a square.</a:t>
             </a:r>
           </a:p>
           <a:p>
             <a:r>
               <a:rPr lang="en-US" dirty="0"/>
-              <a:t>Vendor Management. </a:t>
-            </a:r>
+              <a:t>It can store up to 4296 alphanumeric characters and can be read by optical device with the appropriate software like QR code reader and mobile phones.</a:t>
+            </a:r>
+          </a:p>
+          <a:p>
+            <a:pPr marL="0" indent="0">
+              <a:buNone/>
+            </a:pPr>
             <a:endParaRPr lang="en-IN" dirty="0"/>
           </a:p>
         </p:txBody>
@@ -16424,7 +19591,7 @@
     </p:spTree>
     <p:extLst>
       <p:ext uri="{BB962C8B-B14F-4D97-AF65-F5344CB8AC3E}">
-        <p14:creationId xmlns:p14="http://schemas.microsoft.com/office/powerpoint/2010/main" val="1041504832"/>
+        <p14:creationId xmlns:p14="http://schemas.microsoft.com/office/powerpoint/2010/main" val="3323262967"/>
       </p:ext>
     </p:extLst>
   </p:cSld>

--- a/ProjectReview-2 (1).pptx
+++ b/ProjectReview-2 (1).pptx
@@ -5,7 +5,7 @@
     <p:sldMasterId id="2147483702" r:id="rId1"/>
   </p:sldMasterIdLst>
   <p:notesMasterIdLst>
-    <p:notesMasterId r:id="rId45"/>
+    <p:notesMasterId r:id="rId47"/>
   </p:notesMasterIdLst>
   <p:sldIdLst>
     <p:sldId id="256" r:id="rId2"/>
@@ -34,23 +34,25 @@
     <p:sldId id="300" r:id="rId25"/>
     <p:sldId id="277" r:id="rId26"/>
     <p:sldId id="305" r:id="rId27"/>
-    <p:sldId id="304" r:id="rId28"/>
-    <p:sldId id="301" r:id="rId29"/>
-    <p:sldId id="302" r:id="rId30"/>
-    <p:sldId id="306" r:id="rId31"/>
-    <p:sldId id="307" r:id="rId32"/>
-    <p:sldId id="257" r:id="rId33"/>
-    <p:sldId id="270" r:id="rId34"/>
-    <p:sldId id="281" r:id="rId35"/>
-    <p:sldId id="280" r:id="rId36"/>
-    <p:sldId id="271" r:id="rId37"/>
-    <p:sldId id="264" r:id="rId38"/>
-    <p:sldId id="265" r:id="rId39"/>
-    <p:sldId id="266" r:id="rId40"/>
-    <p:sldId id="272" r:id="rId41"/>
-    <p:sldId id="274" r:id="rId42"/>
-    <p:sldId id="278" r:id="rId43"/>
-    <p:sldId id="268" r:id="rId44"/>
+    <p:sldId id="308" r:id="rId28"/>
+    <p:sldId id="304" r:id="rId29"/>
+    <p:sldId id="266" r:id="rId30"/>
+    <p:sldId id="301" r:id="rId31"/>
+    <p:sldId id="302" r:id="rId32"/>
+    <p:sldId id="306" r:id="rId33"/>
+    <p:sldId id="307" r:id="rId34"/>
+    <p:sldId id="309" r:id="rId35"/>
+    <p:sldId id="257" r:id="rId36"/>
+    <p:sldId id="270" r:id="rId37"/>
+    <p:sldId id="281" r:id="rId38"/>
+    <p:sldId id="280" r:id="rId39"/>
+    <p:sldId id="271" r:id="rId40"/>
+    <p:sldId id="264" r:id="rId41"/>
+    <p:sldId id="265" r:id="rId42"/>
+    <p:sldId id="272" r:id="rId43"/>
+    <p:sldId id="274" r:id="rId44"/>
+    <p:sldId id="278" r:id="rId45"/>
+    <p:sldId id="268" r:id="rId46"/>
   </p:sldIdLst>
   <p:sldSz cx="12192000" cy="6858000"/>
   <p:notesSz cx="6858000" cy="9144000"/>
@@ -239,7 +241,7 @@
           <a:p>
             <a:fld id="{E2C6AAEB-6988-43D2-9654-EC3C0BFABB9D}" type="datetimeFigureOut">
               <a:rPr lang="en-IN" smtClean="0"/>
-              <a:t>31-01-2023</a:t>
+              <a:t>01-02-2023</a:t>
             </a:fld>
             <a:endParaRPr lang="en-IN"/>
           </a:p>
@@ -910,7 +912,7 @@
           <a:p>
             <a:fld id="{0D3A107C-E2A5-4917-B22D-A9F2DBD463CC}" type="datetimeFigureOut">
               <a:rPr lang="en-IN" smtClean="0"/>
-              <a:t>31-01-2023</a:t>
+              <a:t>01-02-2023</a:t>
             </a:fld>
             <a:endParaRPr lang="en-IN"/>
           </a:p>
@@ -1101,7 +1103,7 @@
           <a:p>
             <a:fld id="{0D3A107C-E2A5-4917-B22D-A9F2DBD463CC}" type="datetimeFigureOut">
               <a:rPr lang="en-IN" smtClean="0"/>
-              <a:t>31-01-2023</a:t>
+              <a:t>01-02-2023</a:t>
             </a:fld>
             <a:endParaRPr lang="en-IN"/>
           </a:p>
@@ -1293,7 +1295,7 @@
           <a:p>
             <a:fld id="{0D3A107C-E2A5-4917-B22D-A9F2DBD463CC}" type="datetimeFigureOut">
               <a:rPr lang="en-IN" smtClean="0"/>
-              <a:t>31-01-2023</a:t>
+              <a:t>01-02-2023</a:t>
             </a:fld>
             <a:endParaRPr lang="en-IN"/>
           </a:p>
@@ -1475,7 +1477,7 @@
           <a:p>
             <a:fld id="{0D3A107C-E2A5-4917-B22D-A9F2DBD463CC}" type="datetimeFigureOut">
               <a:rPr lang="en-IN" smtClean="0"/>
-              <a:t>31-01-2023</a:t>
+              <a:t>01-02-2023</a:t>
             </a:fld>
             <a:endParaRPr lang="en-IN"/>
           </a:p>
@@ -1800,7 +1802,7 @@
           <a:p>
             <a:fld id="{0D3A107C-E2A5-4917-B22D-A9F2DBD463CC}" type="datetimeFigureOut">
               <a:rPr lang="en-IN" smtClean="0"/>
-              <a:t>31-01-2023</a:t>
+              <a:t>01-02-2023</a:t>
             </a:fld>
             <a:endParaRPr lang="en-IN"/>
           </a:p>
@@ -2198,7 +2200,7 @@
           <a:p>
             <a:fld id="{0D3A107C-E2A5-4917-B22D-A9F2DBD463CC}" type="datetimeFigureOut">
               <a:rPr lang="en-IN" smtClean="0"/>
-              <a:t>31-01-2023</a:t>
+              <a:t>01-02-2023</a:t>
             </a:fld>
             <a:endParaRPr lang="en-IN"/>
           </a:p>
@@ -2644,7 +2646,7 @@
           <a:p>
             <a:fld id="{0D3A107C-E2A5-4917-B22D-A9F2DBD463CC}" type="datetimeFigureOut">
               <a:rPr lang="en-IN" smtClean="0"/>
-              <a:t>31-01-2023</a:t>
+              <a:t>01-02-2023</a:t>
             </a:fld>
             <a:endParaRPr lang="en-IN"/>
           </a:p>
@@ -2774,7 +2776,7 @@
           <a:p>
             <a:fld id="{0D3A107C-E2A5-4917-B22D-A9F2DBD463CC}" type="datetimeFigureOut">
               <a:rPr lang="en-IN" smtClean="0"/>
-              <a:t>31-01-2023</a:t>
+              <a:t>01-02-2023</a:t>
             </a:fld>
             <a:endParaRPr lang="en-IN"/>
           </a:p>
@@ -2881,7 +2883,7 @@
           <a:p>
             <a:fld id="{0D3A107C-E2A5-4917-B22D-A9F2DBD463CC}" type="datetimeFigureOut">
               <a:rPr lang="en-IN" smtClean="0"/>
-              <a:t>31-01-2023</a:t>
+              <a:t>01-02-2023</a:t>
             </a:fld>
             <a:endParaRPr lang="en-IN"/>
           </a:p>
@@ -3243,7 +3245,7 @@
           <a:p>
             <a:fld id="{0D3A107C-E2A5-4917-B22D-A9F2DBD463CC}" type="datetimeFigureOut">
               <a:rPr lang="en-IN" smtClean="0"/>
-              <a:t>31-01-2023</a:t>
+              <a:t>01-02-2023</a:t>
             </a:fld>
             <a:endParaRPr lang="en-IN"/>
           </a:p>
@@ -3680,7 +3682,7 @@
           <a:p>
             <a:fld id="{0D3A107C-E2A5-4917-B22D-A9F2DBD463CC}" type="datetimeFigureOut">
               <a:rPr lang="en-IN" smtClean="0"/>
-              <a:t>31-01-2023</a:t>
+              <a:t>01-02-2023</a:t>
             </a:fld>
             <a:endParaRPr lang="en-IN"/>
           </a:p>
@@ -3973,7 +3975,7 @@
           <a:p>
             <a:fld id="{0D3A107C-E2A5-4917-B22D-A9F2DBD463CC}" type="datetimeFigureOut">
               <a:rPr lang="en-IN" smtClean="0"/>
-              <a:t>31-01-2023</a:t>
+              <a:t>01-02-2023</a:t>
             </a:fld>
             <a:endParaRPr lang="en-IN"/>
           </a:p>
@@ -5271,13 +5273,13 @@
   <p:clrMapOvr>
     <a:masterClrMapping/>
   </p:clrMapOvr>
-  <mc:AlternateContent xmlns:mc="http://schemas.openxmlformats.org/markup-compatibility/2006">
-    <mc:Choice xmlns:p14="http://schemas.microsoft.com/office/powerpoint/2010/main" Requires="p14">
+  <mc:AlternateContent xmlns:mc="http://schemas.openxmlformats.org/markup-compatibility/2006" xmlns:p14="http://schemas.microsoft.com/office/powerpoint/2010/main">
+    <mc:Choice Requires="p14">
       <p:transition spd="med" p14:dur="700">
         <p:fade/>
       </p:transition>
     </mc:Choice>
-    <mc:Fallback>
+    <mc:Fallback xmlns="">
       <p:transition spd="med">
         <p:fade/>
       </p:transition>
@@ -9535,43 +9537,177 @@
             <p:ph idx="1"/>
           </p:nvPr>
         </p:nvSpPr>
-        <p:spPr/>
+        <p:spPr>
+          <a:xfrm>
+            <a:off x="1069848" y="2121408"/>
+            <a:ext cx="4785829" cy="4050792"/>
+          </a:xfrm>
+        </p:spPr>
         <p:txBody>
           <a:bodyPr/>
           <a:lstStyle/>
           <a:p>
             <a:r>
+              <a:rPr lang="en-US" dirty="0"/>
+              <a:t>L</a:t>
+            </a:r>
+            <a:r>
               <a:rPr lang="en-IN" dirty="0" err="1"/>
-              <a:t>Idhar</a:t>
+              <a:t>evel</a:t>
             </a:r>
             <a:r>
               <a:rPr lang="en-IN" dirty="0"/>
-              <a:t> level 0, 1 </a:t>
-            </a:r>
-            <a:r>
-              <a:rPr lang="en-IN" dirty="0" err="1"/>
-              <a:t>dfd</a:t>
-            </a:r>
-            <a:r>
-              <a:rPr lang="en-IN" dirty="0"/>
-              <a:t> </a:t>
-            </a:r>
-            <a:r>
-              <a:rPr lang="en-IN" dirty="0" err="1"/>
-              <a:t>daal</a:t>
-            </a:r>
-            <a:r>
-              <a:rPr lang="en-IN" dirty="0"/>
-              <a:t> </a:t>
-            </a:r>
-            <a:r>
-              <a:rPr lang="en-IN" dirty="0" err="1"/>
-              <a:t>jojo</a:t>
-            </a:r>
-            <a:r>
-              <a:rPr lang="en-IN" dirty="0"/>
-              <a:t> </a:t>
-            </a:r>
+              <a:t> 0 DFD.                                                           </a:t>
+            </a:r>
+          </a:p>
+          <a:p>
+            <a:endParaRPr lang="en-IN" dirty="0"/>
+          </a:p>
+        </p:txBody>
+      </p:sp>
+      <p:pic>
+        <p:nvPicPr>
+          <p:cNvPr id="4" name="Picture 3" descr="Diagram&#10;&#10;Description automatically generated">
+            <a:extLst>
+              <a:ext uri="{FF2B5EF4-FFF2-40B4-BE49-F238E27FC236}">
+                <a16:creationId xmlns:a16="http://schemas.microsoft.com/office/drawing/2014/main" id="{5663BB59-9C05-79AC-2EEC-8856E0227E66}"/>
+              </a:ext>
+            </a:extLst>
+          </p:cNvPr>
+          <p:cNvPicPr>
+            <a:picLocks noChangeAspect="1"/>
+          </p:cNvPicPr>
+          <p:nvPr/>
+        </p:nvPicPr>
+        <p:blipFill rotWithShape="1">
+          <a:blip r:embed="rId2" cstate="print">
+            <a:extLst>
+              <a:ext uri="{28A0092B-C50C-407E-A947-70E740481C1C}">
+                <a14:useLocalDpi xmlns:a14="http://schemas.microsoft.com/office/drawing/2010/main" val="0"/>
+              </a:ext>
+            </a:extLst>
+          </a:blip>
+          <a:srcRect l="2429" t="17574" b="22401"/>
+          <a:stretch/>
+        </p:blipFill>
+        <p:spPr bwMode="auto">
+          <a:xfrm>
+            <a:off x="1173578" y="2751993"/>
+            <a:ext cx="4453499" cy="3298531"/>
+          </a:xfrm>
+          <a:prstGeom prst="rect">
+            <a:avLst/>
+          </a:prstGeom>
+          <a:noFill/>
+          <a:ln>
+            <a:noFill/>
+          </a:ln>
+          <a:extLst>
+            <a:ext uri="{53640926-AAD7-44D8-BBD7-CCE9431645EC}">
+              <a14:shadowObscured xmlns:a14="http://schemas.microsoft.com/office/drawing/2010/main"/>
+            </a:ext>
+          </a:extLst>
+        </p:spPr>
+      </p:pic>
+      <p:sp>
+        <p:nvSpPr>
+          <p:cNvPr id="5" name="TextBox 4">
+            <a:extLst>
+              <a:ext uri="{FF2B5EF4-FFF2-40B4-BE49-F238E27FC236}">
+                <a16:creationId xmlns:a16="http://schemas.microsoft.com/office/drawing/2014/main" id="{80D9FD7C-13A5-4368-1C9E-4D854DFAB2EE}"/>
+              </a:ext>
+            </a:extLst>
+          </p:cNvPr>
+          <p:cNvSpPr txBox="1"/>
+          <p:nvPr/>
+        </p:nvSpPr>
+        <p:spPr>
+          <a:xfrm flipH="1">
+            <a:off x="6710287" y="2479431"/>
+            <a:ext cx="4785829" cy="4247317"/>
+          </a:xfrm>
+          <a:prstGeom prst="rect">
+            <a:avLst/>
+          </a:prstGeom>
+          <a:noFill/>
+        </p:spPr>
+        <p:txBody>
+          <a:bodyPr wrap="square" rtlCol="0">
+            <a:spAutoFit/>
+          </a:bodyPr>
+          <a:lstStyle/>
+          <a:p>
+            <a:r>
+              <a:rPr lang="en-US" dirty="0" err="1"/>
+              <a:t>Entites</a:t>
+            </a:r>
+            <a:r>
+              <a:rPr lang="en-US" dirty="0"/>
+              <a:t> :</a:t>
+            </a:r>
+          </a:p>
+          <a:p>
+            <a:pPr marL="342900" indent="-342900">
+              <a:buFont typeface="+mj-lt"/>
+              <a:buAutoNum type="arabicPeriod"/>
+            </a:pPr>
+            <a:r>
+              <a:rPr lang="en-US" dirty="0"/>
+              <a:t>Vendor</a:t>
+            </a:r>
+          </a:p>
+          <a:p>
+            <a:pPr marL="342900" indent="-342900">
+              <a:buFont typeface="+mj-lt"/>
+              <a:buAutoNum type="arabicPeriod"/>
+            </a:pPr>
+            <a:r>
+              <a:rPr lang="en-US" dirty="0"/>
+              <a:t>Admin </a:t>
+            </a:r>
+          </a:p>
+          <a:p>
+            <a:pPr marL="342900" indent="-342900">
+              <a:buFont typeface="+mj-lt"/>
+              <a:buAutoNum type="arabicPeriod"/>
+            </a:pPr>
+            <a:r>
+              <a:rPr lang="en-US" dirty="0"/>
+              <a:t>Operator.</a:t>
+            </a:r>
+          </a:p>
+          <a:p>
+            <a:endParaRPr lang="en-IN" dirty="0"/>
+          </a:p>
+          <a:p>
+            <a:endParaRPr lang="en-IN" dirty="0"/>
+          </a:p>
+          <a:p>
+            <a:endParaRPr lang="en-IN" dirty="0"/>
+          </a:p>
+          <a:p>
+            <a:endParaRPr lang="en-IN" dirty="0"/>
+          </a:p>
+          <a:p>
+            <a:endParaRPr lang="en-IN" dirty="0"/>
+          </a:p>
+          <a:p>
+            <a:endParaRPr lang="en-IN" dirty="0"/>
+          </a:p>
+          <a:p>
+            <a:endParaRPr lang="en-IN" dirty="0"/>
+          </a:p>
+          <a:p>
+            <a:endParaRPr lang="en-IN" dirty="0"/>
+          </a:p>
+          <a:p>
+            <a:endParaRPr lang="en-IN" dirty="0"/>
+          </a:p>
+          <a:p>
+            <a:endParaRPr lang="en-IN" dirty="0"/>
+          </a:p>
+          <a:p>
+            <a:endParaRPr lang="en-IN" dirty="0"/>
           </a:p>
         </p:txBody>
       </p:sp>
@@ -9622,7 +9758,7 @@
           <p:cNvPr id="2" name="Title 1">
             <a:extLst>
               <a:ext uri="{FF2B5EF4-FFF2-40B4-BE49-F238E27FC236}">
-                <a16:creationId xmlns:a16="http://schemas.microsoft.com/office/drawing/2014/main" id="{CD1F5C31-F099-C1BE-8F49-741EF39B15F3}"/>
+                <a16:creationId xmlns:a16="http://schemas.microsoft.com/office/drawing/2014/main" id="{7945BEA4-E647-31C7-0C6A-C106B42C610F}"/>
               </a:ext>
             </a:extLst>
           </p:cNvPr>
@@ -9633,15 +9769,19 @@
             <p:ph type="title"/>
           </p:nvPr>
         </p:nvSpPr>
-        <p:spPr/>
+        <p:spPr>
+          <a:xfrm>
+            <a:off x="1069848" y="484632"/>
+            <a:ext cx="10058400" cy="781460"/>
+          </a:xfrm>
+        </p:spPr>
         <p:txBody>
-          <a:bodyPr/>
+          <a:bodyPr>
+            <a:normAutofit fontScale="90000"/>
+          </a:bodyPr>
           <a:lstStyle/>
           <a:p>
-            <a:r>
-              <a:rPr lang="en-IN" dirty="0"/>
-              <a:t>Datasets </a:t>
-            </a:r>
+            <a:endParaRPr lang="en-IN" dirty="0"/>
           </a:p>
         </p:txBody>
       </p:sp>
@@ -9650,7 +9790,7 @@
           <p:cNvPr id="3" name="Content Placeholder 2">
             <a:extLst>
               <a:ext uri="{FF2B5EF4-FFF2-40B4-BE49-F238E27FC236}">
-                <a16:creationId xmlns:a16="http://schemas.microsoft.com/office/drawing/2014/main" id="{1A81A6DE-03FF-7884-3487-9B895254D047}"/>
+                <a16:creationId xmlns:a16="http://schemas.microsoft.com/office/drawing/2014/main" id="{285398AF-63C6-3A6C-8C69-49C5ACA064E6}"/>
               </a:ext>
             </a:extLst>
           </p:cNvPr>
@@ -9661,22 +9801,33 @@
             <p:ph idx="1"/>
           </p:nvPr>
         </p:nvSpPr>
-        <p:spPr/>
+        <p:spPr>
+          <a:xfrm>
+            <a:off x="1069848" y="1406769"/>
+            <a:ext cx="10058400" cy="4765431"/>
+          </a:xfrm>
+        </p:spPr>
         <p:txBody>
           <a:bodyPr/>
           <a:lstStyle/>
           <a:p>
             <a:r>
-              <a:rPr lang="en-IN" dirty="0"/>
-              <a:t>Work done on datasets</a:t>
-            </a:r>
+              <a:rPr lang="en-US" dirty="0"/>
+              <a:t>Level 1 DFD</a:t>
+            </a:r>
+          </a:p>
+          <a:p>
+            <a:pPr marL="0" indent="0">
+              <a:buNone/>
+            </a:pPr>
+            <a:endParaRPr lang="en-IN" dirty="0"/>
           </a:p>
         </p:txBody>
       </p:sp>
     </p:spTree>
     <p:extLst>
       <p:ext uri="{BB962C8B-B14F-4D97-AF65-F5344CB8AC3E}">
-        <p14:creationId xmlns:p14="http://schemas.microsoft.com/office/powerpoint/2010/main" val="1867114802"/>
+        <p14:creationId xmlns:p14="http://schemas.microsoft.com/office/powerpoint/2010/main" val="2046741441"/>
       </p:ext>
     </p:extLst>
   </p:cSld>
@@ -9720,7 +9871,7 @@
           <p:cNvPr id="2" name="Title 1">
             <a:extLst>
               <a:ext uri="{FF2B5EF4-FFF2-40B4-BE49-F238E27FC236}">
-                <a16:creationId xmlns:a16="http://schemas.microsoft.com/office/drawing/2014/main" id="{E7B8C438-24E4-B659-300F-A3770992E573}"/>
+                <a16:creationId xmlns:a16="http://schemas.microsoft.com/office/drawing/2014/main" id="{CD1F5C31-F099-C1BE-8F49-741EF39B15F3}"/>
               </a:ext>
             </a:extLst>
           </p:cNvPr>
@@ -9738,7 +9889,7 @@
           <a:p>
             <a:r>
               <a:rPr lang="en-IN" dirty="0"/>
-              <a:t>Software &amp; hardware requirements.</a:t>
+              <a:t>Datasets </a:t>
             </a:r>
           </a:p>
         </p:txBody>
@@ -9748,7 +9899,7 @@
           <p:cNvPr id="3" name="Content Placeholder 2">
             <a:extLst>
               <a:ext uri="{FF2B5EF4-FFF2-40B4-BE49-F238E27FC236}">
-                <a16:creationId xmlns:a16="http://schemas.microsoft.com/office/drawing/2014/main" id="{2A9FF396-4D9E-9D4B-409A-EDC6CA1C96CD}"/>
+                <a16:creationId xmlns:a16="http://schemas.microsoft.com/office/drawing/2014/main" id="{1A81A6DE-03FF-7884-3487-9B895254D047}"/>
               </a:ext>
             </a:extLst>
           </p:cNvPr>
@@ -9759,7 +9910,12 @@
             <p:ph idx="1"/>
           </p:nvPr>
         </p:nvSpPr>
-        <p:spPr/>
+        <p:spPr>
+          <a:xfrm>
+            <a:off x="1069848" y="2121408"/>
+            <a:ext cx="5726606" cy="4050792"/>
+          </a:xfrm>
+        </p:spPr>
         <p:txBody>
           <a:bodyPr/>
           <a:lstStyle/>
@@ -9769,89 +9925,94 @@
             </a:pPr>
             <a:r>
               <a:rPr lang="en-IN" dirty="0"/>
-              <a:t>Software: </a:t>
-            </a:r>
-          </a:p>
-          <a:p>
-            <a:pPr marL="457200" indent="-457200">
-              <a:buFont typeface="+mj-lt"/>
-              <a:buAutoNum type="arabicPeriod"/>
-            </a:pPr>
-            <a:r>
-              <a:rPr lang="en-US" dirty="0"/>
-              <a:t>Windows:</a:t>
-            </a:r>
-          </a:p>
-          <a:p>
-            <a:pPr marL="457200" indent="-457200">
-              <a:buFont typeface="+mj-lt"/>
-              <a:buAutoNum type="arabicPeriod"/>
-            </a:pPr>
-            <a:r>
-              <a:rPr lang="en-US" dirty="0"/>
-              <a:t>Microsoft® Windows® 7/8/10 (64-bit)</a:t>
-            </a:r>
-          </a:p>
-          <a:p>
-            <a:pPr marL="457200" indent="-457200">
-              <a:buFont typeface="+mj-lt"/>
-              <a:buAutoNum type="arabicPeriod"/>
-            </a:pPr>
-            <a:r>
-              <a:rPr lang="en-US" dirty="0"/>
-              <a:t>Android studio.</a:t>
-            </a:r>
-          </a:p>
-          <a:p>
-            <a:pPr marL="457200" indent="-457200">
-              <a:buFont typeface="+mj-lt"/>
-              <a:buAutoNum type="arabicPeriod"/>
-            </a:pPr>
-            <a:r>
-              <a:rPr lang="en-US" dirty="0"/>
-              <a:t>Visual studio code.</a:t>
-            </a:r>
-          </a:p>
-          <a:p>
-            <a:pPr marL="457200" indent="-457200">
-              <a:buFont typeface="+mj-lt"/>
-              <a:buAutoNum type="arabicPeriod"/>
-            </a:pPr>
-            <a:r>
-              <a:rPr lang="en-US" dirty="0" err="1"/>
-              <a:t>Xammp</a:t>
-            </a:r>
-            <a:r>
-              <a:rPr lang="en-US" dirty="0"/>
-              <a:t>. </a:t>
-            </a:r>
+              <a:t>Work done on datasets.</a:t>
+            </a:r>
+          </a:p>
+          <a:p>
+            <a:r>
+              <a:rPr lang="en-IN" dirty="0"/>
+              <a:t>Dataset taken from -</a:t>
+            </a:r>
+            <a:r>
+              <a:rPr lang="en-US" sz="2000" u="sng" dirty="0">
+                <a:solidFill>
+                  <a:srgbClr val="0000FF"/>
+                </a:solidFill>
+                <a:effectLst/>
+                <a:latin typeface="Times New Roman" panose="02020603050405020304" pitchFamily="18" charset="0"/>
+                <a:ea typeface="Calibri" panose="020F0502020204030204" pitchFamily="34" charset="0"/>
+                <a:cs typeface="Times New Roman" panose="02020603050405020304" pitchFamily="18" charset="0"/>
+                <a:hlinkClick r:id="rId2"/>
+              </a:rPr>
+              <a:t>https://power.larc.nasa.gov/data-access-viewer/</a:t>
+            </a:r>
+            <a:r>
+              <a:rPr lang="en-US" sz="2000" dirty="0">
+                <a:effectLst/>
+                <a:latin typeface="Times New Roman" panose="02020603050405020304" pitchFamily="18" charset="0"/>
+                <a:ea typeface="Calibri" panose="020F0502020204030204" pitchFamily="34" charset="0"/>
+              </a:rPr>
+              <a:t> website</a:t>
+            </a:r>
+          </a:p>
+          <a:p>
+            <a:r>
+              <a:rPr lang="en-US" dirty="0">
+                <a:latin typeface="Times New Roman" panose="02020603050405020304" pitchFamily="18" charset="0"/>
+              </a:rPr>
+              <a:t>Provides windspeed, temperature. </a:t>
+            </a:r>
+            <a:endParaRPr lang="en-IN" dirty="0"/>
           </a:p>
           <a:p>
             <a:pPr marL="0" indent="0">
               <a:buNone/>
             </a:pPr>
-            <a:r>
-              <a:rPr lang="en-US" dirty="0"/>
-              <a:t>  </a:t>
-            </a:r>
-          </a:p>
-          <a:p>
-            <a:pPr marL="457200" indent="-457200">
-              <a:buFont typeface="+mj-lt"/>
-              <a:buAutoNum type="arabicPeriod"/>
-            </a:pPr>
             <a:endParaRPr lang="en-IN" dirty="0"/>
           </a:p>
-          <a:p>
-            <a:pPr lvl="1"/>
-            <a:endParaRPr lang="en-IN" dirty="0"/>
-          </a:p>
         </p:txBody>
       </p:sp>
+      <p:pic>
+        <p:nvPicPr>
+          <p:cNvPr id="4" name="Picture 3">
+            <a:extLst>
+              <a:ext uri="{FF2B5EF4-FFF2-40B4-BE49-F238E27FC236}">
+                <a16:creationId xmlns:a16="http://schemas.microsoft.com/office/drawing/2014/main" id="{EC55FBC9-FB57-5B3F-6598-B190082B5721}"/>
+              </a:ext>
+            </a:extLst>
+          </p:cNvPr>
+          <p:cNvPicPr>
+            <a:picLocks noChangeAspect="1"/>
+          </p:cNvPicPr>
+          <p:nvPr/>
+        </p:nvPicPr>
+        <p:blipFill rotWithShape="1">
+          <a:blip r:embed="rId3"/>
+          <a:srcRect l="1922" t="28718" r="55001" b="4957"/>
+          <a:stretch/>
+        </p:blipFill>
+        <p:spPr bwMode="auto">
+          <a:xfrm>
+            <a:off x="6884376" y="1499059"/>
+            <a:ext cx="5146577" cy="4874309"/>
+          </a:xfrm>
+          <a:prstGeom prst="rect">
+            <a:avLst/>
+          </a:prstGeom>
+          <a:ln>
+            <a:noFill/>
+          </a:ln>
+          <a:extLst>
+            <a:ext uri="{53640926-AAD7-44D8-BBD7-CCE9431645EC}">
+              <a14:shadowObscured xmlns:a14="http://schemas.microsoft.com/office/drawing/2010/main"/>
+            </a:ext>
+          </a:extLst>
+        </p:spPr>
+      </p:pic>
     </p:spTree>
     <p:extLst>
       <p:ext uri="{BB962C8B-B14F-4D97-AF65-F5344CB8AC3E}">
-        <p14:creationId xmlns:p14="http://schemas.microsoft.com/office/powerpoint/2010/main" val="3930413091"/>
+        <p14:creationId xmlns:p14="http://schemas.microsoft.com/office/powerpoint/2010/main" val="1867114802"/>
       </p:ext>
     </p:extLst>
   </p:cSld>
@@ -9895,7 +10056,7 @@
           <p:cNvPr id="2" name="Title 1">
             <a:extLst>
               <a:ext uri="{FF2B5EF4-FFF2-40B4-BE49-F238E27FC236}">
-                <a16:creationId xmlns:a16="http://schemas.microsoft.com/office/drawing/2014/main" id="{B00620DD-B69A-06F7-9D44-A582DAEB30DA}"/>
+                <a16:creationId xmlns:a16="http://schemas.microsoft.com/office/drawing/2014/main" id="{D4271991-FF89-444B-A4AE-F924423DE3A8}"/>
               </a:ext>
             </a:extLst>
           </p:cNvPr>
@@ -9906,12 +10067,23 @@
             <p:ph type="title"/>
           </p:nvPr>
         </p:nvSpPr>
-        <p:spPr/>
+        <p:spPr>
+          <a:xfrm>
+            <a:off x="1069848" y="484632"/>
+            <a:ext cx="10058400" cy="781460"/>
+          </a:xfrm>
+        </p:spPr>
         <p:txBody>
-          <a:bodyPr/>
+          <a:bodyPr>
+            <a:normAutofit fontScale="90000"/>
+          </a:bodyPr>
           <a:lstStyle/>
           <a:p>
-            <a:endParaRPr lang="en-IN"/>
+            <a:r>
+              <a:rPr lang="en-US" dirty="0"/>
+              <a:t>Datasets</a:t>
+            </a:r>
+            <a:endParaRPr lang="en-IN" dirty="0"/>
           </a:p>
         </p:txBody>
       </p:sp>
@@ -9920,7 +10092,7 @@
           <p:cNvPr id="3" name="Content Placeholder 2">
             <a:extLst>
               <a:ext uri="{FF2B5EF4-FFF2-40B4-BE49-F238E27FC236}">
-                <a16:creationId xmlns:a16="http://schemas.microsoft.com/office/drawing/2014/main" id="{B806EA49-1E88-8F0B-BE40-C03292E67077}"/>
+                <a16:creationId xmlns:a16="http://schemas.microsoft.com/office/drawing/2014/main" id="{18B1C9AC-C79B-FB8D-2F3F-71FCA5BE3CA2}"/>
               </a:ext>
             </a:extLst>
           </p:cNvPr>
@@ -9931,64 +10103,317 @@
             <p:ph idx="1"/>
           </p:nvPr>
         </p:nvSpPr>
-        <p:spPr/>
+        <p:spPr>
+          <a:xfrm>
+            <a:off x="1066800" y="1371600"/>
+            <a:ext cx="10058400" cy="4484077"/>
+          </a:xfrm>
+        </p:spPr>
         <p:txBody>
           <a:bodyPr/>
           <a:lstStyle/>
           <a:p>
-            <a:pPr marL="0" indent="0">
+            <a:r>
+              <a:rPr lang="en-US" dirty="0">
+                <a:latin typeface="Bookman Old Style" panose="02050604050505020204" pitchFamily="18" charset="0"/>
+              </a:rPr>
+              <a:t>Sources:</a:t>
+            </a:r>
+          </a:p>
+          <a:p>
+            <a:pPr lvl="1">
+              <a:lnSpc>
+                <a:spcPct val="150000"/>
+              </a:lnSpc>
+            </a:pPr>
+            <a:r>
+              <a:rPr lang="en-US" b="1" i="0" dirty="0">
+                <a:solidFill>
+                  <a:srgbClr val="202124"/>
+                </a:solidFill>
+                <a:effectLst/>
+                <a:latin typeface="Bookman Old Style" panose="02050604050505020204" pitchFamily="18" charset="0"/>
+              </a:rPr>
+              <a:t>DATASET - Images of mechanical parts (Bolt, Nut, Washer, Pin) </a:t>
+            </a:r>
+            <a:r>
+              <a:rPr lang="en-US" sz="1400" dirty="0">
+                <a:latin typeface="Bookman Old Style" panose="02050604050505020204" pitchFamily="18" charset="0"/>
+                <a:hlinkClick r:id="rId2"/>
+              </a:rPr>
+              <a:t>https://www.kaggle.com/datasets/manikantanrnair/images-of-mechanical-parts-boltnut-washerpin</a:t>
+            </a:r>
+            <a:r>
+              <a:rPr lang="en-US" sz="1400" dirty="0">
+                <a:latin typeface="Bookman Old Style" panose="02050604050505020204" pitchFamily="18" charset="0"/>
+              </a:rPr>
+              <a:t> </a:t>
+            </a:r>
+          </a:p>
+          <a:p>
+            <a:pPr marL="274320" lvl="1" indent="0">
               <a:buNone/>
             </a:pPr>
-            <a:r>
-              <a:rPr lang="en-IN" dirty="0"/>
-              <a:t>Hardware Requirements:</a:t>
-            </a:r>
-          </a:p>
-          <a:p>
-            <a:pPr marL="457200" indent="-457200">
-              <a:buFont typeface="+mj-lt"/>
-              <a:buAutoNum type="arabicPeriod"/>
-            </a:pPr>
-            <a:r>
-              <a:rPr lang="en-IN" dirty="0"/>
-              <a:t>4 GB RAM minimum, 8 GB RAM recommended</a:t>
-            </a:r>
-          </a:p>
-          <a:p>
-            <a:pPr marL="457200" indent="-457200">
-              <a:buFont typeface="+mj-lt"/>
-              <a:buAutoNum type="arabicPeriod"/>
-            </a:pPr>
-            <a:r>
-              <a:rPr lang="en-IN" dirty="0"/>
-              <a:t>2 GB of available disk space minimum,</a:t>
-            </a:r>
-          </a:p>
-          <a:p>
-            <a:pPr marL="457200" indent="-457200">
-              <a:buFont typeface="+mj-lt"/>
-              <a:buAutoNum type="arabicPeriod"/>
-            </a:pPr>
-            <a:r>
-              <a:rPr lang="en-IN" dirty="0"/>
-              <a:t>4 GB Recommended (500 MB for IDE + 1.5 GB for Android SDK and emulator system image)</a:t>
-            </a:r>
-          </a:p>
-          <a:p>
-            <a:pPr marL="457200" indent="-457200">
-              <a:buFont typeface="+mj-lt"/>
-              <a:buAutoNum type="arabicPeriod"/>
-            </a:pPr>
-            <a:r>
-              <a:rPr lang="en-IN" dirty="0"/>
-              <a:t>1280 x 800 minimum screen resolution</a:t>
-            </a:r>
-          </a:p>
-          <a:p>
-            <a:pPr marL="457200" indent="-457200">
-              <a:buFont typeface="+mj-lt"/>
-              <a:buAutoNum type="arabicPeriod"/>
-            </a:pPr>
+            <a:endParaRPr lang="en-US" b="1" dirty="0"/>
+          </a:p>
+        </p:txBody>
+      </p:sp>
+      <p:pic>
+        <p:nvPicPr>
+          <p:cNvPr id="6" name="Picture 5">
+            <a:extLst>
+              <a:ext uri="{FF2B5EF4-FFF2-40B4-BE49-F238E27FC236}">
+                <a16:creationId xmlns:a16="http://schemas.microsoft.com/office/drawing/2014/main" id="{1C4A4CB5-6A1F-C2D1-8D5C-2F4628CAB704}"/>
+              </a:ext>
+            </a:extLst>
+          </p:cNvPr>
+          <p:cNvPicPr>
+            <a:picLocks noChangeAspect="1"/>
+          </p:cNvPicPr>
+          <p:nvPr/>
+        </p:nvPicPr>
+        <p:blipFill rotWithShape="1">
+          <a:blip r:embed="rId3"/>
+          <a:srcRect l="9559" t="16340" r="2647" b="1438"/>
+          <a:stretch/>
+        </p:blipFill>
+        <p:spPr>
+          <a:xfrm>
+            <a:off x="932331" y="2987690"/>
+            <a:ext cx="2841884" cy="1497106"/>
+          </a:xfrm>
+          <a:prstGeom prst="rect">
+            <a:avLst/>
+          </a:prstGeom>
+        </p:spPr>
+      </p:pic>
+      <p:sp>
+        <p:nvSpPr>
+          <p:cNvPr id="7" name="TextBox 6">
+            <a:extLst>
+              <a:ext uri="{FF2B5EF4-FFF2-40B4-BE49-F238E27FC236}">
+                <a16:creationId xmlns:a16="http://schemas.microsoft.com/office/drawing/2014/main" id="{1F8A0EBC-12A4-3F04-93E4-7C5810B80345}"/>
+              </a:ext>
+            </a:extLst>
+          </p:cNvPr>
+          <p:cNvSpPr txBox="1"/>
+          <p:nvPr/>
+        </p:nvSpPr>
+        <p:spPr>
+          <a:xfrm>
+            <a:off x="2008094" y="4616238"/>
+            <a:ext cx="1335741" cy="369332"/>
+          </a:xfrm>
+          <a:prstGeom prst="rect">
+            <a:avLst/>
+          </a:prstGeom>
+          <a:noFill/>
+        </p:spPr>
+        <p:txBody>
+          <a:bodyPr wrap="square" rtlCol="0">
+            <a:spAutoFit/>
+          </a:bodyPr>
+          <a:lstStyle/>
+          <a:p>
+            <a:r>
+              <a:rPr lang="en-US" dirty="0"/>
+              <a:t>Bolts</a:t>
+            </a:r>
+            <a:endParaRPr lang="en-IN" dirty="0"/>
+          </a:p>
+        </p:txBody>
+      </p:sp>
+      <p:pic>
+        <p:nvPicPr>
+          <p:cNvPr id="9" name="Picture 8">
+            <a:extLst>
+              <a:ext uri="{FF2B5EF4-FFF2-40B4-BE49-F238E27FC236}">
+                <a16:creationId xmlns:a16="http://schemas.microsoft.com/office/drawing/2014/main" id="{0136141D-22B4-43B1-8490-119561AAEA0E}"/>
+              </a:ext>
+            </a:extLst>
+          </p:cNvPr>
+          <p:cNvPicPr>
+            <a:picLocks noChangeAspect="1"/>
+          </p:cNvPicPr>
+          <p:nvPr/>
+        </p:nvPicPr>
+        <p:blipFill rotWithShape="1">
+          <a:blip r:embed="rId4"/>
+          <a:srcRect l="9706" t="15949" r="2573" b="1568"/>
+          <a:stretch/>
+        </p:blipFill>
+        <p:spPr>
+          <a:xfrm>
+            <a:off x="4338916" y="3012141"/>
+            <a:ext cx="2830503" cy="1497106"/>
+          </a:xfrm>
+          <a:prstGeom prst="rect">
+            <a:avLst/>
+          </a:prstGeom>
+        </p:spPr>
+      </p:pic>
+      <p:sp>
+        <p:nvSpPr>
+          <p:cNvPr id="10" name="TextBox 9">
+            <a:extLst>
+              <a:ext uri="{FF2B5EF4-FFF2-40B4-BE49-F238E27FC236}">
+                <a16:creationId xmlns:a16="http://schemas.microsoft.com/office/drawing/2014/main" id="{B7650581-4B9A-C3CB-52D2-636683B22540}"/>
+              </a:ext>
+            </a:extLst>
+          </p:cNvPr>
+          <p:cNvSpPr txBox="1"/>
+          <p:nvPr/>
+        </p:nvSpPr>
+        <p:spPr>
+          <a:xfrm>
+            <a:off x="5134431" y="4628464"/>
+            <a:ext cx="1335741" cy="369332"/>
+          </a:xfrm>
+          <a:prstGeom prst="rect">
+            <a:avLst/>
+          </a:prstGeom>
+          <a:noFill/>
+        </p:spPr>
+        <p:txBody>
+          <a:bodyPr wrap="square" rtlCol="0">
+            <a:spAutoFit/>
+          </a:bodyPr>
+          <a:lstStyle/>
+          <a:p>
+            <a:r>
+              <a:rPr lang="en-US" dirty="0"/>
+              <a:t>Washer</a:t>
+            </a:r>
+            <a:endParaRPr lang="en-IN" dirty="0"/>
+          </a:p>
+        </p:txBody>
+      </p:sp>
+      <p:pic>
+        <p:nvPicPr>
+          <p:cNvPr id="12" name="Picture 11">
+            <a:extLst>
+              <a:ext uri="{FF2B5EF4-FFF2-40B4-BE49-F238E27FC236}">
+                <a16:creationId xmlns:a16="http://schemas.microsoft.com/office/drawing/2014/main" id="{3A7EDFC0-4525-1DE3-8779-4706DF83F5DA}"/>
+              </a:ext>
+            </a:extLst>
+          </p:cNvPr>
+          <p:cNvPicPr>
+            <a:picLocks noChangeAspect="1"/>
+          </p:cNvPicPr>
+          <p:nvPr/>
+        </p:nvPicPr>
+        <p:blipFill rotWithShape="1">
+          <a:blip r:embed="rId5"/>
+          <a:srcRect l="9779" t="18462" r="2207" b="1568"/>
+          <a:stretch/>
+        </p:blipFill>
+        <p:spPr>
+          <a:xfrm>
+            <a:off x="7937489" y="2987690"/>
+            <a:ext cx="3003933" cy="1535266"/>
+          </a:xfrm>
+          <a:prstGeom prst="rect">
+            <a:avLst/>
+          </a:prstGeom>
+        </p:spPr>
+      </p:pic>
+      <p:sp>
+        <p:nvSpPr>
+          <p:cNvPr id="13" name="TextBox 12">
+            <a:extLst>
+              <a:ext uri="{FF2B5EF4-FFF2-40B4-BE49-F238E27FC236}">
+                <a16:creationId xmlns:a16="http://schemas.microsoft.com/office/drawing/2014/main" id="{8115098A-45B1-914D-0098-5EF0E87729E6}"/>
+              </a:ext>
+            </a:extLst>
+          </p:cNvPr>
+          <p:cNvSpPr txBox="1"/>
+          <p:nvPr/>
+        </p:nvSpPr>
+        <p:spPr>
+          <a:xfrm>
+            <a:off x="9107762" y="4622175"/>
+            <a:ext cx="1335741" cy="369332"/>
+          </a:xfrm>
+          <a:prstGeom prst="rect">
+            <a:avLst/>
+          </a:prstGeom>
+          <a:noFill/>
+        </p:spPr>
+        <p:txBody>
+          <a:bodyPr wrap="square" rtlCol="0">
+            <a:spAutoFit/>
+          </a:bodyPr>
+          <a:lstStyle/>
+          <a:p>
+            <a:r>
+              <a:rPr lang="en-US" dirty="0"/>
+              <a:t>Nuts</a:t>
+            </a:r>
+            <a:endParaRPr lang="en-IN" dirty="0"/>
+          </a:p>
+        </p:txBody>
+      </p:sp>
+      <p:pic>
+        <p:nvPicPr>
+          <p:cNvPr id="15" name="Picture 14">
+            <a:extLst>
+              <a:ext uri="{FF2B5EF4-FFF2-40B4-BE49-F238E27FC236}">
+                <a16:creationId xmlns:a16="http://schemas.microsoft.com/office/drawing/2014/main" id="{8413B6EF-9FAA-876A-61BC-06C2CDF4947B}"/>
+              </a:ext>
+            </a:extLst>
+          </p:cNvPr>
+          <p:cNvPicPr>
+            <a:picLocks noChangeAspect="1"/>
+          </p:cNvPicPr>
+          <p:nvPr/>
+        </p:nvPicPr>
+        <p:blipFill rotWithShape="1">
+          <a:blip r:embed="rId6"/>
+          <a:srcRect l="10367" t="18462" r="3309" b="1961"/>
+          <a:stretch/>
+        </p:blipFill>
+        <p:spPr>
+          <a:xfrm>
+            <a:off x="2268071" y="5200226"/>
+            <a:ext cx="2528047" cy="1310901"/>
+          </a:xfrm>
+          <a:prstGeom prst="rect">
+            <a:avLst/>
+          </a:prstGeom>
+        </p:spPr>
+      </p:pic>
+      <p:sp>
+        <p:nvSpPr>
+          <p:cNvPr id="16" name="TextBox 15">
+            <a:extLst>
+              <a:ext uri="{FF2B5EF4-FFF2-40B4-BE49-F238E27FC236}">
+                <a16:creationId xmlns:a16="http://schemas.microsoft.com/office/drawing/2014/main" id="{01EC4948-8C22-230C-CF91-472F18695CF3}"/>
+              </a:ext>
+            </a:extLst>
+          </p:cNvPr>
+          <p:cNvSpPr txBox="1"/>
+          <p:nvPr/>
+        </p:nvSpPr>
+        <p:spPr>
+          <a:xfrm>
+            <a:off x="5134431" y="5756523"/>
+            <a:ext cx="1821424" cy="369332"/>
+          </a:xfrm>
+          <a:prstGeom prst="rect">
+            <a:avLst/>
+          </a:prstGeom>
+          <a:noFill/>
+        </p:spPr>
+        <p:txBody>
+          <a:bodyPr wrap="square" rtlCol="0">
+            <a:spAutoFit/>
+          </a:bodyPr>
+          <a:lstStyle/>
+          <a:p>
+            <a:r>
+              <a:rPr lang="en-US" dirty="0"/>
+              <a:t>Locating Pin</a:t>
+            </a:r>
             <a:endParaRPr lang="en-IN" dirty="0"/>
           </a:p>
         </p:txBody>
@@ -9996,7 +10421,7 @@
     </p:spTree>
     <p:extLst>
       <p:ext uri="{BB962C8B-B14F-4D97-AF65-F5344CB8AC3E}">
-        <p14:creationId xmlns:p14="http://schemas.microsoft.com/office/powerpoint/2010/main" val="3034760654"/>
+        <p14:creationId xmlns:p14="http://schemas.microsoft.com/office/powerpoint/2010/main" val="667155574"/>
       </p:ext>
     </p:extLst>
   </p:cSld>
@@ -10080,15 +10505,112 @@
             <p:ph idx="1"/>
           </p:nvPr>
         </p:nvSpPr>
-        <p:spPr/>
+        <p:spPr>
+          <a:xfrm>
+            <a:off x="465991" y="2121408"/>
+            <a:ext cx="7376747" cy="4050792"/>
+          </a:xfrm>
+        </p:spPr>
         <p:txBody>
-          <a:bodyPr/>
+          <a:bodyPr>
+            <a:normAutofit/>
+          </a:bodyPr>
           <a:lstStyle/>
           <a:p>
-            <a:endParaRPr lang="en-IN" dirty="0"/>
+            <a:r>
+              <a:rPr lang="en-US" dirty="0" err="1"/>
+              <a:t>Anemos</a:t>
+            </a:r>
+            <a:r>
+              <a:rPr lang="en-US" dirty="0"/>
+              <a:t> Energies Pvt Ltd (AEPL) founded in 2016.</a:t>
+            </a:r>
+          </a:p>
+          <a:p>
+            <a:r>
+              <a:rPr lang="en-US" dirty="0"/>
+              <a:t>Strong wind energy fundamentals, sophisticated technology, precise manufacturing, and stringent quality controls</a:t>
+            </a:r>
+          </a:p>
+          <a:p>
+            <a:r>
+              <a:rPr lang="en-US" dirty="0"/>
+              <a:t>Delivers powerful and aggressively priced wind energy solution</a:t>
+            </a:r>
+          </a:p>
+          <a:p>
+            <a:r>
+              <a:rPr lang="en-US" dirty="0"/>
+              <a:t>Global team with European and Asian members. </a:t>
+            </a:r>
+          </a:p>
+          <a:p>
+            <a:r>
+              <a:rPr lang="en-US" dirty="0"/>
+              <a:t>Research team in China for over a decade for cost-effective testing</a:t>
+            </a:r>
+          </a:p>
+          <a:p>
+            <a:r>
+              <a:rPr lang="en-US" dirty="0"/>
+              <a:t>Diverse team provides edge in delivering high-tech wind turbine at affordable price point</a:t>
+            </a:r>
+          </a:p>
+          <a:p>
+            <a:r>
+              <a:rPr lang="en-US" dirty="0"/>
+              <a:t>Goal: make clean renewable energy universally accessible.</a:t>
+            </a:r>
           </a:p>
         </p:txBody>
       </p:sp>
+      <p:pic>
+        <p:nvPicPr>
+          <p:cNvPr id="4" name="Picture 2" descr="C:\Users\FIRE FIST ACE\Downloads\edited-01-min-1400x500.jpg">
+            <a:extLst>
+              <a:ext uri="{FF2B5EF4-FFF2-40B4-BE49-F238E27FC236}">
+                <a16:creationId xmlns:a16="http://schemas.microsoft.com/office/drawing/2014/main" id="{1DF36FE7-42D5-53D7-31E6-555421481C3E}"/>
+              </a:ext>
+            </a:extLst>
+          </p:cNvPr>
+          <p:cNvPicPr>
+            <a:picLocks noChangeAspect="1" noChangeArrowheads="1"/>
+          </p:cNvPicPr>
+          <p:nvPr/>
+        </p:nvPicPr>
+        <p:blipFill>
+          <a:blip r:embed="rId2">
+            <a:extLst>
+              <a:ext uri="{28A0092B-C50C-407E-A947-70E740481C1C}">
+                <a14:useLocalDpi xmlns:a14="http://schemas.microsoft.com/office/drawing/2010/main" val="0"/>
+              </a:ext>
+            </a:extLst>
+          </a:blip>
+          <a:srcRect/>
+          <a:stretch>
+            <a:fillRect/>
+          </a:stretch>
+        </p:blipFill>
+        <p:spPr bwMode="auto">
+          <a:xfrm>
+            <a:off x="7614138" y="2699239"/>
+            <a:ext cx="4317024" cy="2064786"/>
+          </a:xfrm>
+          <a:prstGeom prst="rect">
+            <a:avLst/>
+          </a:prstGeom>
+          <a:noFill/>
+          <a:extLst>
+            <a:ext uri="{909E8E84-426E-40DD-AFC4-6F175D3DCCD1}">
+              <a14:hiddenFill xmlns:a14="http://schemas.microsoft.com/office/drawing/2010/main">
+                <a:solidFill>
+                  <a:srgbClr val="FFFFFF"/>
+                </a:solidFill>
+              </a14:hiddenFill>
+            </a:ext>
+          </a:extLst>
+        </p:spPr>
+      </p:pic>
     </p:spTree>
     <p:extLst>
       <p:ext uri="{BB962C8B-B14F-4D97-AF65-F5344CB8AC3E}">
@@ -10115,6 +10637,326 @@
 </file>
 
 <file path=ppt/slides/slide30.xml><?xml version="1.0" encoding="utf-8"?>
+<p:sld xmlns:a="http://schemas.openxmlformats.org/drawingml/2006/main" xmlns:r="http://schemas.openxmlformats.org/officeDocument/2006/relationships" xmlns:p="http://schemas.openxmlformats.org/presentationml/2006/main">
+  <p:cSld>
+    <p:spTree>
+      <p:nvGrpSpPr>
+        <p:cNvPr id="1" name=""/>
+        <p:cNvGrpSpPr/>
+        <p:nvPr/>
+      </p:nvGrpSpPr>
+      <p:grpSpPr>
+        <a:xfrm>
+          <a:off x="0" y="0"/>
+          <a:ext cx="0" cy="0"/>
+          <a:chOff x="0" y="0"/>
+          <a:chExt cx="0" cy="0"/>
+        </a:xfrm>
+      </p:grpSpPr>
+      <p:sp>
+        <p:nvSpPr>
+          <p:cNvPr id="2" name="Title 1">
+            <a:extLst>
+              <a:ext uri="{FF2B5EF4-FFF2-40B4-BE49-F238E27FC236}">
+                <a16:creationId xmlns:a16="http://schemas.microsoft.com/office/drawing/2014/main" id="{E7B8C438-24E4-B659-300F-A3770992E573}"/>
+              </a:ext>
+            </a:extLst>
+          </p:cNvPr>
+          <p:cNvSpPr>
+            <a:spLocks noGrp="1"/>
+          </p:cNvSpPr>
+          <p:nvPr>
+            <p:ph type="title"/>
+          </p:nvPr>
+        </p:nvSpPr>
+        <p:spPr/>
+        <p:txBody>
+          <a:bodyPr/>
+          <a:lstStyle/>
+          <a:p>
+            <a:r>
+              <a:rPr lang="en-IN" dirty="0"/>
+              <a:t>Software &amp; hardware requirements.</a:t>
+            </a:r>
+          </a:p>
+        </p:txBody>
+      </p:sp>
+      <p:sp>
+        <p:nvSpPr>
+          <p:cNvPr id="3" name="Content Placeholder 2">
+            <a:extLst>
+              <a:ext uri="{FF2B5EF4-FFF2-40B4-BE49-F238E27FC236}">
+                <a16:creationId xmlns:a16="http://schemas.microsoft.com/office/drawing/2014/main" id="{2A9FF396-4D9E-9D4B-409A-EDC6CA1C96CD}"/>
+              </a:ext>
+            </a:extLst>
+          </p:cNvPr>
+          <p:cNvSpPr>
+            <a:spLocks noGrp="1"/>
+          </p:cNvSpPr>
+          <p:nvPr>
+            <p:ph idx="1"/>
+          </p:nvPr>
+        </p:nvSpPr>
+        <p:spPr/>
+        <p:txBody>
+          <a:bodyPr/>
+          <a:lstStyle/>
+          <a:p>
+            <a:pPr marL="0" indent="0">
+              <a:buNone/>
+            </a:pPr>
+            <a:r>
+              <a:rPr lang="en-IN" dirty="0"/>
+              <a:t>Software: </a:t>
+            </a:r>
+          </a:p>
+          <a:p>
+            <a:pPr marL="457200" indent="-457200">
+              <a:buFont typeface="+mj-lt"/>
+              <a:buAutoNum type="arabicPeriod"/>
+            </a:pPr>
+            <a:r>
+              <a:rPr lang="en-US" dirty="0"/>
+              <a:t>Windows:</a:t>
+            </a:r>
+          </a:p>
+          <a:p>
+            <a:pPr marL="457200" indent="-457200">
+              <a:buFont typeface="+mj-lt"/>
+              <a:buAutoNum type="arabicPeriod"/>
+            </a:pPr>
+            <a:r>
+              <a:rPr lang="en-US" dirty="0"/>
+              <a:t>Microsoft® Windows® 7/8/10 (64-bit)</a:t>
+            </a:r>
+          </a:p>
+          <a:p>
+            <a:pPr marL="457200" indent="-457200">
+              <a:buFont typeface="+mj-lt"/>
+              <a:buAutoNum type="arabicPeriod"/>
+            </a:pPr>
+            <a:r>
+              <a:rPr lang="en-US" dirty="0"/>
+              <a:t>Android studio.</a:t>
+            </a:r>
+          </a:p>
+          <a:p>
+            <a:pPr marL="457200" indent="-457200">
+              <a:buFont typeface="+mj-lt"/>
+              <a:buAutoNum type="arabicPeriod"/>
+            </a:pPr>
+            <a:r>
+              <a:rPr lang="en-US" dirty="0"/>
+              <a:t>Visual studio code.</a:t>
+            </a:r>
+          </a:p>
+          <a:p>
+            <a:pPr marL="457200" indent="-457200">
+              <a:buFont typeface="+mj-lt"/>
+              <a:buAutoNum type="arabicPeriod"/>
+            </a:pPr>
+            <a:r>
+              <a:rPr lang="en-US" dirty="0" err="1"/>
+              <a:t>Xammp</a:t>
+            </a:r>
+            <a:r>
+              <a:rPr lang="en-US" dirty="0"/>
+              <a:t>. </a:t>
+            </a:r>
+          </a:p>
+          <a:p>
+            <a:pPr marL="0" indent="0">
+              <a:buNone/>
+            </a:pPr>
+            <a:r>
+              <a:rPr lang="en-US" dirty="0"/>
+              <a:t>  </a:t>
+            </a:r>
+          </a:p>
+          <a:p>
+            <a:pPr marL="457200" indent="-457200">
+              <a:buFont typeface="+mj-lt"/>
+              <a:buAutoNum type="arabicPeriod"/>
+            </a:pPr>
+            <a:endParaRPr lang="en-IN" dirty="0"/>
+          </a:p>
+          <a:p>
+            <a:pPr lvl="1"/>
+            <a:endParaRPr lang="en-IN" dirty="0"/>
+          </a:p>
+        </p:txBody>
+      </p:sp>
+    </p:spTree>
+    <p:extLst>
+      <p:ext uri="{BB962C8B-B14F-4D97-AF65-F5344CB8AC3E}">
+        <p14:creationId xmlns:p14="http://schemas.microsoft.com/office/powerpoint/2010/main" val="3930413091"/>
+      </p:ext>
+    </p:extLst>
+  </p:cSld>
+  <p:clrMapOvr>
+    <a:masterClrMapping/>
+  </p:clrMapOvr>
+  <mc:AlternateContent xmlns:mc="http://schemas.openxmlformats.org/markup-compatibility/2006" xmlns:p14="http://schemas.microsoft.com/office/powerpoint/2010/main">
+    <mc:Choice Requires="p14">
+      <p:transition spd="med" p14:dur="700">
+        <p:fade/>
+      </p:transition>
+    </mc:Choice>
+    <mc:Fallback xmlns="">
+      <p:transition spd="med">
+        <p:fade/>
+      </p:transition>
+    </mc:Fallback>
+  </mc:AlternateContent>
+</p:sld>
+</file>
+
+<file path=ppt/slides/slide31.xml><?xml version="1.0" encoding="utf-8"?>
+<p:sld xmlns:a="http://schemas.openxmlformats.org/drawingml/2006/main" xmlns:r="http://schemas.openxmlformats.org/officeDocument/2006/relationships" xmlns:p="http://schemas.openxmlformats.org/presentationml/2006/main">
+  <p:cSld>
+    <p:spTree>
+      <p:nvGrpSpPr>
+        <p:cNvPr id="1" name=""/>
+        <p:cNvGrpSpPr/>
+        <p:nvPr/>
+      </p:nvGrpSpPr>
+      <p:grpSpPr>
+        <a:xfrm>
+          <a:off x="0" y="0"/>
+          <a:ext cx="0" cy="0"/>
+          <a:chOff x="0" y="0"/>
+          <a:chExt cx="0" cy="0"/>
+        </a:xfrm>
+      </p:grpSpPr>
+      <p:sp>
+        <p:nvSpPr>
+          <p:cNvPr id="2" name="Title 1">
+            <a:extLst>
+              <a:ext uri="{FF2B5EF4-FFF2-40B4-BE49-F238E27FC236}">
+                <a16:creationId xmlns:a16="http://schemas.microsoft.com/office/drawing/2014/main" id="{B00620DD-B69A-06F7-9D44-A582DAEB30DA}"/>
+              </a:ext>
+            </a:extLst>
+          </p:cNvPr>
+          <p:cNvSpPr>
+            <a:spLocks noGrp="1"/>
+          </p:cNvSpPr>
+          <p:nvPr>
+            <p:ph type="title"/>
+          </p:nvPr>
+        </p:nvSpPr>
+        <p:spPr/>
+        <p:txBody>
+          <a:bodyPr/>
+          <a:lstStyle/>
+          <a:p>
+            <a:endParaRPr lang="en-IN"/>
+          </a:p>
+        </p:txBody>
+      </p:sp>
+      <p:sp>
+        <p:nvSpPr>
+          <p:cNvPr id="3" name="Content Placeholder 2">
+            <a:extLst>
+              <a:ext uri="{FF2B5EF4-FFF2-40B4-BE49-F238E27FC236}">
+                <a16:creationId xmlns:a16="http://schemas.microsoft.com/office/drawing/2014/main" id="{B806EA49-1E88-8F0B-BE40-C03292E67077}"/>
+              </a:ext>
+            </a:extLst>
+          </p:cNvPr>
+          <p:cNvSpPr>
+            <a:spLocks noGrp="1"/>
+          </p:cNvSpPr>
+          <p:nvPr>
+            <p:ph idx="1"/>
+          </p:nvPr>
+        </p:nvSpPr>
+        <p:spPr/>
+        <p:txBody>
+          <a:bodyPr/>
+          <a:lstStyle/>
+          <a:p>
+            <a:pPr marL="0" indent="0">
+              <a:buNone/>
+            </a:pPr>
+            <a:r>
+              <a:rPr lang="en-IN" dirty="0"/>
+              <a:t>Hardware Requirements:</a:t>
+            </a:r>
+          </a:p>
+          <a:p>
+            <a:pPr marL="457200" indent="-457200">
+              <a:buFont typeface="+mj-lt"/>
+              <a:buAutoNum type="arabicPeriod"/>
+            </a:pPr>
+            <a:r>
+              <a:rPr lang="en-IN" dirty="0"/>
+              <a:t>4 GB RAM minimum, 8 GB RAM recommended</a:t>
+            </a:r>
+          </a:p>
+          <a:p>
+            <a:pPr marL="457200" indent="-457200">
+              <a:buFont typeface="+mj-lt"/>
+              <a:buAutoNum type="arabicPeriod"/>
+            </a:pPr>
+            <a:r>
+              <a:rPr lang="en-IN" dirty="0"/>
+              <a:t>2 GB of available disk space minimum,</a:t>
+            </a:r>
+          </a:p>
+          <a:p>
+            <a:pPr marL="457200" indent="-457200">
+              <a:buFont typeface="+mj-lt"/>
+              <a:buAutoNum type="arabicPeriod"/>
+            </a:pPr>
+            <a:r>
+              <a:rPr lang="en-IN" dirty="0"/>
+              <a:t>4 GB Recommended (500 MB for IDE + 1.5 GB for Android SDK and emulator system image)</a:t>
+            </a:r>
+          </a:p>
+          <a:p>
+            <a:pPr marL="457200" indent="-457200">
+              <a:buFont typeface="+mj-lt"/>
+              <a:buAutoNum type="arabicPeriod"/>
+            </a:pPr>
+            <a:r>
+              <a:rPr lang="en-IN" dirty="0"/>
+              <a:t>1280 x 800 minimum screen resolution</a:t>
+            </a:r>
+          </a:p>
+          <a:p>
+            <a:pPr marL="457200" indent="-457200">
+              <a:buFont typeface="+mj-lt"/>
+              <a:buAutoNum type="arabicPeriod"/>
+            </a:pPr>
+            <a:endParaRPr lang="en-IN" dirty="0"/>
+          </a:p>
+        </p:txBody>
+      </p:sp>
+    </p:spTree>
+    <p:extLst>
+      <p:ext uri="{BB962C8B-B14F-4D97-AF65-F5344CB8AC3E}">
+        <p14:creationId xmlns:p14="http://schemas.microsoft.com/office/powerpoint/2010/main" val="3034760654"/>
+      </p:ext>
+    </p:extLst>
+  </p:cSld>
+  <p:clrMapOvr>
+    <a:masterClrMapping/>
+  </p:clrMapOvr>
+  <mc:AlternateContent xmlns:mc="http://schemas.openxmlformats.org/markup-compatibility/2006" xmlns:p14="http://schemas.microsoft.com/office/powerpoint/2010/main">
+    <mc:Choice Requires="p14">
+      <p:transition spd="med" p14:dur="700">
+        <p:fade/>
+      </p:transition>
+    </mc:Choice>
+    <mc:Fallback xmlns="">
+      <p:transition spd="med">
+        <p:fade/>
+      </p:transition>
+    </mc:Fallback>
+  </mc:AlternateContent>
+</p:sld>
+</file>
+
+<file path=ppt/slides/slide32.xml><?xml version="1.0" encoding="utf-8"?>
 <p:sld xmlns:a="http://schemas.openxmlformats.org/drawingml/2006/main" xmlns:r="http://schemas.openxmlformats.org/officeDocument/2006/relationships" xmlns:p="http://schemas.openxmlformats.org/presentationml/2006/main">
   <p:cSld>
     <p:spTree>
@@ -10315,7 +11157,7 @@
 </p:sld>
 </file>
 
-<file path=ppt/slides/slide31.xml><?xml version="1.0" encoding="utf-8"?>
+<file path=ppt/slides/slide33.xml><?xml version="1.0" encoding="utf-8"?>
 <p:sld xmlns:a="http://schemas.openxmlformats.org/drawingml/2006/main" xmlns:r="http://schemas.openxmlformats.org/officeDocument/2006/relationships" xmlns:p="http://schemas.openxmlformats.org/presentationml/2006/main">
   <p:cSld>
     <p:spTree>
@@ -10534,7 +11376,103 @@
 </p:sld>
 </file>
 
-<file path=ppt/slides/slide32.xml><?xml version="1.0" encoding="utf-8"?>
+<file path=ppt/slides/slide34.xml><?xml version="1.0" encoding="utf-8"?>
+<p:sld xmlns:a="http://schemas.openxmlformats.org/drawingml/2006/main" xmlns:r="http://schemas.openxmlformats.org/officeDocument/2006/relationships" xmlns:p="http://schemas.openxmlformats.org/presentationml/2006/main">
+  <p:cSld>
+    <p:spTree>
+      <p:nvGrpSpPr>
+        <p:cNvPr id="1" name=""/>
+        <p:cNvGrpSpPr/>
+        <p:nvPr/>
+      </p:nvGrpSpPr>
+      <p:grpSpPr>
+        <a:xfrm>
+          <a:off x="0" y="0"/>
+          <a:ext cx="0" cy="0"/>
+          <a:chOff x="0" y="0"/>
+          <a:chExt cx="0" cy="0"/>
+        </a:xfrm>
+      </p:grpSpPr>
+      <p:sp>
+        <p:nvSpPr>
+          <p:cNvPr id="2" name="Title 1">
+            <a:extLst>
+              <a:ext uri="{FF2B5EF4-FFF2-40B4-BE49-F238E27FC236}">
+                <a16:creationId xmlns:a16="http://schemas.microsoft.com/office/drawing/2014/main" id="{470712FF-A879-9BFB-204A-791B7BDA9B72}"/>
+              </a:ext>
+            </a:extLst>
+          </p:cNvPr>
+          <p:cNvSpPr>
+            <a:spLocks noGrp="1"/>
+          </p:cNvSpPr>
+          <p:nvPr>
+            <p:ph type="title"/>
+          </p:nvPr>
+        </p:nvSpPr>
+        <p:spPr/>
+        <p:txBody>
+          <a:bodyPr/>
+          <a:lstStyle/>
+          <a:p>
+            <a:r>
+              <a:rPr lang="en-US" dirty="0"/>
+              <a:t>Login with session tokens.</a:t>
+            </a:r>
+            <a:endParaRPr lang="en-IN" dirty="0"/>
+          </a:p>
+        </p:txBody>
+      </p:sp>
+      <p:sp>
+        <p:nvSpPr>
+          <p:cNvPr id="3" name="Content Placeholder 2">
+            <a:extLst>
+              <a:ext uri="{FF2B5EF4-FFF2-40B4-BE49-F238E27FC236}">
+                <a16:creationId xmlns:a16="http://schemas.microsoft.com/office/drawing/2014/main" id="{71325349-4A26-6F6F-1A53-7A24A592CDFE}"/>
+              </a:ext>
+            </a:extLst>
+          </p:cNvPr>
+          <p:cNvSpPr>
+            <a:spLocks noGrp="1"/>
+          </p:cNvSpPr>
+          <p:nvPr>
+            <p:ph idx="1"/>
+          </p:nvPr>
+        </p:nvSpPr>
+        <p:spPr/>
+        <p:txBody>
+          <a:bodyPr/>
+          <a:lstStyle/>
+          <a:p>
+            <a:endParaRPr lang="en-IN"/>
+          </a:p>
+        </p:txBody>
+      </p:sp>
+    </p:spTree>
+    <p:extLst>
+      <p:ext uri="{BB962C8B-B14F-4D97-AF65-F5344CB8AC3E}">
+        <p14:creationId xmlns:p14="http://schemas.microsoft.com/office/powerpoint/2010/main" val="2292661749"/>
+      </p:ext>
+    </p:extLst>
+  </p:cSld>
+  <p:clrMapOvr>
+    <a:masterClrMapping/>
+  </p:clrMapOvr>
+  <mc:AlternateContent xmlns:mc="http://schemas.openxmlformats.org/markup-compatibility/2006" xmlns:p14="http://schemas.microsoft.com/office/powerpoint/2010/main">
+    <mc:Choice Requires="p14">
+      <p:transition spd="med" p14:dur="700">
+        <p:fade/>
+      </p:transition>
+    </mc:Choice>
+    <mc:Fallback xmlns="">
+      <p:transition spd="med">
+        <p:fade/>
+      </p:transition>
+    </mc:Fallback>
+  </mc:AlternateContent>
+</p:sld>
+</file>
+
+<file path=ppt/slides/slide35.xml><?xml version="1.0" encoding="utf-8"?>
 <p:sld xmlns:a="http://schemas.openxmlformats.org/drawingml/2006/main" xmlns:r="http://schemas.openxmlformats.org/officeDocument/2006/relationships" xmlns:p="http://schemas.openxmlformats.org/presentationml/2006/main">
   <p:cSld>
     <p:spTree>
@@ -10800,7 +11738,7 @@
 </p:sld>
 </file>
 
-<file path=ppt/slides/slide33.xml><?xml version="1.0" encoding="utf-8"?>
+<file path=ppt/slides/slide36.xml><?xml version="1.0" encoding="utf-8"?>
 <p:sld xmlns:a="http://schemas.openxmlformats.org/drawingml/2006/main" xmlns:r="http://schemas.openxmlformats.org/officeDocument/2006/relationships" xmlns:p="http://schemas.openxmlformats.org/presentationml/2006/main">
   <p:cSld>
     <p:spTree>
@@ -11157,7 +12095,7 @@
 </p:sld>
 </file>
 
-<file path=ppt/slides/slide34.xml><?xml version="1.0" encoding="utf-8"?>
+<file path=ppt/slides/slide37.xml><?xml version="1.0" encoding="utf-8"?>
 <p:sld xmlns:a="http://schemas.openxmlformats.org/drawingml/2006/main" xmlns:r="http://schemas.openxmlformats.org/officeDocument/2006/relationships" xmlns:p="http://schemas.openxmlformats.org/presentationml/2006/main">
   <p:cSld>
     <p:spTree>
@@ -11455,7 +12393,7 @@
 </p:sld>
 </file>
 
-<file path=ppt/slides/slide35.xml><?xml version="1.0" encoding="utf-8"?>
+<file path=ppt/slides/slide38.xml><?xml version="1.0" encoding="utf-8"?>
 <p:sld xmlns:a="http://schemas.openxmlformats.org/drawingml/2006/main" xmlns:r="http://schemas.openxmlformats.org/officeDocument/2006/relationships" xmlns:p="http://schemas.openxmlformats.org/presentationml/2006/main">
   <p:cSld>
     <p:spTree>
@@ -11767,7 +12705,7 @@
 </p:sld>
 </file>
 
-<file path=ppt/slides/slide36.xml><?xml version="1.0" encoding="utf-8"?>
+<file path=ppt/slides/slide39.xml><?xml version="1.0" encoding="utf-8"?>
 <p:sld xmlns:a="http://schemas.openxmlformats.org/drawingml/2006/main" xmlns:r="http://schemas.openxmlformats.org/officeDocument/2006/relationships" xmlns:p="http://schemas.openxmlformats.org/presentationml/2006/main">
   <p:cSld>
     <p:bg>
@@ -13099,7 +14037,197 @@
 </p:sld>
 </file>
 
-<file path=ppt/slides/slide37.xml><?xml version="1.0" encoding="utf-8"?>
+<file path=ppt/slides/slide4.xml><?xml version="1.0" encoding="utf-8"?>
+<p:sld xmlns:a="http://schemas.openxmlformats.org/drawingml/2006/main" xmlns:r="http://schemas.openxmlformats.org/officeDocument/2006/relationships" xmlns:p="http://schemas.openxmlformats.org/presentationml/2006/main">
+  <p:cSld>
+    <p:spTree>
+      <p:nvGrpSpPr>
+        <p:cNvPr id="1" name=""/>
+        <p:cNvGrpSpPr/>
+        <p:nvPr/>
+      </p:nvGrpSpPr>
+      <p:grpSpPr>
+        <a:xfrm>
+          <a:off x="0" y="0"/>
+          <a:ext cx="0" cy="0"/>
+          <a:chOff x="0" y="0"/>
+          <a:chExt cx="0" cy="0"/>
+        </a:xfrm>
+      </p:grpSpPr>
+      <p:sp>
+        <p:nvSpPr>
+          <p:cNvPr id="2" name="Title 1">
+            <a:extLst>
+              <a:ext uri="{FF2B5EF4-FFF2-40B4-BE49-F238E27FC236}">
+                <a16:creationId xmlns:a16="http://schemas.microsoft.com/office/drawing/2014/main" id="{72688CD5-5892-1093-731C-D2FBB7223DC2}"/>
+              </a:ext>
+            </a:extLst>
+          </p:cNvPr>
+          <p:cNvSpPr>
+            <a:spLocks noGrp="1"/>
+          </p:cNvSpPr>
+          <p:nvPr>
+            <p:ph type="title"/>
+          </p:nvPr>
+        </p:nvSpPr>
+        <p:spPr/>
+        <p:txBody>
+          <a:bodyPr/>
+          <a:lstStyle/>
+          <a:p>
+            <a:r>
+              <a:rPr lang="en-US" dirty="0"/>
+              <a:t>Problem statement</a:t>
+            </a:r>
+            <a:endParaRPr lang="en-IN" dirty="0"/>
+          </a:p>
+        </p:txBody>
+      </p:sp>
+      <p:sp>
+        <p:nvSpPr>
+          <p:cNvPr id="3" name="Content Placeholder 2">
+            <a:extLst>
+              <a:ext uri="{FF2B5EF4-FFF2-40B4-BE49-F238E27FC236}">
+                <a16:creationId xmlns:a16="http://schemas.microsoft.com/office/drawing/2014/main" id="{00CCF652-DACC-6FD7-DEF2-5F579B578C6F}"/>
+              </a:ext>
+            </a:extLst>
+          </p:cNvPr>
+          <p:cNvSpPr>
+            <a:spLocks noGrp="1"/>
+          </p:cNvSpPr>
+          <p:nvPr>
+            <p:ph idx="1"/>
+          </p:nvPr>
+        </p:nvSpPr>
+        <p:spPr>
+          <a:xfrm>
+            <a:off x="1069848" y="1855177"/>
+            <a:ext cx="10058400" cy="4317023"/>
+          </a:xfrm>
+        </p:spPr>
+        <p:txBody>
+          <a:bodyPr>
+            <a:normAutofit fontScale="85000" lnSpcReduction="10000"/>
+          </a:bodyPr>
+          <a:lstStyle/>
+          <a:p>
+            <a:pPr marL="0" indent="0">
+              <a:lnSpc>
+                <a:spcPct val="150000"/>
+              </a:lnSpc>
+              <a:buNone/>
+            </a:pPr>
+            <a:r>
+              <a:rPr lang="en-US" dirty="0"/>
+              <a:t>Problem Statement:   The manual process of managing inventory is becoming increasingly difficult and inefficient in today's fast-paced business environment. This leads to a number of challenges, including:</a:t>
+            </a:r>
+          </a:p>
+          <a:p>
+            <a:pPr lvl="1">
+              <a:lnSpc>
+                <a:spcPct val="150000"/>
+              </a:lnSpc>
+            </a:pPr>
+            <a:r>
+              <a:rPr lang="en-US" dirty="0"/>
+              <a:t>Inaccurate tracking of inventory levels</a:t>
+            </a:r>
+          </a:p>
+          <a:p>
+            <a:pPr lvl="1">
+              <a:lnSpc>
+                <a:spcPct val="150000"/>
+              </a:lnSpc>
+            </a:pPr>
+            <a:r>
+              <a:rPr lang="en-US" dirty="0"/>
+              <a:t>Increased costs due to overstocking or stock shortages</a:t>
+            </a:r>
+          </a:p>
+          <a:p>
+            <a:pPr lvl="1">
+              <a:lnSpc>
+                <a:spcPct val="150000"/>
+              </a:lnSpc>
+            </a:pPr>
+            <a:r>
+              <a:rPr lang="en-US" dirty="0"/>
+              <a:t>Poor customer satisfaction due to unavailability of products</a:t>
+            </a:r>
+          </a:p>
+          <a:p>
+            <a:pPr lvl="1">
+              <a:lnSpc>
+                <a:spcPct val="150000"/>
+              </a:lnSpc>
+            </a:pPr>
+            <a:r>
+              <a:rPr lang="en-US" dirty="0"/>
+              <a:t>Time-consuming manual processes</a:t>
+            </a:r>
+          </a:p>
+          <a:p>
+            <a:pPr lvl="1">
+              <a:lnSpc>
+                <a:spcPct val="150000"/>
+              </a:lnSpc>
+            </a:pPr>
+            <a:r>
+              <a:rPr lang="en-US" dirty="0"/>
+              <a:t>Inability to make informed decisions about inventory levels and reordering</a:t>
+            </a:r>
+          </a:p>
+          <a:p>
+            <a:pPr lvl="1">
+              <a:lnSpc>
+                <a:spcPct val="150000"/>
+              </a:lnSpc>
+            </a:pPr>
+            <a:r>
+              <a:rPr lang="en-US" dirty="0"/>
+              <a:t>Lack of real-time data on stock levels and demand patterns</a:t>
+            </a:r>
+          </a:p>
+          <a:p>
+            <a:pPr lvl="1">
+              <a:lnSpc>
+                <a:spcPct val="150000"/>
+              </a:lnSpc>
+            </a:pPr>
+            <a:r>
+              <a:rPr lang="en-US" dirty="0"/>
+              <a:t>These challenges highlight the need for a more efficient and automated solution for inventory management.</a:t>
+            </a:r>
+            <a:endParaRPr lang="en-IN" dirty="0"/>
+          </a:p>
+        </p:txBody>
+      </p:sp>
+    </p:spTree>
+    <p:extLst>
+      <p:ext uri="{BB962C8B-B14F-4D97-AF65-F5344CB8AC3E}">
+        <p14:creationId xmlns:p14="http://schemas.microsoft.com/office/powerpoint/2010/main" val="2940286370"/>
+      </p:ext>
+    </p:extLst>
+  </p:cSld>
+  <p:clrMapOvr>
+    <a:masterClrMapping/>
+  </p:clrMapOvr>
+  <mc:AlternateContent xmlns:mc="http://schemas.openxmlformats.org/markup-compatibility/2006" xmlns:p14="http://schemas.microsoft.com/office/powerpoint/2010/main">
+    <mc:Choice Requires="p14">
+      <p:transition spd="med" p14:dur="700">
+        <p:fade/>
+      </p:transition>
+    </mc:Choice>
+    <mc:Fallback xmlns="">
+      <p:transition spd="med">
+        <p:fade/>
+      </p:transition>
+    </mc:Fallback>
+  </mc:AlternateContent>
+</p:sld>
+</file>
+
+<file path=ppt/slides/slide40.xml><?xml version="1.0" encoding="utf-8"?>
 <p:sld xmlns:a="http://schemas.openxmlformats.org/drawingml/2006/main" xmlns:r="http://schemas.openxmlformats.org/officeDocument/2006/relationships" xmlns:p="http://schemas.openxmlformats.org/presentationml/2006/main">
   <p:cSld>
     <p:bg>
@@ -13745,7 +14873,7 @@
 </p:sld>
 </file>
 
-<file path=ppt/slides/slide38.xml><?xml version="1.0" encoding="utf-8"?>
+<file path=ppt/slides/slide41.xml><?xml version="1.0" encoding="utf-8"?>
 <p:sld xmlns:a="http://schemas.openxmlformats.org/drawingml/2006/main" xmlns:r="http://schemas.openxmlformats.org/officeDocument/2006/relationships" xmlns:p="http://schemas.openxmlformats.org/presentationml/2006/main">
   <p:cSld>
     <p:spTree>
@@ -13955,563 +15083,7 @@
 </p:sld>
 </file>
 
-<file path=ppt/slides/slide39.xml><?xml version="1.0" encoding="utf-8"?>
-<p:sld xmlns:a="http://schemas.openxmlformats.org/drawingml/2006/main" xmlns:r="http://schemas.openxmlformats.org/officeDocument/2006/relationships" xmlns:p="http://schemas.openxmlformats.org/presentationml/2006/main">
-  <p:cSld>
-    <p:spTree>
-      <p:nvGrpSpPr>
-        <p:cNvPr id="1" name=""/>
-        <p:cNvGrpSpPr/>
-        <p:nvPr/>
-      </p:nvGrpSpPr>
-      <p:grpSpPr>
-        <a:xfrm>
-          <a:off x="0" y="0"/>
-          <a:ext cx="0" cy="0"/>
-          <a:chOff x="0" y="0"/>
-          <a:chExt cx="0" cy="0"/>
-        </a:xfrm>
-      </p:grpSpPr>
-      <p:sp>
-        <p:nvSpPr>
-          <p:cNvPr id="2" name="Title 1">
-            <a:extLst>
-              <a:ext uri="{FF2B5EF4-FFF2-40B4-BE49-F238E27FC236}">
-                <a16:creationId xmlns:a16="http://schemas.microsoft.com/office/drawing/2014/main" id="{D4271991-FF89-444B-A4AE-F924423DE3A8}"/>
-              </a:ext>
-            </a:extLst>
-          </p:cNvPr>
-          <p:cNvSpPr>
-            <a:spLocks noGrp="1"/>
-          </p:cNvSpPr>
-          <p:nvPr>
-            <p:ph type="title"/>
-          </p:nvPr>
-        </p:nvSpPr>
-        <p:spPr>
-          <a:xfrm>
-            <a:off x="1069848" y="484632"/>
-            <a:ext cx="10058400" cy="781460"/>
-          </a:xfrm>
-        </p:spPr>
-        <p:txBody>
-          <a:bodyPr>
-            <a:normAutofit fontScale="90000"/>
-          </a:bodyPr>
-          <a:lstStyle/>
-          <a:p>
-            <a:r>
-              <a:rPr lang="en-US" dirty="0"/>
-              <a:t>Datasets</a:t>
-            </a:r>
-            <a:endParaRPr lang="en-IN" dirty="0"/>
-          </a:p>
-        </p:txBody>
-      </p:sp>
-      <p:sp>
-        <p:nvSpPr>
-          <p:cNvPr id="3" name="Content Placeholder 2">
-            <a:extLst>
-              <a:ext uri="{FF2B5EF4-FFF2-40B4-BE49-F238E27FC236}">
-                <a16:creationId xmlns:a16="http://schemas.microsoft.com/office/drawing/2014/main" id="{18B1C9AC-C79B-FB8D-2F3F-71FCA5BE3CA2}"/>
-              </a:ext>
-            </a:extLst>
-          </p:cNvPr>
-          <p:cNvSpPr>
-            <a:spLocks noGrp="1"/>
-          </p:cNvSpPr>
-          <p:nvPr>
-            <p:ph idx="1"/>
-          </p:nvPr>
-        </p:nvSpPr>
-        <p:spPr>
-          <a:xfrm>
-            <a:off x="1066800" y="1371600"/>
-            <a:ext cx="10058400" cy="4484077"/>
-          </a:xfrm>
-        </p:spPr>
-        <p:txBody>
-          <a:bodyPr/>
-          <a:lstStyle/>
-          <a:p>
-            <a:r>
-              <a:rPr lang="en-US" dirty="0">
-                <a:latin typeface="Bookman Old Style" panose="02050604050505020204" pitchFamily="18" charset="0"/>
-              </a:rPr>
-              <a:t>Sources:</a:t>
-            </a:r>
-          </a:p>
-          <a:p>
-            <a:pPr lvl="1">
-              <a:lnSpc>
-                <a:spcPct val="150000"/>
-              </a:lnSpc>
-            </a:pPr>
-            <a:r>
-              <a:rPr lang="en-US" b="1" i="0" dirty="0">
-                <a:solidFill>
-                  <a:srgbClr val="202124"/>
-                </a:solidFill>
-                <a:effectLst/>
-                <a:latin typeface="Bookman Old Style" panose="02050604050505020204" pitchFamily="18" charset="0"/>
-              </a:rPr>
-              <a:t>DATASET - Images of mechanical parts (Bolt, Nut, Washer, Pin) </a:t>
-            </a:r>
-            <a:r>
-              <a:rPr lang="en-US" sz="1400" dirty="0">
-                <a:latin typeface="Bookman Old Style" panose="02050604050505020204" pitchFamily="18" charset="0"/>
-                <a:hlinkClick r:id="rId2"/>
-              </a:rPr>
-              <a:t>https://www.kaggle.com/datasets/manikantanrnair/images-of-mechanical-parts-boltnut-washerpin</a:t>
-            </a:r>
-            <a:r>
-              <a:rPr lang="en-US" sz="1400" dirty="0">
-                <a:latin typeface="Bookman Old Style" panose="02050604050505020204" pitchFamily="18" charset="0"/>
-              </a:rPr>
-              <a:t> </a:t>
-            </a:r>
-          </a:p>
-          <a:p>
-            <a:pPr marL="274320" lvl="1" indent="0">
-              <a:buNone/>
-            </a:pPr>
-            <a:endParaRPr lang="en-US" b="1" dirty="0"/>
-          </a:p>
-        </p:txBody>
-      </p:sp>
-      <p:pic>
-        <p:nvPicPr>
-          <p:cNvPr id="6" name="Picture 5">
-            <a:extLst>
-              <a:ext uri="{FF2B5EF4-FFF2-40B4-BE49-F238E27FC236}">
-                <a16:creationId xmlns:a16="http://schemas.microsoft.com/office/drawing/2014/main" id="{1C4A4CB5-6A1F-C2D1-8D5C-2F4628CAB704}"/>
-              </a:ext>
-            </a:extLst>
-          </p:cNvPr>
-          <p:cNvPicPr>
-            <a:picLocks noChangeAspect="1"/>
-          </p:cNvPicPr>
-          <p:nvPr/>
-        </p:nvPicPr>
-        <p:blipFill rotWithShape="1">
-          <a:blip r:embed="rId3"/>
-          <a:srcRect l="9559" t="16340" r="2647" b="1438"/>
-          <a:stretch/>
-        </p:blipFill>
-        <p:spPr>
-          <a:xfrm>
-            <a:off x="932331" y="2987690"/>
-            <a:ext cx="2841884" cy="1497106"/>
-          </a:xfrm>
-          <a:prstGeom prst="rect">
-            <a:avLst/>
-          </a:prstGeom>
-        </p:spPr>
-      </p:pic>
-      <p:sp>
-        <p:nvSpPr>
-          <p:cNvPr id="7" name="TextBox 6">
-            <a:extLst>
-              <a:ext uri="{FF2B5EF4-FFF2-40B4-BE49-F238E27FC236}">
-                <a16:creationId xmlns:a16="http://schemas.microsoft.com/office/drawing/2014/main" id="{1F8A0EBC-12A4-3F04-93E4-7C5810B80345}"/>
-              </a:ext>
-            </a:extLst>
-          </p:cNvPr>
-          <p:cNvSpPr txBox="1"/>
-          <p:nvPr/>
-        </p:nvSpPr>
-        <p:spPr>
-          <a:xfrm>
-            <a:off x="2008094" y="4616238"/>
-            <a:ext cx="1335741" cy="369332"/>
-          </a:xfrm>
-          <a:prstGeom prst="rect">
-            <a:avLst/>
-          </a:prstGeom>
-          <a:noFill/>
-        </p:spPr>
-        <p:txBody>
-          <a:bodyPr wrap="square" rtlCol="0">
-            <a:spAutoFit/>
-          </a:bodyPr>
-          <a:lstStyle/>
-          <a:p>
-            <a:r>
-              <a:rPr lang="en-US" dirty="0"/>
-              <a:t>Bolts</a:t>
-            </a:r>
-            <a:endParaRPr lang="en-IN" dirty="0"/>
-          </a:p>
-        </p:txBody>
-      </p:sp>
-      <p:pic>
-        <p:nvPicPr>
-          <p:cNvPr id="9" name="Picture 8">
-            <a:extLst>
-              <a:ext uri="{FF2B5EF4-FFF2-40B4-BE49-F238E27FC236}">
-                <a16:creationId xmlns:a16="http://schemas.microsoft.com/office/drawing/2014/main" id="{0136141D-22B4-43B1-8490-119561AAEA0E}"/>
-              </a:ext>
-            </a:extLst>
-          </p:cNvPr>
-          <p:cNvPicPr>
-            <a:picLocks noChangeAspect="1"/>
-          </p:cNvPicPr>
-          <p:nvPr/>
-        </p:nvPicPr>
-        <p:blipFill rotWithShape="1">
-          <a:blip r:embed="rId4"/>
-          <a:srcRect l="9706" t="15949" r="2573" b="1568"/>
-          <a:stretch/>
-        </p:blipFill>
-        <p:spPr>
-          <a:xfrm>
-            <a:off x="4338916" y="3012141"/>
-            <a:ext cx="2830503" cy="1497106"/>
-          </a:xfrm>
-          <a:prstGeom prst="rect">
-            <a:avLst/>
-          </a:prstGeom>
-        </p:spPr>
-      </p:pic>
-      <p:sp>
-        <p:nvSpPr>
-          <p:cNvPr id="10" name="TextBox 9">
-            <a:extLst>
-              <a:ext uri="{FF2B5EF4-FFF2-40B4-BE49-F238E27FC236}">
-                <a16:creationId xmlns:a16="http://schemas.microsoft.com/office/drawing/2014/main" id="{B7650581-4B9A-C3CB-52D2-636683B22540}"/>
-              </a:ext>
-            </a:extLst>
-          </p:cNvPr>
-          <p:cNvSpPr txBox="1"/>
-          <p:nvPr/>
-        </p:nvSpPr>
-        <p:spPr>
-          <a:xfrm>
-            <a:off x="5134431" y="4628464"/>
-            <a:ext cx="1335741" cy="369332"/>
-          </a:xfrm>
-          <a:prstGeom prst="rect">
-            <a:avLst/>
-          </a:prstGeom>
-          <a:noFill/>
-        </p:spPr>
-        <p:txBody>
-          <a:bodyPr wrap="square" rtlCol="0">
-            <a:spAutoFit/>
-          </a:bodyPr>
-          <a:lstStyle/>
-          <a:p>
-            <a:r>
-              <a:rPr lang="en-US" dirty="0"/>
-              <a:t>Washer</a:t>
-            </a:r>
-            <a:endParaRPr lang="en-IN" dirty="0"/>
-          </a:p>
-        </p:txBody>
-      </p:sp>
-      <p:pic>
-        <p:nvPicPr>
-          <p:cNvPr id="12" name="Picture 11">
-            <a:extLst>
-              <a:ext uri="{FF2B5EF4-FFF2-40B4-BE49-F238E27FC236}">
-                <a16:creationId xmlns:a16="http://schemas.microsoft.com/office/drawing/2014/main" id="{3A7EDFC0-4525-1DE3-8779-4706DF83F5DA}"/>
-              </a:ext>
-            </a:extLst>
-          </p:cNvPr>
-          <p:cNvPicPr>
-            <a:picLocks noChangeAspect="1"/>
-          </p:cNvPicPr>
-          <p:nvPr/>
-        </p:nvPicPr>
-        <p:blipFill rotWithShape="1">
-          <a:blip r:embed="rId5"/>
-          <a:srcRect l="9779" t="18462" r="2207" b="1568"/>
-          <a:stretch/>
-        </p:blipFill>
-        <p:spPr>
-          <a:xfrm>
-            <a:off x="7937489" y="2987690"/>
-            <a:ext cx="3003933" cy="1535266"/>
-          </a:xfrm>
-          <a:prstGeom prst="rect">
-            <a:avLst/>
-          </a:prstGeom>
-        </p:spPr>
-      </p:pic>
-      <p:sp>
-        <p:nvSpPr>
-          <p:cNvPr id="13" name="TextBox 12">
-            <a:extLst>
-              <a:ext uri="{FF2B5EF4-FFF2-40B4-BE49-F238E27FC236}">
-                <a16:creationId xmlns:a16="http://schemas.microsoft.com/office/drawing/2014/main" id="{8115098A-45B1-914D-0098-5EF0E87729E6}"/>
-              </a:ext>
-            </a:extLst>
-          </p:cNvPr>
-          <p:cNvSpPr txBox="1"/>
-          <p:nvPr/>
-        </p:nvSpPr>
-        <p:spPr>
-          <a:xfrm>
-            <a:off x="9107762" y="4622175"/>
-            <a:ext cx="1335741" cy="369332"/>
-          </a:xfrm>
-          <a:prstGeom prst="rect">
-            <a:avLst/>
-          </a:prstGeom>
-          <a:noFill/>
-        </p:spPr>
-        <p:txBody>
-          <a:bodyPr wrap="square" rtlCol="0">
-            <a:spAutoFit/>
-          </a:bodyPr>
-          <a:lstStyle/>
-          <a:p>
-            <a:r>
-              <a:rPr lang="en-US" dirty="0"/>
-              <a:t>Nuts</a:t>
-            </a:r>
-            <a:endParaRPr lang="en-IN" dirty="0"/>
-          </a:p>
-        </p:txBody>
-      </p:sp>
-      <p:pic>
-        <p:nvPicPr>
-          <p:cNvPr id="15" name="Picture 14">
-            <a:extLst>
-              <a:ext uri="{FF2B5EF4-FFF2-40B4-BE49-F238E27FC236}">
-                <a16:creationId xmlns:a16="http://schemas.microsoft.com/office/drawing/2014/main" id="{8413B6EF-9FAA-876A-61BC-06C2CDF4947B}"/>
-              </a:ext>
-            </a:extLst>
-          </p:cNvPr>
-          <p:cNvPicPr>
-            <a:picLocks noChangeAspect="1"/>
-          </p:cNvPicPr>
-          <p:nvPr/>
-        </p:nvPicPr>
-        <p:blipFill rotWithShape="1">
-          <a:blip r:embed="rId6"/>
-          <a:srcRect l="10367" t="18462" r="3309" b="1961"/>
-          <a:stretch/>
-        </p:blipFill>
-        <p:spPr>
-          <a:xfrm>
-            <a:off x="2268071" y="5200226"/>
-            <a:ext cx="2528047" cy="1310901"/>
-          </a:xfrm>
-          <a:prstGeom prst="rect">
-            <a:avLst/>
-          </a:prstGeom>
-        </p:spPr>
-      </p:pic>
-      <p:sp>
-        <p:nvSpPr>
-          <p:cNvPr id="16" name="TextBox 15">
-            <a:extLst>
-              <a:ext uri="{FF2B5EF4-FFF2-40B4-BE49-F238E27FC236}">
-                <a16:creationId xmlns:a16="http://schemas.microsoft.com/office/drawing/2014/main" id="{01EC4948-8C22-230C-CF91-472F18695CF3}"/>
-              </a:ext>
-            </a:extLst>
-          </p:cNvPr>
-          <p:cNvSpPr txBox="1"/>
-          <p:nvPr/>
-        </p:nvSpPr>
-        <p:spPr>
-          <a:xfrm>
-            <a:off x="5134431" y="5756523"/>
-            <a:ext cx="1821424" cy="369332"/>
-          </a:xfrm>
-          <a:prstGeom prst="rect">
-            <a:avLst/>
-          </a:prstGeom>
-          <a:noFill/>
-        </p:spPr>
-        <p:txBody>
-          <a:bodyPr wrap="square" rtlCol="0">
-            <a:spAutoFit/>
-          </a:bodyPr>
-          <a:lstStyle/>
-          <a:p>
-            <a:r>
-              <a:rPr lang="en-US" dirty="0"/>
-              <a:t>Locating Pin</a:t>
-            </a:r>
-            <a:endParaRPr lang="en-IN" dirty="0"/>
-          </a:p>
-        </p:txBody>
-      </p:sp>
-    </p:spTree>
-    <p:extLst>
-      <p:ext uri="{BB962C8B-B14F-4D97-AF65-F5344CB8AC3E}">
-        <p14:creationId xmlns:p14="http://schemas.microsoft.com/office/powerpoint/2010/main" val="667155574"/>
-      </p:ext>
-    </p:extLst>
-  </p:cSld>
-  <p:clrMapOvr>
-    <a:masterClrMapping/>
-  </p:clrMapOvr>
-  <mc:AlternateContent xmlns:mc="http://schemas.openxmlformats.org/markup-compatibility/2006" xmlns:p14="http://schemas.microsoft.com/office/powerpoint/2010/main">
-    <mc:Choice Requires="p14">
-      <p:transition spd="med" p14:dur="700">
-        <p:fade/>
-      </p:transition>
-    </mc:Choice>
-    <mc:Fallback xmlns="">
-      <p:transition spd="med">
-        <p:fade/>
-      </p:transition>
-    </mc:Fallback>
-  </mc:AlternateContent>
-</p:sld>
-</file>
-
-<file path=ppt/slides/slide4.xml><?xml version="1.0" encoding="utf-8"?>
-<p:sld xmlns:a="http://schemas.openxmlformats.org/drawingml/2006/main" xmlns:r="http://schemas.openxmlformats.org/officeDocument/2006/relationships" xmlns:p="http://schemas.openxmlformats.org/presentationml/2006/main">
-  <p:cSld>
-    <p:spTree>
-      <p:nvGrpSpPr>
-        <p:cNvPr id="1" name=""/>
-        <p:cNvGrpSpPr/>
-        <p:nvPr/>
-      </p:nvGrpSpPr>
-      <p:grpSpPr>
-        <a:xfrm>
-          <a:off x="0" y="0"/>
-          <a:ext cx="0" cy="0"/>
-          <a:chOff x="0" y="0"/>
-          <a:chExt cx="0" cy="0"/>
-        </a:xfrm>
-      </p:grpSpPr>
-      <p:sp>
-        <p:nvSpPr>
-          <p:cNvPr id="2" name="Title 1">
-            <a:extLst>
-              <a:ext uri="{FF2B5EF4-FFF2-40B4-BE49-F238E27FC236}">
-                <a16:creationId xmlns:a16="http://schemas.microsoft.com/office/drawing/2014/main" id="{72688CD5-5892-1093-731C-D2FBB7223DC2}"/>
-              </a:ext>
-            </a:extLst>
-          </p:cNvPr>
-          <p:cNvSpPr>
-            <a:spLocks noGrp="1"/>
-          </p:cNvSpPr>
-          <p:nvPr>
-            <p:ph type="title"/>
-          </p:nvPr>
-        </p:nvSpPr>
-        <p:spPr/>
-        <p:txBody>
-          <a:bodyPr/>
-          <a:lstStyle/>
-          <a:p>
-            <a:r>
-              <a:rPr lang="en-US" dirty="0"/>
-              <a:t>Problem statement</a:t>
-            </a:r>
-            <a:endParaRPr lang="en-IN" dirty="0"/>
-          </a:p>
-        </p:txBody>
-      </p:sp>
-      <p:sp>
-        <p:nvSpPr>
-          <p:cNvPr id="3" name="Content Placeholder 2">
-            <a:extLst>
-              <a:ext uri="{FF2B5EF4-FFF2-40B4-BE49-F238E27FC236}">
-                <a16:creationId xmlns:a16="http://schemas.microsoft.com/office/drawing/2014/main" id="{00CCF652-DACC-6FD7-DEF2-5F579B578C6F}"/>
-              </a:ext>
-            </a:extLst>
-          </p:cNvPr>
-          <p:cNvSpPr>
-            <a:spLocks noGrp="1"/>
-          </p:cNvSpPr>
-          <p:nvPr>
-            <p:ph idx="1"/>
-          </p:nvPr>
-        </p:nvSpPr>
-        <p:spPr/>
-        <p:txBody>
-          <a:bodyPr>
-            <a:normAutofit fontScale="92500" lnSpcReduction="20000"/>
-          </a:bodyPr>
-          <a:lstStyle/>
-          <a:p>
-            <a:r>
-              <a:rPr lang="en-US" dirty="0"/>
-              <a:t>Problem Statement:   The manual process of managing inventory is becoming increasingly difficult and inefficient in today's fast-paced business environment. This leads to a number of challenges, including:</a:t>
-            </a:r>
-          </a:p>
-          <a:p>
-            <a:endParaRPr lang="en-US" dirty="0"/>
-          </a:p>
-          <a:p>
-            <a:r>
-              <a:rPr lang="en-US" dirty="0"/>
-              <a:t>Inaccurate tracking of inventory levels</a:t>
-            </a:r>
-          </a:p>
-          <a:p>
-            <a:r>
-              <a:rPr lang="en-US" dirty="0"/>
-              <a:t>Increased costs due to overstocking or stock shortages</a:t>
-            </a:r>
-          </a:p>
-          <a:p>
-            <a:r>
-              <a:rPr lang="en-US" dirty="0"/>
-              <a:t>Poor customer satisfaction due to unavailability of products</a:t>
-            </a:r>
-          </a:p>
-          <a:p>
-            <a:r>
-              <a:rPr lang="en-US" dirty="0"/>
-              <a:t>Time-consuming manual processes</a:t>
-            </a:r>
-          </a:p>
-          <a:p>
-            <a:r>
-              <a:rPr lang="en-US" dirty="0"/>
-              <a:t>Inability to make informed decisions about inventory levels and reordering</a:t>
-            </a:r>
-          </a:p>
-          <a:p>
-            <a:r>
-              <a:rPr lang="en-US" dirty="0"/>
-              <a:t>Lack of real-time data on stock levels and demand patterns</a:t>
-            </a:r>
-          </a:p>
-          <a:p>
-            <a:r>
-              <a:rPr lang="en-US" dirty="0"/>
-              <a:t>These challenges highlight the need for a more efficient and automated solution for inventory management.</a:t>
-            </a:r>
-            <a:endParaRPr lang="en-IN" dirty="0"/>
-          </a:p>
-        </p:txBody>
-      </p:sp>
-    </p:spTree>
-    <p:extLst>
-      <p:ext uri="{BB962C8B-B14F-4D97-AF65-F5344CB8AC3E}">
-        <p14:creationId xmlns:p14="http://schemas.microsoft.com/office/powerpoint/2010/main" val="2940286370"/>
-      </p:ext>
-    </p:extLst>
-  </p:cSld>
-  <p:clrMapOvr>
-    <a:masterClrMapping/>
-  </p:clrMapOvr>
-  <mc:AlternateContent xmlns:mc="http://schemas.openxmlformats.org/markup-compatibility/2006" xmlns:p14="http://schemas.microsoft.com/office/powerpoint/2010/main">
-    <mc:Choice Requires="p14">
-      <p:transition spd="med" p14:dur="700">
-        <p:fade/>
-      </p:transition>
-    </mc:Choice>
-    <mc:Fallback xmlns="">
-      <p:transition spd="med">
-        <p:fade/>
-      </p:transition>
-    </mc:Fallback>
-  </mc:AlternateContent>
-</p:sld>
-</file>
-
-<file path=ppt/slides/slide40.xml><?xml version="1.0" encoding="utf-8"?>
+<file path=ppt/slides/slide42.xml><?xml version="1.0" encoding="utf-8"?>
 <p:sld xmlns:a="http://schemas.openxmlformats.org/drawingml/2006/main" xmlns:r="http://schemas.openxmlformats.org/officeDocument/2006/relationships" xmlns:p="http://schemas.openxmlformats.org/presentationml/2006/main">
   <p:cSld>
     <p:spTree>
@@ -14701,7 +15273,7 @@
 </p:sld>
 </file>
 
-<file path=ppt/slides/slide41.xml><?xml version="1.0" encoding="utf-8"?>
+<file path=ppt/slides/slide43.xml><?xml version="1.0" encoding="utf-8"?>
 <p:sld xmlns:a="http://schemas.openxmlformats.org/drawingml/2006/main" xmlns:r="http://schemas.openxmlformats.org/officeDocument/2006/relationships" xmlns:p="http://schemas.openxmlformats.org/presentationml/2006/main">
   <p:cSld>
     <p:spTree>
@@ -18126,7 +18698,7 @@
 </p:sld>
 </file>
 
-<file path=ppt/slides/slide42.xml><?xml version="1.0" encoding="utf-8"?>
+<file path=ppt/slides/slide44.xml><?xml version="1.0" encoding="utf-8"?>
 <p:sld xmlns:a="http://schemas.openxmlformats.org/drawingml/2006/main" xmlns:r="http://schemas.openxmlformats.org/officeDocument/2006/relationships" xmlns:p="http://schemas.openxmlformats.org/presentationml/2006/main">
   <p:cSld>
     <p:spTree>
@@ -18469,7 +19041,7 @@
 </p:sld>
 </file>
 
-<file path=ppt/slides/slide43.xml><?xml version="1.0" encoding="utf-8"?>
+<file path=ppt/slides/slide45.xml><?xml version="1.0" encoding="utf-8"?>
 <p:sld xmlns:a="http://schemas.openxmlformats.org/drawingml/2006/main" xmlns:r="http://schemas.openxmlformats.org/officeDocument/2006/relationships" xmlns:p="http://schemas.openxmlformats.org/presentationml/2006/main">
   <p:cSld>
     <p:spTree>

--- a/ProjectReview-2 (1).pptx
+++ b/ProjectReview-2 (1).pptx
@@ -239,7 +239,7 @@
           <a:p>
             <a:fld id="{E2C6AAEB-6988-43D2-9654-EC3C0BFABB9D}" type="datetimeFigureOut">
               <a:rPr lang="en-IN" smtClean="0"/>
-              <a:t>31-01-2023</a:t>
+              <a:t>01-02-2023</a:t>
             </a:fld>
             <a:endParaRPr lang="en-IN"/>
           </a:p>
@@ -910,7 +910,7 @@
           <a:p>
             <a:fld id="{0D3A107C-E2A5-4917-B22D-A9F2DBD463CC}" type="datetimeFigureOut">
               <a:rPr lang="en-IN" smtClean="0"/>
-              <a:t>31-01-2023</a:t>
+              <a:t>01-02-2023</a:t>
             </a:fld>
             <a:endParaRPr lang="en-IN"/>
           </a:p>
@@ -1101,7 +1101,7 @@
           <a:p>
             <a:fld id="{0D3A107C-E2A5-4917-B22D-A9F2DBD463CC}" type="datetimeFigureOut">
               <a:rPr lang="en-IN" smtClean="0"/>
-              <a:t>31-01-2023</a:t>
+              <a:t>01-02-2023</a:t>
             </a:fld>
             <a:endParaRPr lang="en-IN"/>
           </a:p>
@@ -1293,7 +1293,7 @@
           <a:p>
             <a:fld id="{0D3A107C-E2A5-4917-B22D-A9F2DBD463CC}" type="datetimeFigureOut">
               <a:rPr lang="en-IN" smtClean="0"/>
-              <a:t>31-01-2023</a:t>
+              <a:t>01-02-2023</a:t>
             </a:fld>
             <a:endParaRPr lang="en-IN"/>
           </a:p>
@@ -1475,7 +1475,7 @@
           <a:p>
             <a:fld id="{0D3A107C-E2A5-4917-B22D-A9F2DBD463CC}" type="datetimeFigureOut">
               <a:rPr lang="en-IN" smtClean="0"/>
-              <a:t>31-01-2023</a:t>
+              <a:t>01-02-2023</a:t>
             </a:fld>
             <a:endParaRPr lang="en-IN"/>
           </a:p>
@@ -1800,7 +1800,7 @@
           <a:p>
             <a:fld id="{0D3A107C-E2A5-4917-B22D-A9F2DBD463CC}" type="datetimeFigureOut">
               <a:rPr lang="en-IN" smtClean="0"/>
-              <a:t>31-01-2023</a:t>
+              <a:t>01-02-2023</a:t>
             </a:fld>
             <a:endParaRPr lang="en-IN"/>
           </a:p>
@@ -2198,7 +2198,7 @@
           <a:p>
             <a:fld id="{0D3A107C-E2A5-4917-B22D-A9F2DBD463CC}" type="datetimeFigureOut">
               <a:rPr lang="en-IN" smtClean="0"/>
-              <a:t>31-01-2023</a:t>
+              <a:t>01-02-2023</a:t>
             </a:fld>
             <a:endParaRPr lang="en-IN"/>
           </a:p>
@@ -2644,7 +2644,7 @@
           <a:p>
             <a:fld id="{0D3A107C-E2A5-4917-B22D-A9F2DBD463CC}" type="datetimeFigureOut">
               <a:rPr lang="en-IN" smtClean="0"/>
-              <a:t>31-01-2023</a:t>
+              <a:t>01-02-2023</a:t>
             </a:fld>
             <a:endParaRPr lang="en-IN"/>
           </a:p>
@@ -2774,7 +2774,7 @@
           <a:p>
             <a:fld id="{0D3A107C-E2A5-4917-B22D-A9F2DBD463CC}" type="datetimeFigureOut">
               <a:rPr lang="en-IN" smtClean="0"/>
-              <a:t>31-01-2023</a:t>
+              <a:t>01-02-2023</a:t>
             </a:fld>
             <a:endParaRPr lang="en-IN"/>
           </a:p>
@@ -2881,7 +2881,7 @@
           <a:p>
             <a:fld id="{0D3A107C-E2A5-4917-B22D-A9F2DBD463CC}" type="datetimeFigureOut">
               <a:rPr lang="en-IN" smtClean="0"/>
-              <a:t>31-01-2023</a:t>
+              <a:t>01-02-2023</a:t>
             </a:fld>
             <a:endParaRPr lang="en-IN"/>
           </a:p>
@@ -3243,7 +3243,7 @@
           <a:p>
             <a:fld id="{0D3A107C-E2A5-4917-B22D-A9F2DBD463CC}" type="datetimeFigureOut">
               <a:rPr lang="en-IN" smtClean="0"/>
-              <a:t>31-01-2023</a:t>
+              <a:t>01-02-2023</a:t>
             </a:fld>
             <a:endParaRPr lang="en-IN"/>
           </a:p>
@@ -3680,7 +3680,7 @@
           <a:p>
             <a:fld id="{0D3A107C-E2A5-4917-B22D-A9F2DBD463CC}" type="datetimeFigureOut">
               <a:rPr lang="en-IN" smtClean="0"/>
-              <a:t>31-01-2023</a:t>
+              <a:t>01-02-2023</a:t>
             </a:fld>
             <a:endParaRPr lang="en-IN"/>
           </a:p>
@@ -3973,7 +3973,7 @@
           <a:p>
             <a:fld id="{0D3A107C-E2A5-4917-B22D-A9F2DBD463CC}" type="datetimeFigureOut">
               <a:rPr lang="en-IN" smtClean="0"/>
-              <a:t>31-01-2023</a:t>
+              <a:t>01-02-2023</a:t>
             </a:fld>
             <a:endParaRPr lang="en-IN"/>
           </a:p>
@@ -5271,13 +5271,13 @@
   <p:clrMapOvr>
     <a:masterClrMapping/>
   </p:clrMapOvr>
-  <mc:AlternateContent xmlns:mc="http://schemas.openxmlformats.org/markup-compatibility/2006">
-    <mc:Choice xmlns:p14="http://schemas.microsoft.com/office/powerpoint/2010/main" Requires="p14">
+  <mc:AlternateContent xmlns:mc="http://schemas.openxmlformats.org/markup-compatibility/2006" xmlns:p14="http://schemas.microsoft.com/office/powerpoint/2010/main">
+    <mc:Choice Requires="p14">
       <p:transition spd="med" p14:dur="700">
         <p:fade/>
       </p:transition>
     </mc:Choice>
-    <mc:Fallback>
+    <mc:Fallback xmlns="">
       <p:transition spd="med">
         <p:fade/>
       </p:transition>
@@ -12145,7 +12145,7 @@
         </p:blipFill>
         <p:spPr>
           <a:xfrm>
-            <a:off x="1007196" y="2265037"/>
+            <a:off x="1007196" y="2273829"/>
             <a:ext cx="5088800" cy="3907158"/>
           </a:xfrm>
           <a:prstGeom prst="rect">
